--- a/images/theory_analysis/Spark_Architecture/Spark_Architecture.pptx
+++ b/images/theory_analysis/Spark_Architecture/Spark_Architecture.pptx
@@ -5,11 +5,15 @@
     <p:sldMasterId id="2147483648" r:id="rId1"/>
   </p:sldMasterIdLst>
   <p:notesMasterIdLst>
-    <p:notesMasterId r:id="rId4"/>
+    <p:notesMasterId r:id="rId8"/>
   </p:notesMasterIdLst>
   <p:sldIdLst>
     <p:sldId id="366" r:id="rId2"/>
     <p:sldId id="367" r:id="rId3"/>
+    <p:sldId id="370" r:id="rId4"/>
+    <p:sldId id="371" r:id="rId5"/>
+    <p:sldId id="368" r:id="rId6"/>
+    <p:sldId id="369" r:id="rId7"/>
   </p:sldIdLst>
   <p:sldSz cx="9144000" cy="5143500" type="screen16x9"/>
   <p:notesSz cx="6858000" cy="9144000"/>
@@ -556,6 +560,174 @@
     <p:extLst>
       <p:ext uri="{BB962C8B-B14F-4D97-AF65-F5344CB8AC3E}">
         <p14:creationId xmlns:p14="http://schemas.microsoft.com/office/powerpoint/2010/main" val="223190692"/>
+      </p:ext>
+    </p:extLst>
+  </p:cSld>
+  <p:clrMapOvr>
+    <a:masterClrMapping/>
+  </p:clrMapOvr>
+</p:notes>
+</file>
+
+<file path=ppt/notesSlides/notesSlide2.xml><?xml version="1.0" encoding="utf-8"?>
+<p:notes xmlns:a="http://schemas.openxmlformats.org/drawingml/2006/main" xmlns:r="http://schemas.openxmlformats.org/officeDocument/2006/relationships" xmlns:p="http://schemas.openxmlformats.org/presentationml/2006/main">
+  <p:cSld>
+    <p:spTree>
+      <p:nvGrpSpPr>
+        <p:cNvPr id="1" name=""/>
+        <p:cNvGrpSpPr/>
+        <p:nvPr/>
+      </p:nvGrpSpPr>
+      <p:grpSpPr>
+        <a:xfrm>
+          <a:off x="0" y="0"/>
+          <a:ext cx="0" cy="0"/>
+          <a:chOff x="0" y="0"/>
+          <a:chExt cx="0" cy="0"/>
+        </a:xfrm>
+      </p:grpSpPr>
+      <p:sp>
+        <p:nvSpPr>
+          <p:cNvPr id="2" name="슬라이드 이미지 개체 틀 1"/>
+          <p:cNvSpPr>
+            <a:spLocks noGrp="1" noRot="1" noChangeAspect="1"/>
+          </p:cNvSpPr>
+          <p:nvPr>
+            <p:ph type="sldImg"/>
+          </p:nvPr>
+        </p:nvSpPr>
+        <p:spPr/>
+      </p:sp>
+      <p:sp>
+        <p:nvSpPr>
+          <p:cNvPr id="3" name="슬라이드 노트 개체 틀 2"/>
+          <p:cNvSpPr>
+            <a:spLocks noGrp="1"/>
+          </p:cNvSpPr>
+          <p:nvPr>
+            <p:ph type="body" idx="1"/>
+          </p:nvPr>
+        </p:nvSpPr>
+        <p:spPr/>
+        <p:txBody>
+          <a:bodyPr/>
+          <a:lstStyle/>
+          <a:p>
+            <a:endParaRPr lang="ko-KR" altLang="en-US"/>
+          </a:p>
+        </p:txBody>
+      </p:sp>
+      <p:sp>
+        <p:nvSpPr>
+          <p:cNvPr id="4" name="슬라이드 번호 개체 틀 3"/>
+          <p:cNvSpPr>
+            <a:spLocks noGrp="1"/>
+          </p:cNvSpPr>
+          <p:nvPr>
+            <p:ph type="sldNum" sz="quarter" idx="10"/>
+          </p:nvPr>
+        </p:nvSpPr>
+        <p:spPr/>
+        <p:txBody>
+          <a:bodyPr/>
+          <a:lstStyle/>
+          <a:p>
+            <a:fld id="{BA5DFA43-8D57-47FB-BC46-057616015C3B}" type="slidenum">
+              <a:rPr lang="ko-KR" altLang="en-US" smtClean="0"/>
+              <a:t>4</a:t>
+            </a:fld>
+            <a:endParaRPr lang="ko-KR" altLang="en-US"/>
+          </a:p>
+        </p:txBody>
+      </p:sp>
+    </p:spTree>
+    <p:extLst>
+      <p:ext uri="{BB962C8B-B14F-4D97-AF65-F5344CB8AC3E}">
+        <p14:creationId xmlns:p14="http://schemas.microsoft.com/office/powerpoint/2010/main" val="2485661899"/>
+      </p:ext>
+    </p:extLst>
+  </p:cSld>
+  <p:clrMapOvr>
+    <a:masterClrMapping/>
+  </p:clrMapOvr>
+</p:notes>
+</file>
+
+<file path=ppt/notesSlides/notesSlide3.xml><?xml version="1.0" encoding="utf-8"?>
+<p:notes xmlns:a="http://schemas.openxmlformats.org/drawingml/2006/main" xmlns:r="http://schemas.openxmlformats.org/officeDocument/2006/relationships" xmlns:p="http://schemas.openxmlformats.org/presentationml/2006/main">
+  <p:cSld>
+    <p:spTree>
+      <p:nvGrpSpPr>
+        <p:cNvPr id="1" name=""/>
+        <p:cNvGrpSpPr/>
+        <p:nvPr/>
+      </p:nvGrpSpPr>
+      <p:grpSpPr>
+        <a:xfrm>
+          <a:off x="0" y="0"/>
+          <a:ext cx="0" cy="0"/>
+          <a:chOff x="0" y="0"/>
+          <a:chExt cx="0" cy="0"/>
+        </a:xfrm>
+      </p:grpSpPr>
+      <p:sp>
+        <p:nvSpPr>
+          <p:cNvPr id="2" name="슬라이드 이미지 개체 틀 1"/>
+          <p:cNvSpPr>
+            <a:spLocks noGrp="1" noRot="1" noChangeAspect="1"/>
+          </p:cNvSpPr>
+          <p:nvPr>
+            <p:ph type="sldImg"/>
+          </p:nvPr>
+        </p:nvSpPr>
+        <p:spPr/>
+      </p:sp>
+      <p:sp>
+        <p:nvSpPr>
+          <p:cNvPr id="3" name="슬라이드 노트 개체 틀 2"/>
+          <p:cNvSpPr>
+            <a:spLocks noGrp="1"/>
+          </p:cNvSpPr>
+          <p:nvPr>
+            <p:ph type="body" idx="1"/>
+          </p:nvPr>
+        </p:nvSpPr>
+        <p:spPr/>
+        <p:txBody>
+          <a:bodyPr/>
+          <a:lstStyle/>
+          <a:p>
+            <a:endParaRPr lang="ko-KR" altLang="en-US"/>
+          </a:p>
+        </p:txBody>
+      </p:sp>
+      <p:sp>
+        <p:nvSpPr>
+          <p:cNvPr id="4" name="슬라이드 번호 개체 틀 3"/>
+          <p:cNvSpPr>
+            <a:spLocks noGrp="1"/>
+          </p:cNvSpPr>
+          <p:nvPr>
+            <p:ph type="sldNum" sz="quarter" idx="10"/>
+          </p:nvPr>
+        </p:nvSpPr>
+        <p:spPr/>
+        <p:txBody>
+          <a:bodyPr/>
+          <a:lstStyle/>
+          <a:p>
+            <a:fld id="{BA5DFA43-8D57-47FB-BC46-057616015C3B}" type="slidenum">
+              <a:rPr lang="ko-KR" altLang="en-US" smtClean="0"/>
+              <a:t>5</a:t>
+            </a:fld>
+            <a:endParaRPr lang="ko-KR" altLang="en-US"/>
+          </a:p>
+        </p:txBody>
+      </p:sp>
+    </p:spTree>
+    <p:extLst>
+      <p:ext uri="{BB962C8B-B14F-4D97-AF65-F5344CB8AC3E}">
+        <p14:creationId xmlns:p14="http://schemas.microsoft.com/office/powerpoint/2010/main" val="1262124775"/>
       </p:ext>
     </p:extLst>
   </p:cSld>
@@ -3516,8 +3688,8 @@
         </p:nvSpPr>
         <p:spPr>
           <a:xfrm>
-            <a:off x="1965250" y="3785726"/>
-            <a:ext cx="1464126" cy="484963"/>
+            <a:off x="2965889" y="3619563"/>
+            <a:ext cx="1251478" cy="434579"/>
           </a:xfrm>
           <a:prstGeom prst="roundRect">
             <a:avLst>
@@ -3545,10 +3717,10 @@
           <a:p>
             <a:pPr algn="ctr"/>
             <a:r>
-              <a:rPr lang="en-US" altLang="ko-KR" sz="1400"/>
+              <a:rPr lang="en-US" altLang="ko-KR" sz="1200"/>
               <a:t>Hadoop YARN</a:t>
             </a:r>
-            <a:endParaRPr lang="ko-KR" altLang="en-US" sz="1400"/>
+            <a:endParaRPr lang="ko-KR" altLang="en-US" sz="1200"/>
           </a:p>
         </p:txBody>
       </p:sp>
@@ -3566,8 +3738,8 @@
         </p:nvSpPr>
         <p:spPr>
           <a:xfrm>
-            <a:off x="185093" y="3785722"/>
-            <a:ext cx="1645142" cy="484967"/>
+            <a:off x="1444280" y="3619560"/>
+            <a:ext cx="1406204" cy="434583"/>
           </a:xfrm>
           <a:prstGeom prst="roundRect">
             <a:avLst>
@@ -3595,10 +3767,10 @@
           <a:p>
             <a:pPr algn="ctr"/>
             <a:r>
-              <a:rPr lang="en-US" altLang="ko-KR" sz="1400"/>
+              <a:rPr lang="en-US" altLang="ko-KR" sz="1200"/>
               <a:t>Spark Standalone</a:t>
             </a:r>
-            <a:endParaRPr lang="ko-KR" altLang="en-US" sz="1400"/>
+            <a:endParaRPr lang="ko-KR" altLang="en-US" sz="1200"/>
           </a:p>
         </p:txBody>
       </p:sp>
@@ -3616,8 +3788,8 @@
         </p:nvSpPr>
         <p:spPr>
           <a:xfrm>
-            <a:off x="185092" y="1131235"/>
-            <a:ext cx="1267155" cy="412965"/>
+            <a:off x="1444279" y="1240853"/>
+            <a:ext cx="1083115" cy="370061"/>
           </a:xfrm>
           <a:prstGeom prst="roundRect">
             <a:avLst>
@@ -3645,10 +3817,10 @@
           <a:p>
             <a:pPr algn="ctr"/>
             <a:r>
-              <a:rPr lang="en-US" altLang="ko-KR" sz="1400"/>
+              <a:rPr lang="en-US" altLang="ko-KR" sz="1200"/>
               <a:t>SQL</a:t>
             </a:r>
-            <a:endParaRPr lang="ko-KR" altLang="en-US" sz="1400"/>
+            <a:endParaRPr lang="ko-KR" altLang="en-US" sz="1200"/>
           </a:p>
         </p:txBody>
       </p:sp>
@@ -3666,8 +3838,8 @@
         </p:nvSpPr>
         <p:spPr>
           <a:xfrm>
-            <a:off x="1569088" y="1131235"/>
-            <a:ext cx="1267155" cy="412965"/>
+            <a:off x="2627265" y="1240853"/>
+            <a:ext cx="1083115" cy="370061"/>
           </a:xfrm>
           <a:prstGeom prst="roundRect">
             <a:avLst>
@@ -3695,10 +3867,10 @@
           <a:p>
             <a:pPr algn="ctr"/>
             <a:r>
-              <a:rPr lang="en-US" altLang="ko-KR" sz="1400"/>
+              <a:rPr lang="en-US" altLang="ko-KR" sz="1200"/>
               <a:t>Java</a:t>
             </a:r>
-            <a:endParaRPr lang="ko-KR" altLang="en-US" sz="1400"/>
+            <a:endParaRPr lang="ko-KR" altLang="en-US" sz="1200"/>
           </a:p>
         </p:txBody>
       </p:sp>
@@ -3716,8 +3888,8 @@
         </p:nvSpPr>
         <p:spPr>
           <a:xfrm>
-            <a:off x="2953083" y="1131235"/>
-            <a:ext cx="1267155" cy="412965"/>
+            <a:off x="3810250" y="1240853"/>
+            <a:ext cx="1083115" cy="370061"/>
           </a:xfrm>
           <a:prstGeom prst="roundRect">
             <a:avLst>
@@ -3745,10 +3917,10 @@
           <a:p>
             <a:pPr algn="ctr"/>
             <a:r>
-              <a:rPr lang="en-US" altLang="ko-KR" sz="1400"/>
+              <a:rPr lang="en-US" altLang="ko-KR" sz="1200"/>
               <a:t>Scala</a:t>
             </a:r>
-            <a:endParaRPr lang="ko-KR" altLang="en-US" sz="1400"/>
+            <a:endParaRPr lang="ko-KR" altLang="en-US" sz="1200"/>
           </a:p>
         </p:txBody>
       </p:sp>
@@ -3766,8 +3938,8 @@
         </p:nvSpPr>
         <p:spPr>
           <a:xfrm>
-            <a:off x="4337079" y="1131235"/>
-            <a:ext cx="1267155" cy="412965"/>
+            <a:off x="4993236" y="1240853"/>
+            <a:ext cx="1083115" cy="370061"/>
           </a:xfrm>
           <a:prstGeom prst="roundRect">
             <a:avLst>
@@ -3795,10 +3967,10 @@
           <a:p>
             <a:pPr algn="ctr"/>
             <a:r>
-              <a:rPr lang="en-US" altLang="ko-KR" sz="1400"/>
+              <a:rPr lang="en-US" altLang="ko-KR" sz="1200"/>
               <a:t>Python</a:t>
             </a:r>
-            <a:endParaRPr lang="ko-KR" altLang="en-US" sz="1400"/>
+            <a:endParaRPr lang="ko-KR" altLang="en-US" sz="1200"/>
           </a:p>
         </p:txBody>
       </p:sp>
@@ -3816,8 +3988,8 @@
         </p:nvSpPr>
         <p:spPr>
           <a:xfrm>
-            <a:off x="5697785" y="1131235"/>
-            <a:ext cx="1267155" cy="412965"/>
+            <a:off x="6156315" y="1240853"/>
+            <a:ext cx="1083115" cy="370061"/>
           </a:xfrm>
           <a:prstGeom prst="roundRect">
             <a:avLst>
@@ -3845,10 +4017,10 @@
           <a:p>
             <a:pPr algn="ctr"/>
             <a:r>
-              <a:rPr lang="en-US" altLang="ko-KR" sz="1400"/>
+              <a:rPr lang="en-US" altLang="ko-KR" sz="1200"/>
               <a:t>R</a:t>
             </a:r>
-            <a:endParaRPr lang="ko-KR" altLang="en-US" sz="1400"/>
+            <a:endParaRPr lang="ko-KR" altLang="en-US" sz="1200"/>
           </a:p>
         </p:txBody>
       </p:sp>
@@ -3866,8 +4038,8 @@
         </p:nvSpPr>
         <p:spPr>
           <a:xfrm>
-            <a:off x="180072" y="4398995"/>
-            <a:ext cx="1645142" cy="484963"/>
+            <a:off x="1439988" y="4169119"/>
+            <a:ext cx="1406204" cy="434579"/>
           </a:xfrm>
           <a:prstGeom prst="roundRect">
             <a:avLst>
@@ -3895,10 +4067,10 @@
           <a:p>
             <a:pPr algn="ctr"/>
             <a:r>
-              <a:rPr lang="en-US" altLang="ko-KR" sz="1400"/>
+              <a:rPr lang="en-US" altLang="ko-KR" sz="1200"/>
               <a:t>Mesos</a:t>
             </a:r>
-            <a:endParaRPr lang="ko-KR" altLang="en-US" sz="1400"/>
+            <a:endParaRPr lang="ko-KR" altLang="en-US" sz="1200"/>
           </a:p>
         </p:txBody>
       </p:sp>
@@ -3916,8 +4088,8 @@
         </p:nvSpPr>
         <p:spPr>
           <a:xfrm>
-            <a:off x="1965250" y="4398994"/>
-            <a:ext cx="1465545" cy="484963"/>
+            <a:off x="2965889" y="4169118"/>
+            <a:ext cx="1252691" cy="434579"/>
           </a:xfrm>
           <a:prstGeom prst="roundRect">
             <a:avLst>
@@ -3945,10 +4117,10 @@
           <a:p>
             <a:pPr algn="ctr"/>
             <a:r>
-              <a:rPr lang="en-US" altLang="ko-KR" sz="1400"/>
+              <a:rPr lang="en-US" altLang="ko-KR" sz="1200"/>
               <a:t>Kubernetes</a:t>
             </a:r>
-            <a:endParaRPr lang="ko-KR" altLang="en-US" sz="1400"/>
+            <a:endParaRPr lang="ko-KR" altLang="en-US" sz="1200"/>
           </a:p>
         </p:txBody>
       </p:sp>
@@ -3966,8 +4138,8 @@
         </p:nvSpPr>
         <p:spPr>
           <a:xfrm>
-            <a:off x="180072" y="2164845"/>
-            <a:ext cx="1650162" cy="406696"/>
+            <a:off x="1439987" y="2167079"/>
+            <a:ext cx="1707306" cy="364443"/>
           </a:xfrm>
           <a:prstGeom prst="roundRect">
             <a:avLst>
@@ -3995,10 +4167,17 @@
           <a:p>
             <a:pPr algn="ctr"/>
             <a:r>
-              <a:rPr lang="en-US" altLang="ko-KR" sz="1400"/>
+              <a:rPr lang="en-US" altLang="ko-KR" sz="1100" b="1"/>
               <a:t>Spark SQL</a:t>
             </a:r>
-            <a:endParaRPr lang="ko-KR" altLang="en-US" sz="1400"/>
+          </a:p>
+          <a:p>
+            <a:pPr algn="ctr"/>
+            <a:r>
+              <a:rPr lang="en-US" altLang="ko-KR" sz="1100" b="1"/>
+              <a:t>(Dataframe, Dataset)</a:t>
+            </a:r>
+            <a:endParaRPr lang="ko-KR" altLang="en-US" sz="1100" b="1"/>
           </a:p>
         </p:txBody>
       </p:sp>
@@ -4016,8 +4195,8 @@
         </p:nvSpPr>
         <p:spPr>
           <a:xfrm>
-            <a:off x="108029" y="768235"/>
-            <a:ext cx="6958974" cy="857250"/>
+            <a:off x="1378408" y="915566"/>
+            <a:ext cx="5948261" cy="768188"/>
           </a:xfrm>
           <a:prstGeom prst="roundRect">
             <a:avLst>
@@ -4054,7 +4233,7 @@
           <a:p>
             <a:pPr algn="ctr"/>
             <a:r>
-              <a:rPr lang="en-KR" sz="1400" b="1">
+              <a:rPr lang="en-KR" sz="1200" b="1">
                 <a:solidFill>
                   <a:sysClr val="windowText" lastClr="000000"/>
                 </a:solidFill>
@@ -4078,8 +4257,8 @@
         </p:nvSpPr>
         <p:spPr>
           <a:xfrm>
-            <a:off x="1965250" y="2164845"/>
-            <a:ext cx="1464126" cy="406696"/>
+            <a:off x="3249946" y="2167079"/>
+            <a:ext cx="967420" cy="364443"/>
           </a:xfrm>
           <a:prstGeom prst="roundRect">
             <a:avLst>
@@ -4107,10 +4286,10 @@
           <a:p>
             <a:pPr algn="ctr"/>
             <a:r>
-              <a:rPr lang="en-US" altLang="ko-KR" sz="1400"/>
+              <a:rPr lang="en-US" altLang="ko-KR" sz="1200"/>
               <a:t>MLlib</a:t>
             </a:r>
-            <a:endParaRPr lang="ko-KR" altLang="en-US" sz="1400"/>
+            <a:endParaRPr lang="ko-KR" altLang="en-US" sz="1200"/>
           </a:p>
         </p:txBody>
       </p:sp>
@@ -4128,8 +4307,8 @@
         </p:nvSpPr>
         <p:spPr>
           <a:xfrm>
-            <a:off x="3549473" y="2164845"/>
-            <a:ext cx="1575211" cy="406696"/>
+            <a:off x="4320021" y="2167079"/>
+            <a:ext cx="1346429" cy="364443"/>
           </a:xfrm>
           <a:prstGeom prst="roundRect">
             <a:avLst>
@@ -4157,10 +4336,10 @@
           <a:p>
             <a:pPr algn="ctr"/>
             <a:r>
-              <a:rPr lang="en-US" altLang="ko-KR" sz="1400"/>
+              <a:rPr lang="en-US" altLang="ko-KR" sz="1200"/>
               <a:t>GraphX</a:t>
             </a:r>
-            <a:endParaRPr lang="ko-KR" altLang="en-US" sz="1400"/>
+            <a:endParaRPr lang="ko-KR" altLang="en-US" sz="1200"/>
           </a:p>
         </p:txBody>
       </p:sp>
@@ -4178,8 +4357,8 @@
         </p:nvSpPr>
         <p:spPr>
           <a:xfrm>
-            <a:off x="5244781" y="2164662"/>
-            <a:ext cx="1721740" cy="406696"/>
+            <a:off x="5769105" y="2166915"/>
+            <a:ext cx="1471677" cy="364443"/>
           </a:xfrm>
           <a:prstGeom prst="roundRect">
             <a:avLst>
@@ -4207,10 +4386,10 @@
           <a:p>
             <a:pPr algn="ctr"/>
             <a:r>
-              <a:rPr lang="en-US" altLang="ko-KR" sz="1400"/>
+              <a:rPr lang="en-US" altLang="ko-KR" sz="1200" b="1"/>
               <a:t>Streaming</a:t>
             </a:r>
-            <a:endParaRPr lang="ko-KR" altLang="en-US" sz="1400"/>
+            <a:endParaRPr lang="ko-KR" altLang="en-US" sz="1200" b="1"/>
           </a:p>
         </p:txBody>
       </p:sp>
@@ -4228,8 +4407,8 @@
         </p:nvSpPr>
         <p:spPr>
           <a:xfrm>
-            <a:off x="108029" y="1797148"/>
-            <a:ext cx="6958974" cy="857250"/>
+            <a:off x="1378408" y="1837583"/>
+            <a:ext cx="5948261" cy="768188"/>
           </a:xfrm>
           <a:prstGeom prst="roundRect">
             <a:avLst>
@@ -4266,7 +4445,7 @@
           <a:p>
             <a:pPr algn="ctr"/>
             <a:r>
-              <a:rPr lang="en-KR" sz="1400" b="1">
+              <a:rPr lang="en-KR" sz="1200" b="1">
                 <a:solidFill>
                   <a:sysClr val="windowText" lastClr="000000"/>
                 </a:solidFill>
@@ -4290,8 +4469,8 @@
         </p:nvSpPr>
         <p:spPr>
           <a:xfrm>
-            <a:off x="97345" y="2825221"/>
-            <a:ext cx="6969657" cy="406696"/>
+            <a:off x="1369276" y="2758847"/>
+            <a:ext cx="5957393" cy="364443"/>
           </a:xfrm>
           <a:prstGeom prst="roundRect">
             <a:avLst>
@@ -4319,10 +4498,10 @@
           <a:p>
             <a:pPr algn="ctr"/>
             <a:r>
-              <a:rPr lang="en-US" altLang="ko-KR" sz="1400" b="1"/>
-              <a:t>Spark Core (RDD, Resilient Distributed DataSet)</a:t>
-            </a:r>
-            <a:endParaRPr lang="ko-KR" altLang="en-US" sz="1400" b="1"/>
+              <a:rPr lang="en-US" altLang="ko-KR" sz="1200" b="1"/>
+              <a:t>Spark Core (RDD)</a:t>
+            </a:r>
+            <a:endParaRPr lang="ko-KR" altLang="en-US" sz="1200" b="1"/>
           </a:p>
         </p:txBody>
       </p:sp>
@@ -4340,8 +4519,8 @@
         </p:nvSpPr>
         <p:spPr>
           <a:xfrm>
-            <a:off x="7334630" y="1238438"/>
-            <a:ext cx="1650162" cy="406696"/>
+            <a:off x="7555427" y="1336919"/>
+            <a:ext cx="1410494" cy="364443"/>
           </a:xfrm>
           <a:prstGeom prst="roundRect">
             <a:avLst>
@@ -4369,10 +4548,10 @@
           <a:p>
             <a:pPr algn="ctr"/>
             <a:r>
-              <a:rPr lang="en-US" altLang="ko-KR" sz="1400"/>
+              <a:rPr lang="en-US" altLang="ko-KR" sz="1200"/>
               <a:t>Kafka</a:t>
             </a:r>
-            <a:endParaRPr lang="ko-KR" altLang="en-US" sz="1400"/>
+            <a:endParaRPr lang="ko-KR" altLang="en-US" sz="1200"/>
           </a:p>
         </p:txBody>
       </p:sp>
@@ -4390,8 +4569,8 @@
         </p:nvSpPr>
         <p:spPr>
           <a:xfrm>
-            <a:off x="7334630" y="1766819"/>
-            <a:ext cx="1650162" cy="406696"/>
+            <a:off x="7555427" y="1810405"/>
+            <a:ext cx="1410494" cy="364443"/>
           </a:xfrm>
           <a:prstGeom prst="roundRect">
             <a:avLst>
@@ -4419,10 +4598,10 @@
           <a:p>
             <a:pPr algn="ctr"/>
             <a:r>
-              <a:rPr lang="en-US" altLang="ko-KR" sz="1400"/>
+              <a:rPr lang="en-US" altLang="ko-KR" sz="1200"/>
               <a:t>Flume</a:t>
             </a:r>
-            <a:endParaRPr lang="ko-KR" altLang="en-US" sz="1400"/>
+            <a:endParaRPr lang="ko-KR" altLang="en-US" sz="1200"/>
           </a:p>
         </p:txBody>
       </p:sp>
@@ -4440,8 +4619,8 @@
         </p:nvSpPr>
         <p:spPr>
           <a:xfrm>
-            <a:off x="7334630" y="2310579"/>
-            <a:ext cx="1650162" cy="406696"/>
+            <a:off x="7555427" y="2297673"/>
+            <a:ext cx="1410494" cy="364443"/>
           </a:xfrm>
           <a:prstGeom prst="roundRect">
             <a:avLst>
@@ -4469,10 +4648,10 @@
           <a:p>
             <a:pPr algn="ctr"/>
             <a:r>
-              <a:rPr lang="en-US" altLang="ko-KR" sz="1400"/>
+              <a:rPr lang="en-US" altLang="ko-KR" sz="1200"/>
               <a:t>HDFS</a:t>
             </a:r>
-            <a:endParaRPr lang="ko-KR" altLang="en-US" sz="1400"/>
+            <a:endParaRPr lang="ko-KR" altLang="en-US" sz="1200"/>
           </a:p>
         </p:txBody>
       </p:sp>
@@ -4490,8 +4669,8 @@
         </p:nvSpPr>
         <p:spPr>
           <a:xfrm>
-            <a:off x="7334630" y="2827422"/>
-            <a:ext cx="1650162" cy="406696"/>
+            <a:off x="7555427" y="2760820"/>
+            <a:ext cx="1410494" cy="364443"/>
           </a:xfrm>
           <a:prstGeom prst="roundRect">
             <a:avLst>
@@ -4519,10 +4698,10 @@
           <a:p>
             <a:pPr algn="ctr"/>
             <a:r>
-              <a:rPr lang="en-US" altLang="ko-KR" sz="1400"/>
+              <a:rPr lang="en-US" altLang="ko-KR" sz="1200"/>
               <a:t>ZeroMQ</a:t>
             </a:r>
-            <a:endParaRPr lang="ko-KR" altLang="en-US" sz="1400"/>
+            <a:endParaRPr lang="ko-KR" altLang="en-US" sz="1200"/>
           </a:p>
         </p:txBody>
       </p:sp>
@@ -4540,8 +4719,8 @@
         </p:nvSpPr>
         <p:spPr>
           <a:xfrm>
-            <a:off x="7334630" y="3340800"/>
-            <a:ext cx="1650162" cy="406696"/>
+            <a:off x="7555427" y="3220862"/>
+            <a:ext cx="1410494" cy="364443"/>
           </a:xfrm>
           <a:prstGeom prst="roundRect">
             <a:avLst>
@@ -4569,10 +4748,10 @@
           <a:p>
             <a:pPr algn="ctr"/>
             <a:r>
-              <a:rPr lang="en-US" altLang="ko-KR" sz="1400"/>
+              <a:rPr lang="en-US" altLang="ko-KR" sz="1200"/>
               <a:t>Amazon Kinesis</a:t>
             </a:r>
-            <a:endParaRPr lang="ko-KR" altLang="en-US" sz="1400"/>
+            <a:endParaRPr lang="ko-KR" altLang="en-US" sz="1200"/>
           </a:p>
         </p:txBody>
       </p:sp>
@@ -4590,8 +4769,8 @@
         </p:nvSpPr>
         <p:spPr>
           <a:xfrm>
-            <a:off x="7239391" y="875528"/>
-            <a:ext cx="1852129" cy="2984964"/>
+            <a:off x="7474020" y="1011712"/>
+            <a:ext cx="1583128" cy="2674850"/>
           </a:xfrm>
           <a:prstGeom prst="roundRect">
             <a:avLst>
@@ -4628,7 +4807,7 @@
           <a:p>
             <a:pPr algn="ctr"/>
             <a:r>
-              <a:rPr lang="en-KR" sz="1400" b="1">
+              <a:rPr lang="en-KR" sz="1200" b="1">
                 <a:solidFill>
                   <a:sysClr val="windowText" lastClr="000000"/>
                 </a:solidFill>
@@ -4640,23 +4819,24 @@
       </p:sp>
       <p:cxnSp>
         <p:nvCxnSpPr>
-          <p:cNvPr id="34" name="Straight Arrow Connector 33">
-            <a:extLst>
-              <a:ext uri="{FF2B5EF4-FFF2-40B4-BE49-F238E27FC236}">
-                <a16:creationId xmlns:a16="http://schemas.microsoft.com/office/drawing/2014/main" id="{1945CB0A-514B-0A56-2ECB-83E1E00E3F3A}"/>
+          <p:cNvPr id="35" name="Straight Arrow Connector 34">
+            <a:extLst>
+              <a:ext uri="{FF2B5EF4-FFF2-40B4-BE49-F238E27FC236}">
+                <a16:creationId xmlns:a16="http://schemas.microsoft.com/office/drawing/2014/main" id="{A0085EAC-5032-917C-7804-7449BEADCCE0}"/>
               </a:ext>
             </a:extLst>
           </p:cNvPr>
           <p:cNvCxnSpPr>
-            <a:stCxn id="20" idx="2"/>
-            <a:endCxn id="25" idx="0"/>
+            <a:cxnSpLocks/>
+            <a:stCxn id="24" idx="3"/>
+            <a:endCxn id="32" idx="1"/>
           </p:cNvCxnSpPr>
           <p:nvPr/>
         </p:nvCxnSpPr>
         <p:spPr>
           <a:xfrm>
-            <a:off x="3587516" y="1625485"/>
-            <a:ext cx="0" cy="171663"/>
+            <a:off x="7240781" y="2349137"/>
+            <a:ext cx="233239" cy="0"/>
           </a:xfrm>
           <a:prstGeom prst="straightConnector1">
             <a:avLst/>
@@ -4684,26 +4864,462 @@
           </a:fontRef>
         </p:style>
       </p:cxnSp>
+      <p:sp>
+        <p:nvSpPr>
+          <p:cNvPr id="56" name="Rounded Rectangle 55">
+            <a:extLst>
+              <a:ext uri="{FF2B5EF4-FFF2-40B4-BE49-F238E27FC236}">
+                <a16:creationId xmlns:a16="http://schemas.microsoft.com/office/drawing/2014/main" id="{4A655FD4-A07C-2868-ECC0-02D315B3C887}"/>
+              </a:ext>
+            </a:extLst>
+          </p:cNvPr>
+          <p:cNvSpPr/>
+          <p:nvPr/>
+        </p:nvSpPr>
+        <p:spPr>
+          <a:xfrm>
+            <a:off x="1378408" y="3277313"/>
+            <a:ext cx="2911696" cy="1393420"/>
+          </a:xfrm>
+          <a:prstGeom prst="roundRect">
+            <a:avLst>
+              <a:gd name="adj" fmla="val 4694"/>
+            </a:avLst>
+          </a:prstGeom>
+          <a:noFill/>
+          <a:ln w="12700">
+            <a:solidFill>
+              <a:schemeClr val="tx1"/>
+            </a:solidFill>
+            <a:prstDash val="dash"/>
+          </a:ln>
+        </p:spPr>
+        <p:style>
+          <a:lnRef idx="2">
+            <a:schemeClr val="accent1">
+              <a:shade val="50000"/>
+            </a:schemeClr>
+          </a:lnRef>
+          <a:fillRef idx="1">
+            <a:schemeClr val="accent1"/>
+          </a:fillRef>
+          <a:effectRef idx="0">
+            <a:schemeClr val="accent1"/>
+          </a:effectRef>
+          <a:fontRef idx="minor">
+            <a:schemeClr val="lt1"/>
+          </a:fontRef>
+        </p:style>
+        <p:txBody>
+          <a:bodyPr rtlCol="0" anchor="t"/>
+          <a:lstStyle/>
+          <a:p>
+            <a:pPr algn="ctr"/>
+            <a:r>
+              <a:rPr lang="en-KR" sz="1200" b="1">
+                <a:solidFill>
+                  <a:sysClr val="windowText" lastClr="000000"/>
+                </a:solidFill>
+              </a:rPr>
+              <a:t>Resource / Cluster Manager</a:t>
+            </a:r>
+          </a:p>
+        </p:txBody>
+      </p:sp>
+      <p:sp>
+        <p:nvSpPr>
+          <p:cNvPr id="59" name="Rounded Rectangle 58">
+            <a:extLst>
+              <a:ext uri="{FF2B5EF4-FFF2-40B4-BE49-F238E27FC236}">
+                <a16:creationId xmlns:a16="http://schemas.microsoft.com/office/drawing/2014/main" id="{8520DC2D-C2EA-7103-E1E4-821C2770090D}"/>
+              </a:ext>
+            </a:extLst>
+          </p:cNvPr>
+          <p:cNvSpPr/>
+          <p:nvPr/>
+        </p:nvSpPr>
+        <p:spPr>
+          <a:xfrm>
+            <a:off x="4355976" y="3277313"/>
+            <a:ext cx="2970693" cy="1393420"/>
+          </a:xfrm>
+          <a:prstGeom prst="roundRect">
+            <a:avLst>
+              <a:gd name="adj" fmla="val 4694"/>
+            </a:avLst>
+          </a:prstGeom>
+          <a:noFill/>
+          <a:ln w="12700">
+            <a:solidFill>
+              <a:schemeClr val="tx1"/>
+            </a:solidFill>
+            <a:prstDash val="dash"/>
+          </a:ln>
+        </p:spPr>
+        <p:style>
+          <a:lnRef idx="2">
+            <a:schemeClr val="accent1">
+              <a:shade val="50000"/>
+            </a:schemeClr>
+          </a:lnRef>
+          <a:fillRef idx="1">
+            <a:schemeClr val="accent1"/>
+          </a:fillRef>
+          <a:effectRef idx="0">
+            <a:schemeClr val="accent1"/>
+          </a:effectRef>
+          <a:fontRef idx="minor">
+            <a:schemeClr val="lt1"/>
+          </a:fontRef>
+        </p:style>
+        <p:txBody>
+          <a:bodyPr rtlCol="0" anchor="t"/>
+          <a:lstStyle/>
+          <a:p>
+            <a:pPr algn="ctr"/>
+            <a:r>
+              <a:rPr lang="en-KR" sz="1200" b="1">
+                <a:solidFill>
+                  <a:sysClr val="windowText" lastClr="000000"/>
+                </a:solidFill>
+              </a:rPr>
+              <a:t>Storage</a:t>
+            </a:r>
+          </a:p>
+        </p:txBody>
+      </p:sp>
+      <p:sp>
+        <p:nvSpPr>
+          <p:cNvPr id="60" name="모서리가 둥근 직사각형 2">
+            <a:extLst>
+              <a:ext uri="{FF2B5EF4-FFF2-40B4-BE49-F238E27FC236}">
+                <a16:creationId xmlns:a16="http://schemas.microsoft.com/office/drawing/2014/main" id="{7F7887C9-3F5C-AEDF-1DB4-4329E3265FC3}"/>
+              </a:ext>
+            </a:extLst>
+          </p:cNvPr>
+          <p:cNvSpPr/>
+          <p:nvPr/>
+        </p:nvSpPr>
+        <p:spPr>
+          <a:xfrm>
+            <a:off x="5963356" y="3619563"/>
+            <a:ext cx="1251478" cy="434579"/>
+          </a:xfrm>
+          <a:prstGeom prst="roundRect">
+            <a:avLst>
+              <a:gd name="adj" fmla="val 9458"/>
+            </a:avLst>
+          </a:prstGeom>
+        </p:spPr>
+        <p:style>
+          <a:lnRef idx="2">
+            <a:schemeClr val="dk1"/>
+          </a:lnRef>
+          <a:fillRef idx="1">
+            <a:schemeClr val="lt1"/>
+          </a:fillRef>
+          <a:effectRef idx="0">
+            <a:schemeClr val="dk1"/>
+          </a:effectRef>
+          <a:fontRef idx="minor">
+            <a:schemeClr val="dk1"/>
+          </a:fontRef>
+        </p:style>
+        <p:txBody>
+          <a:bodyPr rtlCol="0" anchor="ctr"/>
+          <a:lstStyle/>
+          <a:p>
+            <a:pPr algn="ctr"/>
+            <a:r>
+              <a:rPr lang="en-US" altLang="ko-KR" sz="1200"/>
+              <a:t>Gluster FS</a:t>
+            </a:r>
+            <a:endParaRPr lang="ko-KR" altLang="en-US" sz="1200"/>
+          </a:p>
+        </p:txBody>
+      </p:sp>
+      <p:sp>
+        <p:nvSpPr>
+          <p:cNvPr id="61" name="모서리가 둥근 직사각형 2">
+            <a:extLst>
+              <a:ext uri="{FF2B5EF4-FFF2-40B4-BE49-F238E27FC236}">
+                <a16:creationId xmlns:a16="http://schemas.microsoft.com/office/drawing/2014/main" id="{A04F1466-0BBF-BED4-F33B-22C1802BDFAB}"/>
+              </a:ext>
+            </a:extLst>
+          </p:cNvPr>
+          <p:cNvSpPr/>
+          <p:nvPr/>
+        </p:nvSpPr>
+        <p:spPr>
+          <a:xfrm>
+            <a:off x="4441747" y="3619560"/>
+            <a:ext cx="1251478" cy="434583"/>
+          </a:xfrm>
+          <a:prstGeom prst="roundRect">
+            <a:avLst>
+              <a:gd name="adj" fmla="val 9458"/>
+            </a:avLst>
+          </a:prstGeom>
+        </p:spPr>
+        <p:style>
+          <a:lnRef idx="2">
+            <a:schemeClr val="dk1"/>
+          </a:lnRef>
+          <a:fillRef idx="1">
+            <a:schemeClr val="lt1"/>
+          </a:fillRef>
+          <a:effectRef idx="0">
+            <a:schemeClr val="dk1"/>
+          </a:effectRef>
+          <a:fontRef idx="minor">
+            <a:schemeClr val="dk1"/>
+          </a:fontRef>
+        </p:style>
+        <p:txBody>
+          <a:bodyPr rtlCol="0" anchor="ctr"/>
+          <a:lstStyle/>
+          <a:p>
+            <a:pPr algn="ctr"/>
+            <a:r>
+              <a:rPr lang="en-US" altLang="ko-KR" sz="1200"/>
+              <a:t>HDFS</a:t>
+            </a:r>
+            <a:endParaRPr lang="ko-KR" altLang="en-US" sz="1200"/>
+          </a:p>
+        </p:txBody>
+      </p:sp>
+      <p:sp>
+        <p:nvSpPr>
+          <p:cNvPr id="62" name="모서리가 둥근 직사각형 2">
+            <a:extLst>
+              <a:ext uri="{FF2B5EF4-FFF2-40B4-BE49-F238E27FC236}">
+                <a16:creationId xmlns:a16="http://schemas.microsoft.com/office/drawing/2014/main" id="{8EFB65B0-4A14-7A30-2913-F85662439D93}"/>
+              </a:ext>
+            </a:extLst>
+          </p:cNvPr>
+          <p:cNvSpPr/>
+          <p:nvPr/>
+        </p:nvSpPr>
+        <p:spPr>
+          <a:xfrm>
+            <a:off x="5138220" y="4169119"/>
+            <a:ext cx="1406204" cy="434579"/>
+          </a:xfrm>
+          <a:prstGeom prst="roundRect">
+            <a:avLst>
+              <a:gd name="adj" fmla="val 9458"/>
+            </a:avLst>
+          </a:prstGeom>
+        </p:spPr>
+        <p:style>
+          <a:lnRef idx="2">
+            <a:schemeClr val="dk1"/>
+          </a:lnRef>
+          <a:fillRef idx="1">
+            <a:schemeClr val="lt1"/>
+          </a:fillRef>
+          <a:effectRef idx="0">
+            <a:schemeClr val="dk1"/>
+          </a:effectRef>
+          <a:fontRef idx="minor">
+            <a:schemeClr val="dk1"/>
+          </a:fontRef>
+        </p:style>
+        <p:txBody>
+          <a:bodyPr rtlCol="0" anchor="ctr"/>
+          <a:lstStyle/>
+          <a:p>
+            <a:pPr algn="ctr"/>
+            <a:r>
+              <a:rPr lang="en-US" altLang="ko-KR" sz="1200"/>
+              <a:t>Amazon S3</a:t>
+            </a:r>
+            <a:endParaRPr lang="ko-KR" altLang="en-US" sz="1200"/>
+          </a:p>
+        </p:txBody>
+      </p:sp>
+      <p:sp>
+        <p:nvSpPr>
+          <p:cNvPr id="18" name="Rounded Rectangle 17">
+            <a:extLst>
+              <a:ext uri="{FF2B5EF4-FFF2-40B4-BE49-F238E27FC236}">
+                <a16:creationId xmlns:a16="http://schemas.microsoft.com/office/drawing/2014/main" id="{B27388AB-C31F-5F32-4987-A2E3058C6393}"/>
+              </a:ext>
+            </a:extLst>
+          </p:cNvPr>
+          <p:cNvSpPr/>
+          <p:nvPr/>
+        </p:nvSpPr>
+        <p:spPr>
+          <a:xfrm>
+            <a:off x="259284" y="1467664"/>
+            <a:ext cx="979537" cy="1762945"/>
+          </a:xfrm>
+          <a:prstGeom prst="roundRect">
+            <a:avLst>
+              <a:gd name="adj" fmla="val 3229"/>
+            </a:avLst>
+          </a:prstGeom>
+          <a:noFill/>
+          <a:ln w="12700">
+            <a:solidFill>
+              <a:schemeClr val="tx1"/>
+            </a:solidFill>
+            <a:prstDash val="dash"/>
+          </a:ln>
+        </p:spPr>
+        <p:style>
+          <a:lnRef idx="2">
+            <a:schemeClr val="accent1">
+              <a:shade val="50000"/>
+            </a:schemeClr>
+          </a:lnRef>
+          <a:fillRef idx="1">
+            <a:schemeClr val="accent1"/>
+          </a:fillRef>
+          <a:effectRef idx="0">
+            <a:schemeClr val="accent1"/>
+          </a:effectRef>
+          <a:fontRef idx="minor">
+            <a:schemeClr val="lt1"/>
+          </a:fontRef>
+        </p:style>
+        <p:txBody>
+          <a:bodyPr rtlCol="0" anchor="t"/>
+          <a:lstStyle/>
+          <a:p>
+            <a:pPr algn="ctr"/>
+            <a:r>
+              <a:rPr lang="en-KR" sz="1200" b="1">
+                <a:solidFill>
+                  <a:sysClr val="windowText" lastClr="000000"/>
+                </a:solidFill>
+              </a:rPr>
+              <a:t>SQL</a:t>
+            </a:r>
+          </a:p>
+        </p:txBody>
+      </p:sp>
+      <p:sp>
+        <p:nvSpPr>
+          <p:cNvPr id="19" name="모서리가 둥근 직사각형 2">
+            <a:extLst>
+              <a:ext uri="{FF2B5EF4-FFF2-40B4-BE49-F238E27FC236}">
+                <a16:creationId xmlns:a16="http://schemas.microsoft.com/office/drawing/2014/main" id="{99FBC897-2B4C-C713-8C20-9E0AF73EEF9D}"/>
+              </a:ext>
+            </a:extLst>
+          </p:cNvPr>
+          <p:cNvSpPr/>
+          <p:nvPr/>
+        </p:nvSpPr>
+        <p:spPr>
+          <a:xfrm>
+            <a:off x="323528" y="2305964"/>
+            <a:ext cx="845918" cy="364443"/>
+          </a:xfrm>
+          <a:prstGeom prst="roundRect">
+            <a:avLst>
+              <a:gd name="adj" fmla="val 9458"/>
+            </a:avLst>
+          </a:prstGeom>
+        </p:spPr>
+        <p:style>
+          <a:lnRef idx="2">
+            <a:schemeClr val="dk1"/>
+          </a:lnRef>
+          <a:fillRef idx="1">
+            <a:schemeClr val="lt1"/>
+          </a:fillRef>
+          <a:effectRef idx="0">
+            <a:schemeClr val="dk1"/>
+          </a:effectRef>
+          <a:fontRef idx="minor">
+            <a:schemeClr val="dk1"/>
+          </a:fontRef>
+        </p:style>
+        <p:txBody>
+          <a:bodyPr rtlCol="0" anchor="ctr"/>
+          <a:lstStyle/>
+          <a:p>
+            <a:pPr algn="ctr"/>
+            <a:r>
+              <a:rPr lang="en-US" altLang="ko-KR" sz="1200"/>
+              <a:t>JDBC</a:t>
+            </a:r>
+            <a:endParaRPr lang="ko-KR" altLang="en-US" sz="1200"/>
+          </a:p>
+        </p:txBody>
+      </p:sp>
+      <p:sp>
+        <p:nvSpPr>
+          <p:cNvPr id="21" name="모서리가 둥근 직사각형 2">
+            <a:extLst>
+              <a:ext uri="{FF2B5EF4-FFF2-40B4-BE49-F238E27FC236}">
+                <a16:creationId xmlns:a16="http://schemas.microsoft.com/office/drawing/2014/main" id="{011E322F-2A62-B7AF-1AF4-65C4A4E7EFBD}"/>
+              </a:ext>
+            </a:extLst>
+          </p:cNvPr>
+          <p:cNvSpPr/>
+          <p:nvPr/>
+        </p:nvSpPr>
+        <p:spPr>
+          <a:xfrm>
+            <a:off x="323528" y="2778872"/>
+            <a:ext cx="845918" cy="364443"/>
+          </a:xfrm>
+          <a:prstGeom prst="roundRect">
+            <a:avLst>
+              <a:gd name="adj" fmla="val 9458"/>
+            </a:avLst>
+          </a:prstGeom>
+        </p:spPr>
+        <p:style>
+          <a:lnRef idx="2">
+            <a:schemeClr val="dk1"/>
+          </a:lnRef>
+          <a:fillRef idx="1">
+            <a:schemeClr val="lt1"/>
+          </a:fillRef>
+          <a:effectRef idx="0">
+            <a:schemeClr val="dk1"/>
+          </a:effectRef>
+          <a:fontRef idx="minor">
+            <a:schemeClr val="dk1"/>
+          </a:fontRef>
+        </p:style>
+        <p:txBody>
+          <a:bodyPr rtlCol="0" anchor="ctr"/>
+          <a:lstStyle/>
+          <a:p>
+            <a:pPr algn="ctr"/>
+            <a:r>
+              <a:rPr lang="en-US" altLang="ko-KR" sz="1200"/>
+              <a:t>ODBC</a:t>
+            </a:r>
+            <a:endParaRPr lang="ko-KR" altLang="en-US" sz="1200"/>
+          </a:p>
+        </p:txBody>
+      </p:sp>
       <p:cxnSp>
         <p:nvCxnSpPr>
-          <p:cNvPr id="35" name="Straight Arrow Connector 34">
-            <a:extLst>
-              <a:ext uri="{FF2B5EF4-FFF2-40B4-BE49-F238E27FC236}">
-                <a16:creationId xmlns:a16="http://schemas.microsoft.com/office/drawing/2014/main" id="{A0085EAC-5032-917C-7804-7449BEADCCE0}"/>
+          <p:cNvPr id="33" name="Straight Arrow Connector 32">
+            <a:extLst>
+              <a:ext uri="{FF2B5EF4-FFF2-40B4-BE49-F238E27FC236}">
+                <a16:creationId xmlns:a16="http://schemas.microsoft.com/office/drawing/2014/main" id="{C3E1DE73-294D-FA95-9AE2-EB5FB123D78F}"/>
               </a:ext>
             </a:extLst>
           </p:cNvPr>
           <p:cNvCxnSpPr>
             <a:cxnSpLocks/>
-            <a:stCxn id="24" idx="3"/>
-            <a:endCxn id="32" idx="1"/>
+            <a:stCxn id="16" idx="1"/>
+            <a:endCxn id="18" idx="3"/>
           </p:cNvCxnSpPr>
           <p:nvPr/>
         </p:nvCxnSpPr>
         <p:spPr>
-          <a:xfrm>
-            <a:off x="6966521" y="2368010"/>
-            <a:ext cx="272870" cy="0"/>
+          <a:xfrm flipH="1" flipV="1">
+            <a:off x="1238821" y="2349137"/>
+            <a:ext cx="201166" cy="164"/>
           </a:xfrm>
           <a:prstGeom prst="straightConnector1">
             <a:avLst/>
@@ -4733,24 +5349,24 @@
       </p:cxnSp>
       <p:cxnSp>
         <p:nvCxnSpPr>
-          <p:cNvPr id="51" name="Straight Arrow Connector 50">
-            <a:extLst>
-              <a:ext uri="{FF2B5EF4-FFF2-40B4-BE49-F238E27FC236}">
-                <a16:creationId xmlns:a16="http://schemas.microsoft.com/office/drawing/2014/main" id="{918B0424-7970-2260-BD39-F2A0246B0697}"/>
+          <p:cNvPr id="41" name="Straight Arrow Connector 40">
+            <a:extLst>
+              <a:ext uri="{FF2B5EF4-FFF2-40B4-BE49-F238E27FC236}">
+                <a16:creationId xmlns:a16="http://schemas.microsoft.com/office/drawing/2014/main" id="{CA332241-8C89-712F-762F-C949639F06F5}"/>
               </a:ext>
             </a:extLst>
           </p:cNvPr>
           <p:cNvCxnSpPr>
             <a:cxnSpLocks/>
-            <a:stCxn id="25" idx="2"/>
-            <a:endCxn id="26" idx="0"/>
+            <a:stCxn id="26" idx="2"/>
+            <a:endCxn id="56" idx="0"/>
           </p:cNvCxnSpPr>
           <p:nvPr/>
         </p:nvCxnSpPr>
         <p:spPr>
           <a:xfrm flipH="1">
-            <a:off x="3582174" y="2654398"/>
-            <a:ext cx="5342" cy="170823"/>
+            <a:off x="2834256" y="3123290"/>
+            <a:ext cx="1513717" cy="154023"/>
           </a:xfrm>
           <a:prstGeom prst="straightConnector1">
             <a:avLst/>
@@ -4778,300 +5394,26 @@
           </a:fontRef>
         </p:style>
       </p:cxnSp>
-      <p:sp>
-        <p:nvSpPr>
-          <p:cNvPr id="56" name="Rounded Rectangle 55">
-            <a:extLst>
-              <a:ext uri="{FF2B5EF4-FFF2-40B4-BE49-F238E27FC236}">
-                <a16:creationId xmlns:a16="http://schemas.microsoft.com/office/drawing/2014/main" id="{4A655FD4-A07C-2868-ECC0-02D315B3C887}"/>
-              </a:ext>
-            </a:extLst>
-          </p:cNvPr>
-          <p:cNvSpPr/>
-          <p:nvPr/>
-        </p:nvSpPr>
-        <p:spPr>
-          <a:xfrm>
-            <a:off x="108029" y="3403796"/>
-            <a:ext cx="3406444" cy="1554969"/>
-          </a:xfrm>
-          <a:prstGeom prst="roundRect">
-            <a:avLst>
-              <a:gd name="adj" fmla="val 4694"/>
-            </a:avLst>
-          </a:prstGeom>
-          <a:noFill/>
-          <a:ln w="12700">
-            <a:solidFill>
-              <a:schemeClr val="tx1"/>
-            </a:solidFill>
-            <a:prstDash val="dash"/>
-          </a:ln>
-        </p:spPr>
-        <p:style>
-          <a:lnRef idx="2">
-            <a:schemeClr val="accent1">
-              <a:shade val="50000"/>
-            </a:schemeClr>
-          </a:lnRef>
-          <a:fillRef idx="1">
-            <a:schemeClr val="accent1"/>
-          </a:fillRef>
-          <a:effectRef idx="0">
-            <a:schemeClr val="accent1"/>
-          </a:effectRef>
-          <a:fontRef idx="minor">
-            <a:schemeClr val="lt1"/>
-          </a:fontRef>
-        </p:style>
-        <p:txBody>
-          <a:bodyPr rtlCol="0" anchor="t"/>
-          <a:lstStyle/>
-          <a:p>
-            <a:pPr algn="ctr"/>
-            <a:r>
-              <a:rPr lang="en-KR" sz="1400" b="1">
-                <a:solidFill>
-                  <a:sysClr val="windowText" lastClr="000000"/>
-                </a:solidFill>
-              </a:rPr>
-              <a:t>Resource / Cluster Manager</a:t>
-            </a:r>
-          </a:p>
-        </p:txBody>
-      </p:sp>
-      <p:sp>
-        <p:nvSpPr>
-          <p:cNvPr id="59" name="Rounded Rectangle 58">
-            <a:extLst>
-              <a:ext uri="{FF2B5EF4-FFF2-40B4-BE49-F238E27FC236}">
-                <a16:creationId xmlns:a16="http://schemas.microsoft.com/office/drawing/2014/main" id="{8520DC2D-C2EA-7103-E1E4-821C2770090D}"/>
-              </a:ext>
-            </a:extLst>
-          </p:cNvPr>
-          <p:cNvSpPr/>
-          <p:nvPr/>
-        </p:nvSpPr>
-        <p:spPr>
-          <a:xfrm>
-            <a:off x="3591537" y="3403796"/>
-            <a:ext cx="3475465" cy="1554969"/>
-          </a:xfrm>
-          <a:prstGeom prst="roundRect">
-            <a:avLst>
-              <a:gd name="adj" fmla="val 4694"/>
-            </a:avLst>
-          </a:prstGeom>
-          <a:noFill/>
-          <a:ln w="12700">
-            <a:solidFill>
-              <a:schemeClr val="tx1"/>
-            </a:solidFill>
-            <a:prstDash val="dash"/>
-          </a:ln>
-        </p:spPr>
-        <p:style>
-          <a:lnRef idx="2">
-            <a:schemeClr val="accent1">
-              <a:shade val="50000"/>
-            </a:schemeClr>
-          </a:lnRef>
-          <a:fillRef idx="1">
-            <a:schemeClr val="accent1"/>
-          </a:fillRef>
-          <a:effectRef idx="0">
-            <a:schemeClr val="accent1"/>
-          </a:effectRef>
-          <a:fontRef idx="minor">
-            <a:schemeClr val="lt1"/>
-          </a:fontRef>
-        </p:style>
-        <p:txBody>
-          <a:bodyPr rtlCol="0" anchor="t"/>
-          <a:lstStyle/>
-          <a:p>
-            <a:pPr algn="ctr"/>
-            <a:r>
-              <a:rPr lang="en-KR" sz="1400" b="1">
-                <a:solidFill>
-                  <a:sysClr val="windowText" lastClr="000000"/>
-                </a:solidFill>
-              </a:rPr>
-              <a:t>Storage</a:t>
-            </a:r>
-          </a:p>
-        </p:txBody>
-      </p:sp>
-      <p:sp>
-        <p:nvSpPr>
-          <p:cNvPr id="60" name="모서리가 둥근 직사각형 2">
-            <a:extLst>
-              <a:ext uri="{FF2B5EF4-FFF2-40B4-BE49-F238E27FC236}">
-                <a16:creationId xmlns:a16="http://schemas.microsoft.com/office/drawing/2014/main" id="{7F7887C9-3F5C-AEDF-1DB4-4329E3265FC3}"/>
-              </a:ext>
-            </a:extLst>
-          </p:cNvPr>
-          <p:cNvSpPr/>
-          <p:nvPr/>
-        </p:nvSpPr>
-        <p:spPr>
-          <a:xfrm>
-            <a:off x="5472039" y="3785726"/>
-            <a:ext cx="1464126" cy="484963"/>
-          </a:xfrm>
-          <a:prstGeom prst="roundRect">
-            <a:avLst>
-              <a:gd name="adj" fmla="val 9458"/>
-            </a:avLst>
-          </a:prstGeom>
-        </p:spPr>
-        <p:style>
-          <a:lnRef idx="2">
-            <a:schemeClr val="dk1"/>
-          </a:lnRef>
-          <a:fillRef idx="1">
-            <a:schemeClr val="lt1"/>
-          </a:fillRef>
-          <a:effectRef idx="0">
-            <a:schemeClr val="dk1"/>
-          </a:effectRef>
-          <a:fontRef idx="minor">
-            <a:schemeClr val="dk1"/>
-          </a:fontRef>
-        </p:style>
-        <p:txBody>
-          <a:bodyPr rtlCol="0" anchor="ctr"/>
-          <a:lstStyle/>
-          <a:p>
-            <a:pPr algn="ctr"/>
-            <a:r>
-              <a:rPr lang="en-US" altLang="ko-KR" sz="1400"/>
-              <a:t>Gluster FS</a:t>
-            </a:r>
-            <a:endParaRPr lang="ko-KR" altLang="en-US" sz="1400"/>
-          </a:p>
-        </p:txBody>
-      </p:sp>
-      <p:sp>
-        <p:nvSpPr>
-          <p:cNvPr id="61" name="모서리가 둥근 직사각형 2">
-            <a:extLst>
-              <a:ext uri="{FF2B5EF4-FFF2-40B4-BE49-F238E27FC236}">
-                <a16:creationId xmlns:a16="http://schemas.microsoft.com/office/drawing/2014/main" id="{A04F1466-0BBF-BED4-F33B-22C1802BDFAB}"/>
-              </a:ext>
-            </a:extLst>
-          </p:cNvPr>
-          <p:cNvSpPr/>
-          <p:nvPr/>
-        </p:nvSpPr>
-        <p:spPr>
-          <a:xfrm>
-            <a:off x="3691882" y="3785722"/>
-            <a:ext cx="1645142" cy="484967"/>
-          </a:xfrm>
-          <a:prstGeom prst="roundRect">
-            <a:avLst>
-              <a:gd name="adj" fmla="val 9458"/>
-            </a:avLst>
-          </a:prstGeom>
-        </p:spPr>
-        <p:style>
-          <a:lnRef idx="2">
-            <a:schemeClr val="dk1"/>
-          </a:lnRef>
-          <a:fillRef idx="1">
-            <a:schemeClr val="lt1"/>
-          </a:fillRef>
-          <a:effectRef idx="0">
-            <a:schemeClr val="dk1"/>
-          </a:effectRef>
-          <a:fontRef idx="minor">
-            <a:schemeClr val="dk1"/>
-          </a:fontRef>
-        </p:style>
-        <p:txBody>
-          <a:bodyPr rtlCol="0" anchor="ctr"/>
-          <a:lstStyle/>
-          <a:p>
-            <a:pPr algn="ctr"/>
-            <a:r>
-              <a:rPr lang="en-US" altLang="ko-KR" sz="1400"/>
-              <a:t>HDFS</a:t>
-            </a:r>
-            <a:endParaRPr lang="ko-KR" altLang="en-US" sz="1400"/>
-          </a:p>
-        </p:txBody>
-      </p:sp>
-      <p:sp>
-        <p:nvSpPr>
-          <p:cNvPr id="62" name="모서리가 둥근 직사각형 2">
-            <a:extLst>
-              <a:ext uri="{FF2B5EF4-FFF2-40B4-BE49-F238E27FC236}">
-                <a16:creationId xmlns:a16="http://schemas.microsoft.com/office/drawing/2014/main" id="{8EFB65B0-4A14-7A30-2913-F85662439D93}"/>
-              </a:ext>
-            </a:extLst>
-          </p:cNvPr>
-          <p:cNvSpPr/>
-          <p:nvPr/>
-        </p:nvSpPr>
-        <p:spPr>
-          <a:xfrm>
-            <a:off x="4506698" y="4398995"/>
-            <a:ext cx="1645142" cy="484963"/>
-          </a:xfrm>
-          <a:prstGeom prst="roundRect">
-            <a:avLst>
-              <a:gd name="adj" fmla="val 9458"/>
-            </a:avLst>
-          </a:prstGeom>
-        </p:spPr>
-        <p:style>
-          <a:lnRef idx="2">
-            <a:schemeClr val="dk1"/>
-          </a:lnRef>
-          <a:fillRef idx="1">
-            <a:schemeClr val="lt1"/>
-          </a:fillRef>
-          <a:effectRef idx="0">
-            <a:schemeClr val="dk1"/>
-          </a:effectRef>
-          <a:fontRef idx="minor">
-            <a:schemeClr val="dk1"/>
-          </a:fontRef>
-        </p:style>
-        <p:txBody>
-          <a:bodyPr rtlCol="0" anchor="ctr"/>
-          <a:lstStyle/>
-          <a:p>
-            <a:pPr algn="ctr"/>
-            <a:r>
-              <a:rPr lang="en-US" altLang="ko-KR" sz="1400"/>
-              <a:t>Amazon S3</a:t>
-            </a:r>
-            <a:endParaRPr lang="ko-KR" altLang="en-US" sz="1400"/>
-          </a:p>
-        </p:txBody>
-      </p:sp>
       <p:cxnSp>
         <p:nvCxnSpPr>
-          <p:cNvPr id="67" name="Straight Arrow Connector 66">
-            <a:extLst>
-              <a:ext uri="{FF2B5EF4-FFF2-40B4-BE49-F238E27FC236}">
-                <a16:creationId xmlns:a16="http://schemas.microsoft.com/office/drawing/2014/main" id="{DD5948E9-AD8A-1F16-02C2-7E7D33434430}"/>
+          <p:cNvPr id="44" name="Straight Arrow Connector 43">
+            <a:extLst>
+              <a:ext uri="{FF2B5EF4-FFF2-40B4-BE49-F238E27FC236}">
+                <a16:creationId xmlns:a16="http://schemas.microsoft.com/office/drawing/2014/main" id="{286C88FD-50DA-C3D8-7842-2EED3C99B733}"/>
               </a:ext>
             </a:extLst>
           </p:cNvPr>
           <p:cNvCxnSpPr>
             <a:cxnSpLocks/>
             <a:stCxn id="26" idx="2"/>
-            <a:endCxn id="56" idx="0"/>
+            <a:endCxn id="59" idx="0"/>
           </p:cNvCxnSpPr>
           <p:nvPr/>
         </p:nvCxnSpPr>
         <p:spPr>
-          <a:xfrm flipH="1">
-            <a:off x="1811251" y="3231917"/>
-            <a:ext cx="1770923" cy="171879"/>
+          <a:xfrm>
+            <a:off x="4347973" y="3123290"/>
+            <a:ext cx="1493350" cy="154023"/>
           </a:xfrm>
           <a:prstGeom prst="straightConnector1">
             <a:avLst/>
@@ -5101,24 +5443,22 @@
       </p:cxnSp>
       <p:cxnSp>
         <p:nvCxnSpPr>
-          <p:cNvPr id="70" name="Straight Arrow Connector 69">
-            <a:extLst>
-              <a:ext uri="{FF2B5EF4-FFF2-40B4-BE49-F238E27FC236}">
-                <a16:creationId xmlns:a16="http://schemas.microsoft.com/office/drawing/2014/main" id="{D21C256A-C50F-3EA8-DC9F-FE90CE480FBB}"/>
+          <p:cNvPr id="47" name="Straight Arrow Connector 46">
+            <a:extLst>
+              <a:ext uri="{FF2B5EF4-FFF2-40B4-BE49-F238E27FC236}">
+                <a16:creationId xmlns:a16="http://schemas.microsoft.com/office/drawing/2014/main" id="{1F579F63-F80A-9633-0329-00ED741FF38D}"/>
               </a:ext>
             </a:extLst>
           </p:cNvPr>
           <p:cNvCxnSpPr>
             <a:cxnSpLocks/>
-            <a:stCxn id="26" idx="2"/>
-            <a:endCxn id="59" idx="0"/>
           </p:cNvCxnSpPr>
           <p:nvPr/>
         </p:nvCxnSpPr>
         <p:spPr>
           <a:xfrm>
-            <a:off x="3582174" y="3231917"/>
-            <a:ext cx="1747096" cy="171879"/>
+            <a:off x="4067944" y="1683754"/>
+            <a:ext cx="0" cy="153829"/>
           </a:xfrm>
           <a:prstGeom prst="straightConnector1">
             <a:avLst/>
@@ -5146,6 +5486,108 @@
           </a:fontRef>
         </p:style>
       </p:cxnSp>
+      <p:cxnSp>
+        <p:nvCxnSpPr>
+          <p:cNvPr id="50" name="Straight Arrow Connector 49">
+            <a:extLst>
+              <a:ext uri="{FF2B5EF4-FFF2-40B4-BE49-F238E27FC236}">
+                <a16:creationId xmlns:a16="http://schemas.microsoft.com/office/drawing/2014/main" id="{39D56546-B099-748E-068F-3DE06E036BB8}"/>
+              </a:ext>
+            </a:extLst>
+          </p:cNvPr>
+          <p:cNvCxnSpPr>
+            <a:cxnSpLocks/>
+          </p:cNvCxnSpPr>
+          <p:nvPr/>
+        </p:nvCxnSpPr>
+        <p:spPr>
+          <a:xfrm flipH="1">
+            <a:off x="4644008" y="1683754"/>
+            <a:ext cx="4566" cy="1075093"/>
+          </a:xfrm>
+          <a:prstGeom prst="straightConnector1">
+            <a:avLst/>
+          </a:prstGeom>
+          <a:ln w="19050">
+            <a:solidFill>
+              <a:schemeClr val="tx1"/>
+            </a:solidFill>
+            <a:headEnd type="none" w="med" len="med"/>
+            <a:tailEnd type="arrow" w="med" len="med"/>
+          </a:ln>
+        </p:spPr>
+        <p:style>
+          <a:lnRef idx="1">
+            <a:schemeClr val="accent1"/>
+          </a:lnRef>
+          <a:fillRef idx="0">
+            <a:schemeClr val="accent1"/>
+          </a:fillRef>
+          <a:effectRef idx="0">
+            <a:schemeClr val="accent1"/>
+          </a:effectRef>
+          <a:fontRef idx="minor">
+            <a:schemeClr val="tx1"/>
+          </a:fontRef>
+        </p:style>
+      </p:cxnSp>
+      <p:sp>
+        <p:nvSpPr>
+          <p:cNvPr id="63" name="모서리가 둥근 직사각형 2">
+            <a:extLst>
+              <a:ext uri="{FF2B5EF4-FFF2-40B4-BE49-F238E27FC236}">
+                <a16:creationId xmlns:a16="http://schemas.microsoft.com/office/drawing/2014/main" id="{405C07A8-315C-B607-F907-A3B1C3A36B26}"/>
+              </a:ext>
+            </a:extLst>
+          </p:cNvPr>
+          <p:cNvSpPr/>
+          <p:nvPr/>
+        </p:nvSpPr>
+        <p:spPr>
+          <a:xfrm>
+            <a:off x="323528" y="1837725"/>
+            <a:ext cx="845918" cy="364443"/>
+          </a:xfrm>
+          <a:prstGeom prst="roundRect">
+            <a:avLst>
+              <a:gd name="adj" fmla="val 9458"/>
+            </a:avLst>
+          </a:prstGeom>
+        </p:spPr>
+        <p:style>
+          <a:lnRef idx="2">
+            <a:schemeClr val="dk1"/>
+          </a:lnRef>
+          <a:fillRef idx="1">
+            <a:schemeClr val="lt1"/>
+          </a:fillRef>
+          <a:effectRef idx="0">
+            <a:schemeClr val="dk1"/>
+          </a:effectRef>
+          <a:fontRef idx="minor">
+            <a:schemeClr val="dk1"/>
+          </a:fontRef>
+        </p:style>
+        <p:txBody>
+          <a:bodyPr rtlCol="0" anchor="ctr"/>
+          <a:lstStyle/>
+          <a:p>
+            <a:pPr algn="ctr"/>
+            <a:r>
+              <a:rPr lang="en-US" altLang="ko-KR" sz="1200"/>
+              <a:t>Hive</a:t>
+            </a:r>
+          </a:p>
+          <a:p>
+            <a:pPr algn="ctr"/>
+            <a:r>
+              <a:rPr lang="en-US" altLang="ko-KR" sz="1200"/>
+              <a:t>(HiveQL)</a:t>
+            </a:r>
+            <a:endParaRPr lang="ko-KR" altLang="en-US" sz="1200"/>
+          </a:p>
+        </p:txBody>
+      </p:sp>
     </p:spTree>
     <p:extLst>
       <p:ext uri="{BB962C8B-B14F-4D97-AF65-F5344CB8AC3E}">
@@ -5392,8 +5834,8 @@
         </p:nvSpPr>
         <p:spPr>
           <a:xfrm>
-            <a:off x="3525252" y="2628204"/>
-            <a:ext cx="1789158" cy="484967"/>
+            <a:off x="3492440" y="2628204"/>
+            <a:ext cx="1854782" cy="484967"/>
           </a:xfrm>
           <a:prstGeom prst="roundRect">
             <a:avLst>
@@ -5422,14 +5864,7 @@
             <a:pPr algn="ctr"/>
             <a:r>
               <a:rPr lang="en-US" altLang="ko-KR" sz="1400" b="1"/>
-              <a:t>Cluster / Resource</a:t>
-            </a:r>
-          </a:p>
-          <a:p>
-            <a:pPr algn="ctr"/>
-            <a:r>
-              <a:rPr lang="en-US" altLang="ko-KR" sz="1400" b="1"/>
-              <a:t>Manager</a:t>
+              <a:t>Resource Manager</a:t>
             </a:r>
           </a:p>
         </p:txBody>
@@ -5448,7 +5883,7 @@
         </p:nvSpPr>
         <p:spPr>
           <a:xfrm>
-            <a:off x="6394530" y="1134973"/>
+            <a:off x="6394530" y="1083022"/>
             <a:ext cx="1871648" cy="1316290"/>
           </a:xfrm>
           <a:prstGeom prst="roundRect">
@@ -5503,7 +5938,7 @@
         <p:spPr>
           <a:xfrm>
             <a:off x="2229668" y="2870688"/>
-            <a:ext cx="1295584" cy="0"/>
+            <a:ext cx="1262772" cy="0"/>
           </a:xfrm>
           <a:prstGeom prst="straightConnector1">
             <a:avLst/>
@@ -5549,8 +5984,8 @@
         </p:nvCxnSpPr>
         <p:spPr>
           <a:xfrm flipV="1">
-            <a:off x="2229668" y="1923434"/>
-            <a:ext cx="4275605" cy="947254"/>
+            <a:off x="2229668" y="1871483"/>
+            <a:ext cx="4275605" cy="999205"/>
           </a:xfrm>
           <a:prstGeom prst="straightConnector1">
             <a:avLst/>
@@ -5592,7 +6027,7 @@
         </p:nvSpPr>
         <p:spPr>
           <a:xfrm>
-            <a:off x="6505273" y="1504009"/>
+            <a:off x="6505273" y="1452058"/>
             <a:ext cx="1650162" cy="838850"/>
           </a:xfrm>
           <a:prstGeom prst="roundRect">
@@ -5641,7 +6076,7 @@
         </p:nvSpPr>
         <p:spPr>
           <a:xfrm>
-            <a:off x="6596084" y="1973822"/>
+            <a:off x="6596084" y="1921871"/>
             <a:ext cx="673584" cy="286435"/>
           </a:xfrm>
           <a:prstGeom prst="roundRect">
@@ -5691,7 +6126,7 @@
         </p:nvSpPr>
         <p:spPr>
           <a:xfrm>
-            <a:off x="7382456" y="1973822"/>
+            <a:off x="7382456" y="1921871"/>
             <a:ext cx="673584" cy="286435"/>
           </a:xfrm>
           <a:prstGeom prst="roundRect">
@@ -5741,7 +6176,7 @@
         </p:nvSpPr>
         <p:spPr>
           <a:xfrm>
-            <a:off x="7382456" y="1590150"/>
+            <a:off x="7382456" y="1538199"/>
             <a:ext cx="673584" cy="286435"/>
           </a:xfrm>
           <a:prstGeom prst="roundRect">
@@ -5791,7 +6226,7 @@
         </p:nvSpPr>
         <p:spPr>
           <a:xfrm>
-            <a:off x="6394530" y="3219822"/>
+            <a:off x="6394530" y="3167871"/>
             <a:ext cx="1871648" cy="1316290"/>
           </a:xfrm>
           <a:prstGeom prst="roundRect">
@@ -5841,7 +6276,7 @@
         </p:nvSpPr>
         <p:spPr>
           <a:xfrm>
-            <a:off x="6505273" y="3588858"/>
+            <a:off x="6505273" y="3536907"/>
             <a:ext cx="1650162" cy="838850"/>
           </a:xfrm>
           <a:prstGeom prst="roundRect">
@@ -5890,7 +6325,7 @@
         </p:nvSpPr>
         <p:spPr>
           <a:xfrm>
-            <a:off x="6596084" y="4058671"/>
+            <a:off x="6596084" y="4006720"/>
             <a:ext cx="673584" cy="286435"/>
           </a:xfrm>
           <a:prstGeom prst="roundRect">
@@ -5940,7 +6375,7 @@
         </p:nvSpPr>
         <p:spPr>
           <a:xfrm>
-            <a:off x="7382456" y="4058671"/>
+            <a:off x="7382456" y="4006720"/>
             <a:ext cx="673584" cy="286435"/>
           </a:xfrm>
           <a:prstGeom prst="roundRect">
@@ -5990,7 +6425,7 @@
         </p:nvSpPr>
         <p:spPr>
           <a:xfrm>
-            <a:off x="7382456" y="3674999"/>
+            <a:off x="7382456" y="3623048"/>
             <a:ext cx="673584" cy="286435"/>
           </a:xfrm>
           <a:prstGeom prst="roundRect">
@@ -6045,7 +6480,7 @@
         <p:spPr>
           <a:xfrm>
             <a:off x="2229668" y="2870688"/>
-            <a:ext cx="4275605" cy="1137595"/>
+            <a:ext cx="4275605" cy="1085644"/>
           </a:xfrm>
           <a:prstGeom prst="straightConnector1">
             <a:avLst/>
@@ -6091,8 +6526,8 @@
         </p:nvCxnSpPr>
         <p:spPr>
           <a:xfrm>
-            <a:off x="5314410" y="2870688"/>
-            <a:ext cx="1190863" cy="1137595"/>
+            <a:off x="5347222" y="2870688"/>
+            <a:ext cx="1158051" cy="1085644"/>
           </a:xfrm>
           <a:prstGeom prst="straightConnector1">
             <a:avLst/>
@@ -6138,8 +6573,8 @@
         </p:nvCxnSpPr>
         <p:spPr>
           <a:xfrm flipV="1">
-            <a:off x="5314410" y="1923434"/>
-            <a:ext cx="1190863" cy="947254"/>
+            <a:off x="5347222" y="1871483"/>
+            <a:ext cx="1158051" cy="999205"/>
           </a:xfrm>
           <a:prstGeom prst="straightConnector1">
             <a:avLst/>
@@ -6171,6 +6606,4465 @@
     <p:extLst>
       <p:ext uri="{BB962C8B-B14F-4D97-AF65-F5344CB8AC3E}">
         <p14:creationId xmlns:p14="http://schemas.microsoft.com/office/powerpoint/2010/main" val="1472867161"/>
+      </p:ext>
+    </p:extLst>
+  </p:cSld>
+  <p:clrMapOvr>
+    <a:masterClrMapping/>
+  </p:clrMapOvr>
+</p:sld>
+</file>
+
+<file path=ppt/slides/slide3.xml><?xml version="1.0" encoding="utf-8"?>
+<p:sld xmlns:a="http://schemas.openxmlformats.org/drawingml/2006/main" xmlns:r="http://schemas.openxmlformats.org/officeDocument/2006/relationships" xmlns:p="http://schemas.openxmlformats.org/presentationml/2006/main">
+  <p:cSld>
+    <p:spTree>
+      <p:nvGrpSpPr>
+        <p:cNvPr id="1" name=""/>
+        <p:cNvGrpSpPr/>
+        <p:nvPr/>
+      </p:nvGrpSpPr>
+      <p:grpSpPr>
+        <a:xfrm>
+          <a:off x="0" y="0"/>
+          <a:ext cx="0" cy="0"/>
+          <a:chOff x="0" y="0"/>
+          <a:chExt cx="0" cy="0"/>
+        </a:xfrm>
+      </p:grpSpPr>
+    </p:spTree>
+    <p:extLst>
+      <p:ext uri="{BB962C8B-B14F-4D97-AF65-F5344CB8AC3E}">
+        <p14:creationId xmlns:p14="http://schemas.microsoft.com/office/powerpoint/2010/main" val="1572916525"/>
+      </p:ext>
+    </p:extLst>
+  </p:cSld>
+  <p:clrMapOvr>
+    <a:masterClrMapping/>
+  </p:clrMapOvr>
+</p:sld>
+</file>
+
+<file path=ppt/slides/slide4.xml><?xml version="1.0" encoding="utf-8"?>
+<p:sld xmlns:a="http://schemas.openxmlformats.org/drawingml/2006/main" xmlns:r="http://schemas.openxmlformats.org/officeDocument/2006/relationships" xmlns:p="http://schemas.openxmlformats.org/presentationml/2006/main">
+  <p:cSld>
+    <p:spTree>
+      <p:nvGrpSpPr>
+        <p:cNvPr id="1" name=""/>
+        <p:cNvGrpSpPr/>
+        <p:nvPr/>
+      </p:nvGrpSpPr>
+      <p:grpSpPr>
+        <a:xfrm>
+          <a:off x="0" y="0"/>
+          <a:ext cx="0" cy="0"/>
+          <a:chOff x="0" y="0"/>
+          <a:chExt cx="0" cy="0"/>
+        </a:xfrm>
+      </p:grpSpPr>
+      <p:sp>
+        <p:nvSpPr>
+          <p:cNvPr id="2" name="제목 1"/>
+          <p:cNvSpPr>
+            <a:spLocks noGrp="1"/>
+          </p:cNvSpPr>
+          <p:nvPr>
+            <p:ph type="title"/>
+          </p:nvPr>
+        </p:nvSpPr>
+        <p:spPr>
+          <a:xfrm>
+            <a:off x="565354" y="-195422"/>
+            <a:ext cx="8229600" cy="857250"/>
+          </a:xfrm>
+        </p:spPr>
+        <p:txBody>
+          <a:bodyPr>
+            <a:normAutofit/>
+          </a:bodyPr>
+          <a:lstStyle/>
+          <a:p>
+            <a:r>
+              <a:rPr lang="en-US" altLang="ko-KR" sz="3600"/>
+              <a:t>Spark Architecture</a:t>
+            </a:r>
+            <a:endParaRPr lang="ko-KR" altLang="en-US" sz="3600"/>
+          </a:p>
+        </p:txBody>
+      </p:sp>
+      <p:sp>
+        <p:nvSpPr>
+          <p:cNvPr id="3" name="모서리가 둥근 직사각형 2">
+            <a:extLst>
+              <a:ext uri="{FF2B5EF4-FFF2-40B4-BE49-F238E27FC236}">
+                <a16:creationId xmlns:a16="http://schemas.microsoft.com/office/drawing/2014/main" id="{2F4C2E01-7E6C-F6EB-CDC9-A0F0CCDF6878}"/>
+              </a:ext>
+            </a:extLst>
+          </p:cNvPr>
+          <p:cNvSpPr/>
+          <p:nvPr/>
+        </p:nvSpPr>
+        <p:spPr>
+          <a:xfrm>
+            <a:off x="1965250" y="3785726"/>
+            <a:ext cx="1464126" cy="484963"/>
+          </a:xfrm>
+          <a:prstGeom prst="roundRect">
+            <a:avLst>
+              <a:gd name="adj" fmla="val 9458"/>
+            </a:avLst>
+          </a:prstGeom>
+        </p:spPr>
+        <p:style>
+          <a:lnRef idx="2">
+            <a:schemeClr val="dk1"/>
+          </a:lnRef>
+          <a:fillRef idx="1">
+            <a:schemeClr val="lt1"/>
+          </a:fillRef>
+          <a:effectRef idx="0">
+            <a:schemeClr val="dk1"/>
+          </a:effectRef>
+          <a:fontRef idx="minor">
+            <a:schemeClr val="dk1"/>
+          </a:fontRef>
+        </p:style>
+        <p:txBody>
+          <a:bodyPr rtlCol="0" anchor="ctr"/>
+          <a:lstStyle/>
+          <a:p>
+            <a:pPr algn="ctr"/>
+            <a:r>
+              <a:rPr lang="en-US" altLang="ko-KR" sz="1400"/>
+              <a:t>Hadoop YARN</a:t>
+            </a:r>
+            <a:endParaRPr lang="ko-KR" altLang="en-US" sz="1400"/>
+          </a:p>
+        </p:txBody>
+      </p:sp>
+      <p:sp>
+        <p:nvSpPr>
+          <p:cNvPr id="4" name="모서리가 둥근 직사각형 2">
+            <a:extLst>
+              <a:ext uri="{FF2B5EF4-FFF2-40B4-BE49-F238E27FC236}">
+                <a16:creationId xmlns:a16="http://schemas.microsoft.com/office/drawing/2014/main" id="{EF72A471-213B-9D0C-0387-FBCFB97B24C4}"/>
+              </a:ext>
+            </a:extLst>
+          </p:cNvPr>
+          <p:cNvSpPr/>
+          <p:nvPr/>
+        </p:nvSpPr>
+        <p:spPr>
+          <a:xfrm>
+            <a:off x="185093" y="3785722"/>
+            <a:ext cx="1645142" cy="484967"/>
+          </a:xfrm>
+          <a:prstGeom prst="roundRect">
+            <a:avLst>
+              <a:gd name="adj" fmla="val 9458"/>
+            </a:avLst>
+          </a:prstGeom>
+        </p:spPr>
+        <p:style>
+          <a:lnRef idx="2">
+            <a:schemeClr val="dk1"/>
+          </a:lnRef>
+          <a:fillRef idx="1">
+            <a:schemeClr val="lt1"/>
+          </a:fillRef>
+          <a:effectRef idx="0">
+            <a:schemeClr val="dk1"/>
+          </a:effectRef>
+          <a:fontRef idx="minor">
+            <a:schemeClr val="dk1"/>
+          </a:fontRef>
+        </p:style>
+        <p:txBody>
+          <a:bodyPr rtlCol="0" anchor="ctr"/>
+          <a:lstStyle/>
+          <a:p>
+            <a:pPr algn="ctr"/>
+            <a:r>
+              <a:rPr lang="en-US" altLang="ko-KR" sz="1400"/>
+              <a:t>Spark Standalone</a:t>
+            </a:r>
+            <a:endParaRPr lang="ko-KR" altLang="en-US" sz="1400"/>
+          </a:p>
+        </p:txBody>
+      </p:sp>
+      <p:sp>
+        <p:nvSpPr>
+          <p:cNvPr id="5" name="모서리가 둥근 직사각형 2">
+            <a:extLst>
+              <a:ext uri="{FF2B5EF4-FFF2-40B4-BE49-F238E27FC236}">
+                <a16:creationId xmlns:a16="http://schemas.microsoft.com/office/drawing/2014/main" id="{85EE5CB8-4555-438C-1AFA-4BD605F155DC}"/>
+              </a:ext>
+            </a:extLst>
+          </p:cNvPr>
+          <p:cNvSpPr/>
+          <p:nvPr/>
+        </p:nvSpPr>
+        <p:spPr>
+          <a:xfrm>
+            <a:off x="185092" y="1131235"/>
+            <a:ext cx="1267155" cy="412965"/>
+          </a:xfrm>
+          <a:prstGeom prst="roundRect">
+            <a:avLst>
+              <a:gd name="adj" fmla="val 9458"/>
+            </a:avLst>
+          </a:prstGeom>
+        </p:spPr>
+        <p:style>
+          <a:lnRef idx="2">
+            <a:schemeClr val="dk1"/>
+          </a:lnRef>
+          <a:fillRef idx="1">
+            <a:schemeClr val="lt1"/>
+          </a:fillRef>
+          <a:effectRef idx="0">
+            <a:schemeClr val="dk1"/>
+          </a:effectRef>
+          <a:fontRef idx="minor">
+            <a:schemeClr val="dk1"/>
+          </a:fontRef>
+        </p:style>
+        <p:txBody>
+          <a:bodyPr rtlCol="0" anchor="ctr"/>
+          <a:lstStyle/>
+          <a:p>
+            <a:pPr algn="ctr"/>
+            <a:r>
+              <a:rPr lang="en-US" altLang="ko-KR" sz="1400"/>
+              <a:t>SQL</a:t>
+            </a:r>
+            <a:endParaRPr lang="ko-KR" altLang="en-US" sz="1400"/>
+          </a:p>
+        </p:txBody>
+      </p:sp>
+      <p:sp>
+        <p:nvSpPr>
+          <p:cNvPr id="6" name="모서리가 둥근 직사각형 2">
+            <a:extLst>
+              <a:ext uri="{FF2B5EF4-FFF2-40B4-BE49-F238E27FC236}">
+                <a16:creationId xmlns:a16="http://schemas.microsoft.com/office/drawing/2014/main" id="{6CD8862B-5821-596C-5BE2-601C16E4E331}"/>
+              </a:ext>
+            </a:extLst>
+          </p:cNvPr>
+          <p:cNvSpPr/>
+          <p:nvPr/>
+        </p:nvSpPr>
+        <p:spPr>
+          <a:xfrm>
+            <a:off x="1569088" y="1131235"/>
+            <a:ext cx="1267155" cy="412965"/>
+          </a:xfrm>
+          <a:prstGeom prst="roundRect">
+            <a:avLst>
+              <a:gd name="adj" fmla="val 9458"/>
+            </a:avLst>
+          </a:prstGeom>
+        </p:spPr>
+        <p:style>
+          <a:lnRef idx="2">
+            <a:schemeClr val="dk1"/>
+          </a:lnRef>
+          <a:fillRef idx="1">
+            <a:schemeClr val="lt1"/>
+          </a:fillRef>
+          <a:effectRef idx="0">
+            <a:schemeClr val="dk1"/>
+          </a:effectRef>
+          <a:fontRef idx="minor">
+            <a:schemeClr val="dk1"/>
+          </a:fontRef>
+        </p:style>
+        <p:txBody>
+          <a:bodyPr rtlCol="0" anchor="ctr"/>
+          <a:lstStyle/>
+          <a:p>
+            <a:pPr algn="ctr"/>
+            <a:r>
+              <a:rPr lang="en-US" altLang="ko-KR" sz="1400"/>
+              <a:t>Java</a:t>
+            </a:r>
+            <a:endParaRPr lang="ko-KR" altLang="en-US" sz="1400"/>
+          </a:p>
+        </p:txBody>
+      </p:sp>
+      <p:sp>
+        <p:nvSpPr>
+          <p:cNvPr id="7" name="모서리가 둥근 직사각형 2">
+            <a:extLst>
+              <a:ext uri="{FF2B5EF4-FFF2-40B4-BE49-F238E27FC236}">
+                <a16:creationId xmlns:a16="http://schemas.microsoft.com/office/drawing/2014/main" id="{AC3AD4E5-545F-B6F1-4692-79DE7B3D44FE}"/>
+              </a:ext>
+            </a:extLst>
+          </p:cNvPr>
+          <p:cNvSpPr/>
+          <p:nvPr/>
+        </p:nvSpPr>
+        <p:spPr>
+          <a:xfrm>
+            <a:off x="2953083" y="1131235"/>
+            <a:ext cx="1267155" cy="412965"/>
+          </a:xfrm>
+          <a:prstGeom prst="roundRect">
+            <a:avLst>
+              <a:gd name="adj" fmla="val 9458"/>
+            </a:avLst>
+          </a:prstGeom>
+        </p:spPr>
+        <p:style>
+          <a:lnRef idx="2">
+            <a:schemeClr val="dk1"/>
+          </a:lnRef>
+          <a:fillRef idx="1">
+            <a:schemeClr val="lt1"/>
+          </a:fillRef>
+          <a:effectRef idx="0">
+            <a:schemeClr val="dk1"/>
+          </a:effectRef>
+          <a:fontRef idx="minor">
+            <a:schemeClr val="dk1"/>
+          </a:fontRef>
+        </p:style>
+        <p:txBody>
+          <a:bodyPr rtlCol="0" anchor="ctr"/>
+          <a:lstStyle/>
+          <a:p>
+            <a:pPr algn="ctr"/>
+            <a:r>
+              <a:rPr lang="en-US" altLang="ko-KR" sz="1400"/>
+              <a:t>Scala</a:t>
+            </a:r>
+            <a:endParaRPr lang="ko-KR" altLang="en-US" sz="1400"/>
+          </a:p>
+        </p:txBody>
+      </p:sp>
+      <p:sp>
+        <p:nvSpPr>
+          <p:cNvPr id="8" name="모서리가 둥근 직사각형 2">
+            <a:extLst>
+              <a:ext uri="{FF2B5EF4-FFF2-40B4-BE49-F238E27FC236}">
+                <a16:creationId xmlns:a16="http://schemas.microsoft.com/office/drawing/2014/main" id="{A42B0E84-3A12-109F-5C62-9098A1FF2033}"/>
+              </a:ext>
+            </a:extLst>
+          </p:cNvPr>
+          <p:cNvSpPr/>
+          <p:nvPr/>
+        </p:nvSpPr>
+        <p:spPr>
+          <a:xfrm>
+            <a:off x="4337079" y="1131235"/>
+            <a:ext cx="1267155" cy="412965"/>
+          </a:xfrm>
+          <a:prstGeom prst="roundRect">
+            <a:avLst>
+              <a:gd name="adj" fmla="val 9458"/>
+            </a:avLst>
+          </a:prstGeom>
+        </p:spPr>
+        <p:style>
+          <a:lnRef idx="2">
+            <a:schemeClr val="dk1"/>
+          </a:lnRef>
+          <a:fillRef idx="1">
+            <a:schemeClr val="lt1"/>
+          </a:fillRef>
+          <a:effectRef idx="0">
+            <a:schemeClr val="dk1"/>
+          </a:effectRef>
+          <a:fontRef idx="minor">
+            <a:schemeClr val="dk1"/>
+          </a:fontRef>
+        </p:style>
+        <p:txBody>
+          <a:bodyPr rtlCol="0" anchor="ctr"/>
+          <a:lstStyle/>
+          <a:p>
+            <a:pPr algn="ctr"/>
+            <a:r>
+              <a:rPr lang="en-US" altLang="ko-KR" sz="1400"/>
+              <a:t>Python</a:t>
+            </a:r>
+            <a:endParaRPr lang="ko-KR" altLang="en-US" sz="1400"/>
+          </a:p>
+        </p:txBody>
+      </p:sp>
+      <p:sp>
+        <p:nvSpPr>
+          <p:cNvPr id="9" name="모서리가 둥근 직사각형 2">
+            <a:extLst>
+              <a:ext uri="{FF2B5EF4-FFF2-40B4-BE49-F238E27FC236}">
+                <a16:creationId xmlns:a16="http://schemas.microsoft.com/office/drawing/2014/main" id="{DBA66F97-10E6-07B1-BA4B-045125F871B4}"/>
+              </a:ext>
+            </a:extLst>
+          </p:cNvPr>
+          <p:cNvSpPr/>
+          <p:nvPr/>
+        </p:nvSpPr>
+        <p:spPr>
+          <a:xfrm>
+            <a:off x="5697785" y="1131235"/>
+            <a:ext cx="1267155" cy="412965"/>
+          </a:xfrm>
+          <a:prstGeom prst="roundRect">
+            <a:avLst>
+              <a:gd name="adj" fmla="val 9458"/>
+            </a:avLst>
+          </a:prstGeom>
+        </p:spPr>
+        <p:style>
+          <a:lnRef idx="2">
+            <a:schemeClr val="dk1"/>
+          </a:lnRef>
+          <a:fillRef idx="1">
+            <a:schemeClr val="lt1"/>
+          </a:fillRef>
+          <a:effectRef idx="0">
+            <a:schemeClr val="dk1"/>
+          </a:effectRef>
+          <a:fontRef idx="minor">
+            <a:schemeClr val="dk1"/>
+          </a:fontRef>
+        </p:style>
+        <p:txBody>
+          <a:bodyPr rtlCol="0" anchor="ctr"/>
+          <a:lstStyle/>
+          <a:p>
+            <a:pPr algn="ctr"/>
+            <a:r>
+              <a:rPr lang="en-US" altLang="ko-KR" sz="1400"/>
+              <a:t>R</a:t>
+            </a:r>
+            <a:endParaRPr lang="ko-KR" altLang="en-US" sz="1400"/>
+          </a:p>
+        </p:txBody>
+      </p:sp>
+      <p:sp>
+        <p:nvSpPr>
+          <p:cNvPr id="14" name="모서리가 둥근 직사각형 2">
+            <a:extLst>
+              <a:ext uri="{FF2B5EF4-FFF2-40B4-BE49-F238E27FC236}">
+                <a16:creationId xmlns:a16="http://schemas.microsoft.com/office/drawing/2014/main" id="{3B6526B4-8AF3-411B-F370-D19A6E98ED57}"/>
+              </a:ext>
+            </a:extLst>
+          </p:cNvPr>
+          <p:cNvSpPr/>
+          <p:nvPr/>
+        </p:nvSpPr>
+        <p:spPr>
+          <a:xfrm>
+            <a:off x="180072" y="4398995"/>
+            <a:ext cx="1645142" cy="484963"/>
+          </a:xfrm>
+          <a:prstGeom prst="roundRect">
+            <a:avLst>
+              <a:gd name="adj" fmla="val 9458"/>
+            </a:avLst>
+          </a:prstGeom>
+        </p:spPr>
+        <p:style>
+          <a:lnRef idx="2">
+            <a:schemeClr val="dk1"/>
+          </a:lnRef>
+          <a:fillRef idx="1">
+            <a:schemeClr val="lt1"/>
+          </a:fillRef>
+          <a:effectRef idx="0">
+            <a:schemeClr val="dk1"/>
+          </a:effectRef>
+          <a:fontRef idx="minor">
+            <a:schemeClr val="dk1"/>
+          </a:fontRef>
+        </p:style>
+        <p:txBody>
+          <a:bodyPr rtlCol="0" anchor="ctr"/>
+          <a:lstStyle/>
+          <a:p>
+            <a:pPr algn="ctr"/>
+            <a:r>
+              <a:rPr lang="en-US" altLang="ko-KR" sz="1400"/>
+              <a:t>Mesos</a:t>
+            </a:r>
+            <a:endParaRPr lang="ko-KR" altLang="en-US" sz="1400"/>
+          </a:p>
+        </p:txBody>
+      </p:sp>
+      <p:sp>
+        <p:nvSpPr>
+          <p:cNvPr id="15" name="모서리가 둥근 직사각형 2">
+            <a:extLst>
+              <a:ext uri="{FF2B5EF4-FFF2-40B4-BE49-F238E27FC236}">
+                <a16:creationId xmlns:a16="http://schemas.microsoft.com/office/drawing/2014/main" id="{EC85118C-3F6F-8C77-5995-9FF74054FB3A}"/>
+              </a:ext>
+            </a:extLst>
+          </p:cNvPr>
+          <p:cNvSpPr/>
+          <p:nvPr/>
+        </p:nvSpPr>
+        <p:spPr>
+          <a:xfrm>
+            <a:off x="1965250" y="4398994"/>
+            <a:ext cx="1465545" cy="484963"/>
+          </a:xfrm>
+          <a:prstGeom prst="roundRect">
+            <a:avLst>
+              <a:gd name="adj" fmla="val 9458"/>
+            </a:avLst>
+          </a:prstGeom>
+        </p:spPr>
+        <p:style>
+          <a:lnRef idx="2">
+            <a:schemeClr val="dk1"/>
+          </a:lnRef>
+          <a:fillRef idx="1">
+            <a:schemeClr val="lt1"/>
+          </a:fillRef>
+          <a:effectRef idx="0">
+            <a:schemeClr val="dk1"/>
+          </a:effectRef>
+          <a:fontRef idx="minor">
+            <a:schemeClr val="dk1"/>
+          </a:fontRef>
+        </p:style>
+        <p:txBody>
+          <a:bodyPr rtlCol="0" anchor="ctr"/>
+          <a:lstStyle/>
+          <a:p>
+            <a:pPr algn="ctr"/>
+            <a:r>
+              <a:rPr lang="en-US" altLang="ko-KR" sz="1400"/>
+              <a:t>Kubernetes</a:t>
+            </a:r>
+            <a:endParaRPr lang="ko-KR" altLang="en-US" sz="1400"/>
+          </a:p>
+        </p:txBody>
+      </p:sp>
+      <p:sp>
+        <p:nvSpPr>
+          <p:cNvPr id="16" name="모서리가 둥근 직사각형 2">
+            <a:extLst>
+              <a:ext uri="{FF2B5EF4-FFF2-40B4-BE49-F238E27FC236}">
+                <a16:creationId xmlns:a16="http://schemas.microsoft.com/office/drawing/2014/main" id="{181449F3-A08C-81A9-8F12-8E16307C0234}"/>
+              </a:ext>
+            </a:extLst>
+          </p:cNvPr>
+          <p:cNvSpPr/>
+          <p:nvPr/>
+        </p:nvSpPr>
+        <p:spPr>
+          <a:xfrm>
+            <a:off x="180072" y="2164845"/>
+            <a:ext cx="1650162" cy="406696"/>
+          </a:xfrm>
+          <a:prstGeom prst="roundRect">
+            <a:avLst>
+              <a:gd name="adj" fmla="val 9458"/>
+            </a:avLst>
+          </a:prstGeom>
+        </p:spPr>
+        <p:style>
+          <a:lnRef idx="2">
+            <a:schemeClr val="dk1"/>
+          </a:lnRef>
+          <a:fillRef idx="1">
+            <a:schemeClr val="lt1"/>
+          </a:fillRef>
+          <a:effectRef idx="0">
+            <a:schemeClr val="dk1"/>
+          </a:effectRef>
+          <a:fontRef idx="minor">
+            <a:schemeClr val="dk1"/>
+          </a:fontRef>
+        </p:style>
+        <p:txBody>
+          <a:bodyPr rtlCol="0" anchor="ctr"/>
+          <a:lstStyle/>
+          <a:p>
+            <a:pPr algn="ctr"/>
+            <a:r>
+              <a:rPr lang="en-US" altLang="ko-KR" sz="1400"/>
+              <a:t>Spark SQL</a:t>
+            </a:r>
+            <a:endParaRPr lang="ko-KR" altLang="en-US" sz="1400"/>
+          </a:p>
+        </p:txBody>
+      </p:sp>
+      <p:sp>
+        <p:nvSpPr>
+          <p:cNvPr id="20" name="Rounded Rectangle 19">
+            <a:extLst>
+              <a:ext uri="{FF2B5EF4-FFF2-40B4-BE49-F238E27FC236}">
+                <a16:creationId xmlns:a16="http://schemas.microsoft.com/office/drawing/2014/main" id="{E14E9D17-201F-FE16-6759-CBC49632ABA0}"/>
+              </a:ext>
+            </a:extLst>
+          </p:cNvPr>
+          <p:cNvSpPr/>
+          <p:nvPr/>
+        </p:nvSpPr>
+        <p:spPr>
+          <a:xfrm>
+            <a:off x="108029" y="768235"/>
+            <a:ext cx="6958974" cy="857250"/>
+          </a:xfrm>
+          <a:prstGeom prst="roundRect">
+            <a:avLst>
+              <a:gd name="adj" fmla="val 8381"/>
+            </a:avLst>
+          </a:prstGeom>
+          <a:noFill/>
+          <a:ln w="12700">
+            <a:solidFill>
+              <a:schemeClr val="tx1"/>
+            </a:solidFill>
+            <a:prstDash val="dash"/>
+          </a:ln>
+        </p:spPr>
+        <p:style>
+          <a:lnRef idx="2">
+            <a:schemeClr val="accent1">
+              <a:shade val="50000"/>
+            </a:schemeClr>
+          </a:lnRef>
+          <a:fillRef idx="1">
+            <a:schemeClr val="accent1"/>
+          </a:fillRef>
+          <a:effectRef idx="0">
+            <a:schemeClr val="accent1"/>
+          </a:effectRef>
+          <a:fontRef idx="minor">
+            <a:schemeClr val="lt1"/>
+          </a:fontRef>
+        </p:style>
+        <p:txBody>
+          <a:bodyPr rtlCol="0" anchor="t"/>
+          <a:lstStyle/>
+          <a:p>
+            <a:pPr algn="ctr"/>
+            <a:r>
+              <a:rPr lang="en-KR" sz="1400" b="1">
+                <a:solidFill>
+                  <a:sysClr val="windowText" lastClr="000000"/>
+                </a:solidFill>
+              </a:rPr>
+              <a:t>API</a:t>
+            </a:r>
+          </a:p>
+        </p:txBody>
+      </p:sp>
+      <p:sp>
+        <p:nvSpPr>
+          <p:cNvPr id="22" name="모서리가 둥근 직사각형 2">
+            <a:extLst>
+              <a:ext uri="{FF2B5EF4-FFF2-40B4-BE49-F238E27FC236}">
+                <a16:creationId xmlns:a16="http://schemas.microsoft.com/office/drawing/2014/main" id="{9001DFB0-A0D7-A215-B397-341D76A5E9F5}"/>
+              </a:ext>
+            </a:extLst>
+          </p:cNvPr>
+          <p:cNvSpPr/>
+          <p:nvPr/>
+        </p:nvSpPr>
+        <p:spPr>
+          <a:xfrm>
+            <a:off x="1965250" y="2164845"/>
+            <a:ext cx="1464126" cy="406696"/>
+          </a:xfrm>
+          <a:prstGeom prst="roundRect">
+            <a:avLst>
+              <a:gd name="adj" fmla="val 9458"/>
+            </a:avLst>
+          </a:prstGeom>
+        </p:spPr>
+        <p:style>
+          <a:lnRef idx="2">
+            <a:schemeClr val="dk1"/>
+          </a:lnRef>
+          <a:fillRef idx="1">
+            <a:schemeClr val="lt1"/>
+          </a:fillRef>
+          <a:effectRef idx="0">
+            <a:schemeClr val="dk1"/>
+          </a:effectRef>
+          <a:fontRef idx="minor">
+            <a:schemeClr val="dk1"/>
+          </a:fontRef>
+        </p:style>
+        <p:txBody>
+          <a:bodyPr rtlCol="0" anchor="ctr"/>
+          <a:lstStyle/>
+          <a:p>
+            <a:pPr algn="ctr"/>
+            <a:r>
+              <a:rPr lang="en-US" altLang="ko-KR" sz="1400"/>
+              <a:t>MLlib</a:t>
+            </a:r>
+            <a:endParaRPr lang="ko-KR" altLang="en-US" sz="1400"/>
+          </a:p>
+        </p:txBody>
+      </p:sp>
+      <p:sp>
+        <p:nvSpPr>
+          <p:cNvPr id="23" name="모서리가 둥근 직사각형 2">
+            <a:extLst>
+              <a:ext uri="{FF2B5EF4-FFF2-40B4-BE49-F238E27FC236}">
+                <a16:creationId xmlns:a16="http://schemas.microsoft.com/office/drawing/2014/main" id="{54869145-A9D4-8E99-B7C2-8CF0A1D61064}"/>
+              </a:ext>
+            </a:extLst>
+          </p:cNvPr>
+          <p:cNvSpPr/>
+          <p:nvPr/>
+        </p:nvSpPr>
+        <p:spPr>
+          <a:xfrm>
+            <a:off x="3549473" y="2164845"/>
+            <a:ext cx="1575211" cy="406696"/>
+          </a:xfrm>
+          <a:prstGeom prst="roundRect">
+            <a:avLst>
+              <a:gd name="adj" fmla="val 9458"/>
+            </a:avLst>
+          </a:prstGeom>
+        </p:spPr>
+        <p:style>
+          <a:lnRef idx="2">
+            <a:schemeClr val="dk1"/>
+          </a:lnRef>
+          <a:fillRef idx="1">
+            <a:schemeClr val="lt1"/>
+          </a:fillRef>
+          <a:effectRef idx="0">
+            <a:schemeClr val="dk1"/>
+          </a:effectRef>
+          <a:fontRef idx="minor">
+            <a:schemeClr val="dk1"/>
+          </a:fontRef>
+        </p:style>
+        <p:txBody>
+          <a:bodyPr rtlCol="0" anchor="ctr"/>
+          <a:lstStyle/>
+          <a:p>
+            <a:pPr algn="ctr"/>
+            <a:r>
+              <a:rPr lang="en-US" altLang="ko-KR" sz="1400"/>
+              <a:t>GraphX</a:t>
+            </a:r>
+            <a:endParaRPr lang="ko-KR" altLang="en-US" sz="1400"/>
+          </a:p>
+        </p:txBody>
+      </p:sp>
+      <p:sp>
+        <p:nvSpPr>
+          <p:cNvPr id="24" name="모서리가 둥근 직사각형 2">
+            <a:extLst>
+              <a:ext uri="{FF2B5EF4-FFF2-40B4-BE49-F238E27FC236}">
+                <a16:creationId xmlns:a16="http://schemas.microsoft.com/office/drawing/2014/main" id="{AD753388-2CBD-6DB5-2ABF-F88F0E6798CB}"/>
+              </a:ext>
+            </a:extLst>
+          </p:cNvPr>
+          <p:cNvSpPr/>
+          <p:nvPr/>
+        </p:nvSpPr>
+        <p:spPr>
+          <a:xfrm>
+            <a:off x="5244781" y="2164662"/>
+            <a:ext cx="1721740" cy="406696"/>
+          </a:xfrm>
+          <a:prstGeom prst="roundRect">
+            <a:avLst>
+              <a:gd name="adj" fmla="val 9458"/>
+            </a:avLst>
+          </a:prstGeom>
+        </p:spPr>
+        <p:style>
+          <a:lnRef idx="2">
+            <a:schemeClr val="dk1"/>
+          </a:lnRef>
+          <a:fillRef idx="1">
+            <a:schemeClr val="lt1"/>
+          </a:fillRef>
+          <a:effectRef idx="0">
+            <a:schemeClr val="dk1"/>
+          </a:effectRef>
+          <a:fontRef idx="minor">
+            <a:schemeClr val="dk1"/>
+          </a:fontRef>
+        </p:style>
+        <p:txBody>
+          <a:bodyPr rtlCol="0" anchor="ctr"/>
+          <a:lstStyle/>
+          <a:p>
+            <a:pPr algn="ctr"/>
+            <a:r>
+              <a:rPr lang="en-US" altLang="ko-KR" sz="1400"/>
+              <a:t>Streaming</a:t>
+            </a:r>
+            <a:endParaRPr lang="ko-KR" altLang="en-US" sz="1400"/>
+          </a:p>
+        </p:txBody>
+      </p:sp>
+      <p:sp>
+        <p:nvSpPr>
+          <p:cNvPr id="25" name="Rounded Rectangle 24">
+            <a:extLst>
+              <a:ext uri="{FF2B5EF4-FFF2-40B4-BE49-F238E27FC236}">
+                <a16:creationId xmlns:a16="http://schemas.microsoft.com/office/drawing/2014/main" id="{5AC32AD6-8543-9940-6BE4-5F2A587212B5}"/>
+              </a:ext>
+            </a:extLst>
+          </p:cNvPr>
+          <p:cNvSpPr/>
+          <p:nvPr/>
+        </p:nvSpPr>
+        <p:spPr>
+          <a:xfrm>
+            <a:off x="108029" y="1797148"/>
+            <a:ext cx="6958974" cy="857250"/>
+          </a:xfrm>
+          <a:prstGeom prst="roundRect">
+            <a:avLst>
+              <a:gd name="adj" fmla="val 8381"/>
+            </a:avLst>
+          </a:prstGeom>
+          <a:noFill/>
+          <a:ln w="12700">
+            <a:solidFill>
+              <a:schemeClr val="tx1"/>
+            </a:solidFill>
+            <a:prstDash val="dash"/>
+          </a:ln>
+        </p:spPr>
+        <p:style>
+          <a:lnRef idx="2">
+            <a:schemeClr val="accent1">
+              <a:shade val="50000"/>
+            </a:schemeClr>
+          </a:lnRef>
+          <a:fillRef idx="1">
+            <a:schemeClr val="accent1"/>
+          </a:fillRef>
+          <a:effectRef idx="0">
+            <a:schemeClr val="accent1"/>
+          </a:effectRef>
+          <a:fontRef idx="minor">
+            <a:schemeClr val="lt1"/>
+          </a:fontRef>
+        </p:style>
+        <p:txBody>
+          <a:bodyPr rtlCol="0" anchor="t"/>
+          <a:lstStyle/>
+          <a:p>
+            <a:pPr algn="ctr"/>
+            <a:r>
+              <a:rPr lang="en-KR" sz="1400" b="1">
+                <a:solidFill>
+                  <a:sysClr val="windowText" lastClr="000000"/>
+                </a:solidFill>
+              </a:rPr>
+              <a:t>Library</a:t>
+            </a:r>
+          </a:p>
+        </p:txBody>
+      </p:sp>
+      <p:sp>
+        <p:nvSpPr>
+          <p:cNvPr id="26" name="모서리가 둥근 직사각형 2">
+            <a:extLst>
+              <a:ext uri="{FF2B5EF4-FFF2-40B4-BE49-F238E27FC236}">
+                <a16:creationId xmlns:a16="http://schemas.microsoft.com/office/drawing/2014/main" id="{19A98059-54D4-E1A9-BC91-EABE6F5D5ECD}"/>
+              </a:ext>
+            </a:extLst>
+          </p:cNvPr>
+          <p:cNvSpPr/>
+          <p:nvPr/>
+        </p:nvSpPr>
+        <p:spPr>
+          <a:xfrm>
+            <a:off x="97345" y="2825221"/>
+            <a:ext cx="6969657" cy="406696"/>
+          </a:xfrm>
+          <a:prstGeom prst="roundRect">
+            <a:avLst>
+              <a:gd name="adj" fmla="val 9458"/>
+            </a:avLst>
+          </a:prstGeom>
+        </p:spPr>
+        <p:style>
+          <a:lnRef idx="2">
+            <a:schemeClr val="dk1"/>
+          </a:lnRef>
+          <a:fillRef idx="1">
+            <a:schemeClr val="lt1"/>
+          </a:fillRef>
+          <a:effectRef idx="0">
+            <a:schemeClr val="dk1"/>
+          </a:effectRef>
+          <a:fontRef idx="minor">
+            <a:schemeClr val="dk1"/>
+          </a:fontRef>
+        </p:style>
+        <p:txBody>
+          <a:bodyPr rtlCol="0" anchor="ctr"/>
+          <a:lstStyle/>
+          <a:p>
+            <a:pPr algn="ctr"/>
+            <a:r>
+              <a:rPr lang="en-US" altLang="ko-KR" sz="1400" b="1"/>
+              <a:t>Spark Core</a:t>
+            </a:r>
+            <a:endParaRPr lang="ko-KR" altLang="en-US" sz="1400" b="1"/>
+          </a:p>
+        </p:txBody>
+      </p:sp>
+      <p:sp>
+        <p:nvSpPr>
+          <p:cNvPr id="27" name="모서리가 둥근 직사각형 2">
+            <a:extLst>
+              <a:ext uri="{FF2B5EF4-FFF2-40B4-BE49-F238E27FC236}">
+                <a16:creationId xmlns:a16="http://schemas.microsoft.com/office/drawing/2014/main" id="{607D6716-78A3-D4BF-FD8F-F44AA4B5B959}"/>
+              </a:ext>
+            </a:extLst>
+          </p:cNvPr>
+          <p:cNvSpPr/>
+          <p:nvPr/>
+        </p:nvSpPr>
+        <p:spPr>
+          <a:xfrm>
+            <a:off x="7334630" y="1238438"/>
+            <a:ext cx="1650162" cy="406696"/>
+          </a:xfrm>
+          <a:prstGeom prst="roundRect">
+            <a:avLst>
+              <a:gd name="adj" fmla="val 9458"/>
+            </a:avLst>
+          </a:prstGeom>
+        </p:spPr>
+        <p:style>
+          <a:lnRef idx="2">
+            <a:schemeClr val="dk1"/>
+          </a:lnRef>
+          <a:fillRef idx="1">
+            <a:schemeClr val="lt1"/>
+          </a:fillRef>
+          <a:effectRef idx="0">
+            <a:schemeClr val="dk1"/>
+          </a:effectRef>
+          <a:fontRef idx="minor">
+            <a:schemeClr val="dk1"/>
+          </a:fontRef>
+        </p:style>
+        <p:txBody>
+          <a:bodyPr rtlCol="0" anchor="ctr"/>
+          <a:lstStyle/>
+          <a:p>
+            <a:pPr algn="ctr"/>
+            <a:r>
+              <a:rPr lang="en-US" altLang="ko-KR" sz="1400"/>
+              <a:t>Kafka</a:t>
+            </a:r>
+            <a:endParaRPr lang="ko-KR" altLang="en-US" sz="1400"/>
+          </a:p>
+        </p:txBody>
+      </p:sp>
+      <p:sp>
+        <p:nvSpPr>
+          <p:cNvPr id="28" name="모서리가 둥근 직사각형 2">
+            <a:extLst>
+              <a:ext uri="{FF2B5EF4-FFF2-40B4-BE49-F238E27FC236}">
+                <a16:creationId xmlns:a16="http://schemas.microsoft.com/office/drawing/2014/main" id="{F6C837C6-50D9-7102-BFBB-FD728088F6C7}"/>
+              </a:ext>
+            </a:extLst>
+          </p:cNvPr>
+          <p:cNvSpPr/>
+          <p:nvPr/>
+        </p:nvSpPr>
+        <p:spPr>
+          <a:xfrm>
+            <a:off x="7334630" y="1766819"/>
+            <a:ext cx="1650162" cy="406696"/>
+          </a:xfrm>
+          <a:prstGeom prst="roundRect">
+            <a:avLst>
+              <a:gd name="adj" fmla="val 9458"/>
+            </a:avLst>
+          </a:prstGeom>
+        </p:spPr>
+        <p:style>
+          <a:lnRef idx="2">
+            <a:schemeClr val="dk1"/>
+          </a:lnRef>
+          <a:fillRef idx="1">
+            <a:schemeClr val="lt1"/>
+          </a:fillRef>
+          <a:effectRef idx="0">
+            <a:schemeClr val="dk1"/>
+          </a:effectRef>
+          <a:fontRef idx="minor">
+            <a:schemeClr val="dk1"/>
+          </a:fontRef>
+        </p:style>
+        <p:txBody>
+          <a:bodyPr rtlCol="0" anchor="ctr"/>
+          <a:lstStyle/>
+          <a:p>
+            <a:pPr algn="ctr"/>
+            <a:r>
+              <a:rPr lang="en-US" altLang="ko-KR" sz="1400"/>
+              <a:t>Flume</a:t>
+            </a:r>
+            <a:endParaRPr lang="ko-KR" altLang="en-US" sz="1400"/>
+          </a:p>
+        </p:txBody>
+      </p:sp>
+      <p:sp>
+        <p:nvSpPr>
+          <p:cNvPr id="29" name="모서리가 둥근 직사각형 2">
+            <a:extLst>
+              <a:ext uri="{FF2B5EF4-FFF2-40B4-BE49-F238E27FC236}">
+                <a16:creationId xmlns:a16="http://schemas.microsoft.com/office/drawing/2014/main" id="{EBACDC83-E0CB-6F2C-B4C4-4A8584343AC9}"/>
+              </a:ext>
+            </a:extLst>
+          </p:cNvPr>
+          <p:cNvSpPr/>
+          <p:nvPr/>
+        </p:nvSpPr>
+        <p:spPr>
+          <a:xfrm>
+            <a:off x="7334630" y="2310579"/>
+            <a:ext cx="1650162" cy="406696"/>
+          </a:xfrm>
+          <a:prstGeom prst="roundRect">
+            <a:avLst>
+              <a:gd name="adj" fmla="val 9458"/>
+            </a:avLst>
+          </a:prstGeom>
+        </p:spPr>
+        <p:style>
+          <a:lnRef idx="2">
+            <a:schemeClr val="dk1"/>
+          </a:lnRef>
+          <a:fillRef idx="1">
+            <a:schemeClr val="lt1"/>
+          </a:fillRef>
+          <a:effectRef idx="0">
+            <a:schemeClr val="dk1"/>
+          </a:effectRef>
+          <a:fontRef idx="minor">
+            <a:schemeClr val="dk1"/>
+          </a:fontRef>
+        </p:style>
+        <p:txBody>
+          <a:bodyPr rtlCol="0" anchor="ctr"/>
+          <a:lstStyle/>
+          <a:p>
+            <a:pPr algn="ctr"/>
+            <a:r>
+              <a:rPr lang="en-US" altLang="ko-KR" sz="1400"/>
+              <a:t>HDFS</a:t>
+            </a:r>
+            <a:endParaRPr lang="ko-KR" altLang="en-US" sz="1400"/>
+          </a:p>
+        </p:txBody>
+      </p:sp>
+      <p:sp>
+        <p:nvSpPr>
+          <p:cNvPr id="30" name="모서리가 둥근 직사각형 2">
+            <a:extLst>
+              <a:ext uri="{FF2B5EF4-FFF2-40B4-BE49-F238E27FC236}">
+                <a16:creationId xmlns:a16="http://schemas.microsoft.com/office/drawing/2014/main" id="{7F78818B-BAF6-8674-B528-83168F1AC518}"/>
+              </a:ext>
+            </a:extLst>
+          </p:cNvPr>
+          <p:cNvSpPr/>
+          <p:nvPr/>
+        </p:nvSpPr>
+        <p:spPr>
+          <a:xfrm>
+            <a:off x="7334630" y="2827422"/>
+            <a:ext cx="1650162" cy="406696"/>
+          </a:xfrm>
+          <a:prstGeom prst="roundRect">
+            <a:avLst>
+              <a:gd name="adj" fmla="val 9458"/>
+            </a:avLst>
+          </a:prstGeom>
+        </p:spPr>
+        <p:style>
+          <a:lnRef idx="2">
+            <a:schemeClr val="dk1"/>
+          </a:lnRef>
+          <a:fillRef idx="1">
+            <a:schemeClr val="lt1"/>
+          </a:fillRef>
+          <a:effectRef idx="0">
+            <a:schemeClr val="dk1"/>
+          </a:effectRef>
+          <a:fontRef idx="minor">
+            <a:schemeClr val="dk1"/>
+          </a:fontRef>
+        </p:style>
+        <p:txBody>
+          <a:bodyPr rtlCol="0" anchor="ctr"/>
+          <a:lstStyle/>
+          <a:p>
+            <a:pPr algn="ctr"/>
+            <a:r>
+              <a:rPr lang="en-US" altLang="ko-KR" sz="1400"/>
+              <a:t>ZeroMQ</a:t>
+            </a:r>
+            <a:endParaRPr lang="ko-KR" altLang="en-US" sz="1400"/>
+          </a:p>
+        </p:txBody>
+      </p:sp>
+      <p:sp>
+        <p:nvSpPr>
+          <p:cNvPr id="31" name="모서리가 둥근 직사각형 2">
+            <a:extLst>
+              <a:ext uri="{FF2B5EF4-FFF2-40B4-BE49-F238E27FC236}">
+                <a16:creationId xmlns:a16="http://schemas.microsoft.com/office/drawing/2014/main" id="{A5D25531-9026-6618-AFC7-33426B697FD4}"/>
+              </a:ext>
+            </a:extLst>
+          </p:cNvPr>
+          <p:cNvSpPr/>
+          <p:nvPr/>
+        </p:nvSpPr>
+        <p:spPr>
+          <a:xfrm>
+            <a:off x="7334630" y="3340800"/>
+            <a:ext cx="1650162" cy="406696"/>
+          </a:xfrm>
+          <a:prstGeom prst="roundRect">
+            <a:avLst>
+              <a:gd name="adj" fmla="val 9458"/>
+            </a:avLst>
+          </a:prstGeom>
+        </p:spPr>
+        <p:style>
+          <a:lnRef idx="2">
+            <a:schemeClr val="dk1"/>
+          </a:lnRef>
+          <a:fillRef idx="1">
+            <a:schemeClr val="lt1"/>
+          </a:fillRef>
+          <a:effectRef idx="0">
+            <a:schemeClr val="dk1"/>
+          </a:effectRef>
+          <a:fontRef idx="minor">
+            <a:schemeClr val="dk1"/>
+          </a:fontRef>
+        </p:style>
+        <p:txBody>
+          <a:bodyPr rtlCol="0" anchor="ctr"/>
+          <a:lstStyle/>
+          <a:p>
+            <a:pPr algn="ctr"/>
+            <a:r>
+              <a:rPr lang="en-US" altLang="ko-KR" sz="1400"/>
+              <a:t>Amazon Kinesis</a:t>
+            </a:r>
+            <a:endParaRPr lang="ko-KR" altLang="en-US" sz="1400"/>
+          </a:p>
+        </p:txBody>
+      </p:sp>
+      <p:sp>
+        <p:nvSpPr>
+          <p:cNvPr id="32" name="Rounded Rectangle 31">
+            <a:extLst>
+              <a:ext uri="{FF2B5EF4-FFF2-40B4-BE49-F238E27FC236}">
+                <a16:creationId xmlns:a16="http://schemas.microsoft.com/office/drawing/2014/main" id="{263474DC-0B8B-4760-9DDA-1D226BEBA19F}"/>
+              </a:ext>
+            </a:extLst>
+          </p:cNvPr>
+          <p:cNvSpPr/>
+          <p:nvPr/>
+        </p:nvSpPr>
+        <p:spPr>
+          <a:xfrm>
+            <a:off x="7239391" y="875528"/>
+            <a:ext cx="1852129" cy="2984964"/>
+          </a:xfrm>
+          <a:prstGeom prst="roundRect">
+            <a:avLst>
+              <a:gd name="adj" fmla="val 3229"/>
+            </a:avLst>
+          </a:prstGeom>
+          <a:noFill/>
+          <a:ln w="12700">
+            <a:solidFill>
+              <a:schemeClr val="tx1"/>
+            </a:solidFill>
+            <a:prstDash val="dash"/>
+          </a:ln>
+        </p:spPr>
+        <p:style>
+          <a:lnRef idx="2">
+            <a:schemeClr val="accent1">
+              <a:shade val="50000"/>
+            </a:schemeClr>
+          </a:lnRef>
+          <a:fillRef idx="1">
+            <a:schemeClr val="accent1"/>
+          </a:fillRef>
+          <a:effectRef idx="0">
+            <a:schemeClr val="accent1"/>
+          </a:effectRef>
+          <a:fontRef idx="minor">
+            <a:schemeClr val="lt1"/>
+          </a:fontRef>
+        </p:style>
+        <p:txBody>
+          <a:bodyPr rtlCol="0" anchor="t"/>
+          <a:lstStyle/>
+          <a:p>
+            <a:pPr algn="ctr"/>
+            <a:r>
+              <a:rPr lang="en-KR" sz="1400" b="1">
+                <a:solidFill>
+                  <a:sysClr val="windowText" lastClr="000000"/>
+                </a:solidFill>
+              </a:rPr>
+              <a:t>Streaming Source</a:t>
+            </a:r>
+          </a:p>
+        </p:txBody>
+      </p:sp>
+      <p:cxnSp>
+        <p:nvCxnSpPr>
+          <p:cNvPr id="34" name="Straight Arrow Connector 33">
+            <a:extLst>
+              <a:ext uri="{FF2B5EF4-FFF2-40B4-BE49-F238E27FC236}">
+                <a16:creationId xmlns:a16="http://schemas.microsoft.com/office/drawing/2014/main" id="{1945CB0A-514B-0A56-2ECB-83E1E00E3F3A}"/>
+              </a:ext>
+            </a:extLst>
+          </p:cNvPr>
+          <p:cNvCxnSpPr>
+            <a:stCxn id="20" idx="2"/>
+            <a:endCxn id="25" idx="0"/>
+          </p:cNvCxnSpPr>
+          <p:nvPr/>
+        </p:nvCxnSpPr>
+        <p:spPr>
+          <a:xfrm>
+            <a:off x="3587516" y="1625485"/>
+            <a:ext cx="0" cy="171663"/>
+          </a:xfrm>
+          <a:prstGeom prst="straightConnector1">
+            <a:avLst/>
+          </a:prstGeom>
+          <a:ln w="19050">
+            <a:solidFill>
+              <a:schemeClr val="tx1"/>
+            </a:solidFill>
+            <a:headEnd type="none" w="med" len="med"/>
+            <a:tailEnd type="arrow" w="med" len="med"/>
+          </a:ln>
+        </p:spPr>
+        <p:style>
+          <a:lnRef idx="1">
+            <a:schemeClr val="accent1"/>
+          </a:lnRef>
+          <a:fillRef idx="0">
+            <a:schemeClr val="accent1"/>
+          </a:fillRef>
+          <a:effectRef idx="0">
+            <a:schemeClr val="accent1"/>
+          </a:effectRef>
+          <a:fontRef idx="minor">
+            <a:schemeClr val="tx1"/>
+          </a:fontRef>
+        </p:style>
+      </p:cxnSp>
+      <p:cxnSp>
+        <p:nvCxnSpPr>
+          <p:cNvPr id="35" name="Straight Arrow Connector 34">
+            <a:extLst>
+              <a:ext uri="{FF2B5EF4-FFF2-40B4-BE49-F238E27FC236}">
+                <a16:creationId xmlns:a16="http://schemas.microsoft.com/office/drawing/2014/main" id="{A0085EAC-5032-917C-7804-7449BEADCCE0}"/>
+              </a:ext>
+            </a:extLst>
+          </p:cNvPr>
+          <p:cNvCxnSpPr>
+            <a:cxnSpLocks/>
+            <a:stCxn id="24" idx="3"/>
+            <a:endCxn id="32" idx="1"/>
+          </p:cNvCxnSpPr>
+          <p:nvPr/>
+        </p:nvCxnSpPr>
+        <p:spPr>
+          <a:xfrm>
+            <a:off x="6966521" y="2368010"/>
+            <a:ext cx="272870" cy="0"/>
+          </a:xfrm>
+          <a:prstGeom prst="straightConnector1">
+            <a:avLst/>
+          </a:prstGeom>
+          <a:ln w="19050">
+            <a:solidFill>
+              <a:schemeClr val="tx1"/>
+            </a:solidFill>
+            <a:headEnd type="none" w="med" len="med"/>
+            <a:tailEnd type="arrow" w="med" len="med"/>
+          </a:ln>
+        </p:spPr>
+        <p:style>
+          <a:lnRef idx="1">
+            <a:schemeClr val="accent1"/>
+          </a:lnRef>
+          <a:fillRef idx="0">
+            <a:schemeClr val="accent1"/>
+          </a:fillRef>
+          <a:effectRef idx="0">
+            <a:schemeClr val="accent1"/>
+          </a:effectRef>
+          <a:fontRef idx="minor">
+            <a:schemeClr val="tx1"/>
+          </a:fontRef>
+        </p:style>
+      </p:cxnSp>
+      <p:cxnSp>
+        <p:nvCxnSpPr>
+          <p:cNvPr id="51" name="Straight Arrow Connector 50">
+            <a:extLst>
+              <a:ext uri="{FF2B5EF4-FFF2-40B4-BE49-F238E27FC236}">
+                <a16:creationId xmlns:a16="http://schemas.microsoft.com/office/drawing/2014/main" id="{918B0424-7970-2260-BD39-F2A0246B0697}"/>
+              </a:ext>
+            </a:extLst>
+          </p:cNvPr>
+          <p:cNvCxnSpPr>
+            <a:cxnSpLocks/>
+            <a:stCxn id="25" idx="2"/>
+            <a:endCxn id="26" idx="0"/>
+          </p:cNvCxnSpPr>
+          <p:nvPr/>
+        </p:nvCxnSpPr>
+        <p:spPr>
+          <a:xfrm flipH="1">
+            <a:off x="3582174" y="2654398"/>
+            <a:ext cx="5342" cy="170823"/>
+          </a:xfrm>
+          <a:prstGeom prst="straightConnector1">
+            <a:avLst/>
+          </a:prstGeom>
+          <a:ln w="19050">
+            <a:solidFill>
+              <a:schemeClr val="tx1"/>
+            </a:solidFill>
+            <a:headEnd type="none" w="med" len="med"/>
+            <a:tailEnd type="arrow" w="med" len="med"/>
+          </a:ln>
+        </p:spPr>
+        <p:style>
+          <a:lnRef idx="1">
+            <a:schemeClr val="accent1"/>
+          </a:lnRef>
+          <a:fillRef idx="0">
+            <a:schemeClr val="accent1"/>
+          </a:fillRef>
+          <a:effectRef idx="0">
+            <a:schemeClr val="accent1"/>
+          </a:effectRef>
+          <a:fontRef idx="minor">
+            <a:schemeClr val="tx1"/>
+          </a:fontRef>
+        </p:style>
+      </p:cxnSp>
+      <p:sp>
+        <p:nvSpPr>
+          <p:cNvPr id="56" name="Rounded Rectangle 55">
+            <a:extLst>
+              <a:ext uri="{FF2B5EF4-FFF2-40B4-BE49-F238E27FC236}">
+                <a16:creationId xmlns:a16="http://schemas.microsoft.com/office/drawing/2014/main" id="{4A655FD4-A07C-2868-ECC0-02D315B3C887}"/>
+              </a:ext>
+            </a:extLst>
+          </p:cNvPr>
+          <p:cNvSpPr/>
+          <p:nvPr/>
+        </p:nvSpPr>
+        <p:spPr>
+          <a:xfrm>
+            <a:off x="108029" y="3403796"/>
+            <a:ext cx="3406444" cy="1554969"/>
+          </a:xfrm>
+          <a:prstGeom prst="roundRect">
+            <a:avLst>
+              <a:gd name="adj" fmla="val 4694"/>
+            </a:avLst>
+          </a:prstGeom>
+          <a:noFill/>
+          <a:ln w="12700">
+            <a:solidFill>
+              <a:schemeClr val="tx1"/>
+            </a:solidFill>
+            <a:prstDash val="dash"/>
+          </a:ln>
+        </p:spPr>
+        <p:style>
+          <a:lnRef idx="2">
+            <a:schemeClr val="accent1">
+              <a:shade val="50000"/>
+            </a:schemeClr>
+          </a:lnRef>
+          <a:fillRef idx="1">
+            <a:schemeClr val="accent1"/>
+          </a:fillRef>
+          <a:effectRef idx="0">
+            <a:schemeClr val="accent1"/>
+          </a:effectRef>
+          <a:fontRef idx="minor">
+            <a:schemeClr val="lt1"/>
+          </a:fontRef>
+        </p:style>
+        <p:txBody>
+          <a:bodyPr rtlCol="0" anchor="t"/>
+          <a:lstStyle/>
+          <a:p>
+            <a:pPr algn="ctr"/>
+            <a:r>
+              <a:rPr lang="en-KR" sz="1400" b="1">
+                <a:solidFill>
+                  <a:sysClr val="windowText" lastClr="000000"/>
+                </a:solidFill>
+              </a:rPr>
+              <a:t>Resource / Cluster Manager</a:t>
+            </a:r>
+          </a:p>
+        </p:txBody>
+      </p:sp>
+      <p:sp>
+        <p:nvSpPr>
+          <p:cNvPr id="59" name="Rounded Rectangle 58">
+            <a:extLst>
+              <a:ext uri="{FF2B5EF4-FFF2-40B4-BE49-F238E27FC236}">
+                <a16:creationId xmlns:a16="http://schemas.microsoft.com/office/drawing/2014/main" id="{8520DC2D-C2EA-7103-E1E4-821C2770090D}"/>
+              </a:ext>
+            </a:extLst>
+          </p:cNvPr>
+          <p:cNvSpPr/>
+          <p:nvPr/>
+        </p:nvSpPr>
+        <p:spPr>
+          <a:xfrm>
+            <a:off x="3591537" y="3403796"/>
+            <a:ext cx="3475465" cy="1554969"/>
+          </a:xfrm>
+          <a:prstGeom prst="roundRect">
+            <a:avLst>
+              <a:gd name="adj" fmla="val 4694"/>
+            </a:avLst>
+          </a:prstGeom>
+          <a:noFill/>
+          <a:ln w="12700">
+            <a:solidFill>
+              <a:schemeClr val="tx1"/>
+            </a:solidFill>
+            <a:prstDash val="dash"/>
+          </a:ln>
+        </p:spPr>
+        <p:style>
+          <a:lnRef idx="2">
+            <a:schemeClr val="accent1">
+              <a:shade val="50000"/>
+            </a:schemeClr>
+          </a:lnRef>
+          <a:fillRef idx="1">
+            <a:schemeClr val="accent1"/>
+          </a:fillRef>
+          <a:effectRef idx="0">
+            <a:schemeClr val="accent1"/>
+          </a:effectRef>
+          <a:fontRef idx="minor">
+            <a:schemeClr val="lt1"/>
+          </a:fontRef>
+        </p:style>
+        <p:txBody>
+          <a:bodyPr rtlCol="0" anchor="t"/>
+          <a:lstStyle/>
+          <a:p>
+            <a:pPr algn="ctr"/>
+            <a:r>
+              <a:rPr lang="en-KR" sz="1400" b="1">
+                <a:solidFill>
+                  <a:sysClr val="windowText" lastClr="000000"/>
+                </a:solidFill>
+              </a:rPr>
+              <a:t>Storage</a:t>
+            </a:r>
+          </a:p>
+        </p:txBody>
+      </p:sp>
+      <p:sp>
+        <p:nvSpPr>
+          <p:cNvPr id="60" name="모서리가 둥근 직사각형 2">
+            <a:extLst>
+              <a:ext uri="{FF2B5EF4-FFF2-40B4-BE49-F238E27FC236}">
+                <a16:creationId xmlns:a16="http://schemas.microsoft.com/office/drawing/2014/main" id="{7F7887C9-3F5C-AEDF-1DB4-4329E3265FC3}"/>
+              </a:ext>
+            </a:extLst>
+          </p:cNvPr>
+          <p:cNvSpPr/>
+          <p:nvPr/>
+        </p:nvSpPr>
+        <p:spPr>
+          <a:xfrm>
+            <a:off x="5472039" y="3785726"/>
+            <a:ext cx="1464126" cy="484963"/>
+          </a:xfrm>
+          <a:prstGeom prst="roundRect">
+            <a:avLst>
+              <a:gd name="adj" fmla="val 9458"/>
+            </a:avLst>
+          </a:prstGeom>
+        </p:spPr>
+        <p:style>
+          <a:lnRef idx="2">
+            <a:schemeClr val="dk1"/>
+          </a:lnRef>
+          <a:fillRef idx="1">
+            <a:schemeClr val="lt1"/>
+          </a:fillRef>
+          <a:effectRef idx="0">
+            <a:schemeClr val="dk1"/>
+          </a:effectRef>
+          <a:fontRef idx="minor">
+            <a:schemeClr val="dk1"/>
+          </a:fontRef>
+        </p:style>
+        <p:txBody>
+          <a:bodyPr rtlCol="0" anchor="ctr"/>
+          <a:lstStyle/>
+          <a:p>
+            <a:pPr algn="ctr"/>
+            <a:r>
+              <a:rPr lang="en-US" altLang="ko-KR" sz="1400"/>
+              <a:t>Gluster FS</a:t>
+            </a:r>
+            <a:endParaRPr lang="ko-KR" altLang="en-US" sz="1400"/>
+          </a:p>
+        </p:txBody>
+      </p:sp>
+      <p:sp>
+        <p:nvSpPr>
+          <p:cNvPr id="61" name="모서리가 둥근 직사각형 2">
+            <a:extLst>
+              <a:ext uri="{FF2B5EF4-FFF2-40B4-BE49-F238E27FC236}">
+                <a16:creationId xmlns:a16="http://schemas.microsoft.com/office/drawing/2014/main" id="{A04F1466-0BBF-BED4-F33B-22C1802BDFAB}"/>
+              </a:ext>
+            </a:extLst>
+          </p:cNvPr>
+          <p:cNvSpPr/>
+          <p:nvPr/>
+        </p:nvSpPr>
+        <p:spPr>
+          <a:xfrm>
+            <a:off x="3691882" y="3785722"/>
+            <a:ext cx="1645142" cy="484967"/>
+          </a:xfrm>
+          <a:prstGeom prst="roundRect">
+            <a:avLst>
+              <a:gd name="adj" fmla="val 9458"/>
+            </a:avLst>
+          </a:prstGeom>
+        </p:spPr>
+        <p:style>
+          <a:lnRef idx="2">
+            <a:schemeClr val="dk1"/>
+          </a:lnRef>
+          <a:fillRef idx="1">
+            <a:schemeClr val="lt1"/>
+          </a:fillRef>
+          <a:effectRef idx="0">
+            <a:schemeClr val="dk1"/>
+          </a:effectRef>
+          <a:fontRef idx="minor">
+            <a:schemeClr val="dk1"/>
+          </a:fontRef>
+        </p:style>
+        <p:txBody>
+          <a:bodyPr rtlCol="0" anchor="ctr"/>
+          <a:lstStyle/>
+          <a:p>
+            <a:pPr algn="ctr"/>
+            <a:r>
+              <a:rPr lang="en-US" altLang="ko-KR" sz="1400"/>
+              <a:t>HDFS</a:t>
+            </a:r>
+            <a:endParaRPr lang="ko-KR" altLang="en-US" sz="1400"/>
+          </a:p>
+        </p:txBody>
+      </p:sp>
+      <p:sp>
+        <p:nvSpPr>
+          <p:cNvPr id="62" name="모서리가 둥근 직사각형 2">
+            <a:extLst>
+              <a:ext uri="{FF2B5EF4-FFF2-40B4-BE49-F238E27FC236}">
+                <a16:creationId xmlns:a16="http://schemas.microsoft.com/office/drawing/2014/main" id="{8EFB65B0-4A14-7A30-2913-F85662439D93}"/>
+              </a:ext>
+            </a:extLst>
+          </p:cNvPr>
+          <p:cNvSpPr/>
+          <p:nvPr/>
+        </p:nvSpPr>
+        <p:spPr>
+          <a:xfrm>
+            <a:off x="4506698" y="4398995"/>
+            <a:ext cx="1645142" cy="484963"/>
+          </a:xfrm>
+          <a:prstGeom prst="roundRect">
+            <a:avLst>
+              <a:gd name="adj" fmla="val 9458"/>
+            </a:avLst>
+          </a:prstGeom>
+        </p:spPr>
+        <p:style>
+          <a:lnRef idx="2">
+            <a:schemeClr val="dk1"/>
+          </a:lnRef>
+          <a:fillRef idx="1">
+            <a:schemeClr val="lt1"/>
+          </a:fillRef>
+          <a:effectRef idx="0">
+            <a:schemeClr val="dk1"/>
+          </a:effectRef>
+          <a:fontRef idx="minor">
+            <a:schemeClr val="dk1"/>
+          </a:fontRef>
+        </p:style>
+        <p:txBody>
+          <a:bodyPr rtlCol="0" anchor="ctr"/>
+          <a:lstStyle/>
+          <a:p>
+            <a:pPr algn="ctr"/>
+            <a:r>
+              <a:rPr lang="en-US" altLang="ko-KR" sz="1400"/>
+              <a:t>Amazon S3</a:t>
+            </a:r>
+            <a:endParaRPr lang="ko-KR" altLang="en-US" sz="1400"/>
+          </a:p>
+        </p:txBody>
+      </p:sp>
+      <p:cxnSp>
+        <p:nvCxnSpPr>
+          <p:cNvPr id="67" name="Straight Arrow Connector 66">
+            <a:extLst>
+              <a:ext uri="{FF2B5EF4-FFF2-40B4-BE49-F238E27FC236}">
+                <a16:creationId xmlns:a16="http://schemas.microsoft.com/office/drawing/2014/main" id="{DD5948E9-AD8A-1F16-02C2-7E7D33434430}"/>
+              </a:ext>
+            </a:extLst>
+          </p:cNvPr>
+          <p:cNvCxnSpPr>
+            <a:cxnSpLocks/>
+            <a:stCxn id="26" idx="2"/>
+            <a:endCxn id="56" idx="0"/>
+          </p:cNvCxnSpPr>
+          <p:nvPr/>
+        </p:nvCxnSpPr>
+        <p:spPr>
+          <a:xfrm flipH="1">
+            <a:off x="1811251" y="3231917"/>
+            <a:ext cx="1770923" cy="171879"/>
+          </a:xfrm>
+          <a:prstGeom prst="straightConnector1">
+            <a:avLst/>
+          </a:prstGeom>
+          <a:ln w="19050">
+            <a:solidFill>
+              <a:schemeClr val="tx1"/>
+            </a:solidFill>
+            <a:headEnd type="none" w="med" len="med"/>
+            <a:tailEnd type="arrow" w="med" len="med"/>
+          </a:ln>
+        </p:spPr>
+        <p:style>
+          <a:lnRef idx="1">
+            <a:schemeClr val="accent1"/>
+          </a:lnRef>
+          <a:fillRef idx="0">
+            <a:schemeClr val="accent1"/>
+          </a:fillRef>
+          <a:effectRef idx="0">
+            <a:schemeClr val="accent1"/>
+          </a:effectRef>
+          <a:fontRef idx="minor">
+            <a:schemeClr val="tx1"/>
+          </a:fontRef>
+        </p:style>
+      </p:cxnSp>
+      <p:cxnSp>
+        <p:nvCxnSpPr>
+          <p:cNvPr id="70" name="Straight Arrow Connector 69">
+            <a:extLst>
+              <a:ext uri="{FF2B5EF4-FFF2-40B4-BE49-F238E27FC236}">
+                <a16:creationId xmlns:a16="http://schemas.microsoft.com/office/drawing/2014/main" id="{D21C256A-C50F-3EA8-DC9F-FE90CE480FBB}"/>
+              </a:ext>
+            </a:extLst>
+          </p:cNvPr>
+          <p:cNvCxnSpPr>
+            <a:cxnSpLocks/>
+            <a:stCxn id="26" idx="2"/>
+            <a:endCxn id="59" idx="0"/>
+          </p:cNvCxnSpPr>
+          <p:nvPr/>
+        </p:nvCxnSpPr>
+        <p:spPr>
+          <a:xfrm>
+            <a:off x="3582174" y="3231917"/>
+            <a:ext cx="1747096" cy="171879"/>
+          </a:xfrm>
+          <a:prstGeom prst="straightConnector1">
+            <a:avLst/>
+          </a:prstGeom>
+          <a:ln w="19050">
+            <a:solidFill>
+              <a:schemeClr val="tx1"/>
+            </a:solidFill>
+            <a:headEnd type="none" w="med" len="med"/>
+            <a:tailEnd type="arrow" w="med" len="med"/>
+          </a:ln>
+        </p:spPr>
+        <p:style>
+          <a:lnRef idx="1">
+            <a:schemeClr val="accent1"/>
+          </a:lnRef>
+          <a:fillRef idx="0">
+            <a:schemeClr val="accent1"/>
+          </a:fillRef>
+          <a:effectRef idx="0">
+            <a:schemeClr val="accent1"/>
+          </a:effectRef>
+          <a:fontRef idx="minor">
+            <a:schemeClr val="tx1"/>
+          </a:fontRef>
+        </p:style>
+      </p:cxnSp>
+    </p:spTree>
+    <p:extLst>
+      <p:ext uri="{BB962C8B-B14F-4D97-AF65-F5344CB8AC3E}">
+        <p14:creationId xmlns:p14="http://schemas.microsoft.com/office/powerpoint/2010/main" val="3913092860"/>
+      </p:ext>
+    </p:extLst>
+  </p:cSld>
+  <p:clrMapOvr>
+    <a:masterClrMapping/>
+  </p:clrMapOvr>
+</p:sld>
+</file>
+
+<file path=ppt/slides/slide5.xml><?xml version="1.0" encoding="utf-8"?>
+<p:sld xmlns:a="http://schemas.openxmlformats.org/drawingml/2006/main" xmlns:r="http://schemas.openxmlformats.org/officeDocument/2006/relationships" xmlns:p="http://schemas.openxmlformats.org/presentationml/2006/main">
+  <p:cSld>
+    <p:spTree>
+      <p:nvGrpSpPr>
+        <p:cNvPr id="1" name=""/>
+        <p:cNvGrpSpPr/>
+        <p:nvPr/>
+      </p:nvGrpSpPr>
+      <p:grpSpPr>
+        <a:xfrm>
+          <a:off x="0" y="0"/>
+          <a:ext cx="0" cy="0"/>
+          <a:chOff x="0" y="0"/>
+          <a:chExt cx="0" cy="0"/>
+        </a:xfrm>
+      </p:grpSpPr>
+      <p:sp>
+        <p:nvSpPr>
+          <p:cNvPr id="2" name="제목 1"/>
+          <p:cNvSpPr>
+            <a:spLocks noGrp="1"/>
+          </p:cNvSpPr>
+          <p:nvPr>
+            <p:ph type="title"/>
+          </p:nvPr>
+        </p:nvSpPr>
+        <p:spPr>
+          <a:xfrm>
+            <a:off x="565354" y="-195422"/>
+            <a:ext cx="8229600" cy="857250"/>
+          </a:xfrm>
+        </p:spPr>
+        <p:txBody>
+          <a:bodyPr>
+            <a:normAutofit/>
+          </a:bodyPr>
+          <a:lstStyle/>
+          <a:p>
+            <a:r>
+              <a:rPr lang="en-US" altLang="ko-KR" sz="3600"/>
+              <a:t>Spark Architecture</a:t>
+            </a:r>
+            <a:endParaRPr lang="ko-KR" altLang="en-US" sz="3600"/>
+          </a:p>
+        </p:txBody>
+      </p:sp>
+      <p:sp>
+        <p:nvSpPr>
+          <p:cNvPr id="3" name="모서리가 둥근 직사각형 2">
+            <a:extLst>
+              <a:ext uri="{FF2B5EF4-FFF2-40B4-BE49-F238E27FC236}">
+                <a16:creationId xmlns:a16="http://schemas.microsoft.com/office/drawing/2014/main" id="{2F4C2E01-7E6C-F6EB-CDC9-A0F0CCDF6878}"/>
+              </a:ext>
+            </a:extLst>
+          </p:cNvPr>
+          <p:cNvSpPr/>
+          <p:nvPr/>
+        </p:nvSpPr>
+        <p:spPr>
+          <a:xfrm>
+            <a:off x="1965250" y="3785726"/>
+            <a:ext cx="1464126" cy="484963"/>
+          </a:xfrm>
+          <a:prstGeom prst="roundRect">
+            <a:avLst>
+              <a:gd name="adj" fmla="val 9458"/>
+            </a:avLst>
+          </a:prstGeom>
+        </p:spPr>
+        <p:style>
+          <a:lnRef idx="2">
+            <a:schemeClr val="dk1"/>
+          </a:lnRef>
+          <a:fillRef idx="1">
+            <a:schemeClr val="lt1"/>
+          </a:fillRef>
+          <a:effectRef idx="0">
+            <a:schemeClr val="dk1"/>
+          </a:effectRef>
+          <a:fontRef idx="minor">
+            <a:schemeClr val="dk1"/>
+          </a:fontRef>
+        </p:style>
+        <p:txBody>
+          <a:bodyPr rtlCol="0" anchor="ctr"/>
+          <a:lstStyle/>
+          <a:p>
+            <a:pPr algn="ctr"/>
+            <a:r>
+              <a:rPr lang="en-US" altLang="ko-KR" sz="1400"/>
+              <a:t>Hadoop YARN</a:t>
+            </a:r>
+            <a:endParaRPr lang="ko-KR" altLang="en-US" sz="1400"/>
+          </a:p>
+        </p:txBody>
+      </p:sp>
+      <p:sp>
+        <p:nvSpPr>
+          <p:cNvPr id="4" name="모서리가 둥근 직사각형 2">
+            <a:extLst>
+              <a:ext uri="{FF2B5EF4-FFF2-40B4-BE49-F238E27FC236}">
+                <a16:creationId xmlns:a16="http://schemas.microsoft.com/office/drawing/2014/main" id="{EF72A471-213B-9D0C-0387-FBCFB97B24C4}"/>
+              </a:ext>
+            </a:extLst>
+          </p:cNvPr>
+          <p:cNvSpPr/>
+          <p:nvPr/>
+        </p:nvSpPr>
+        <p:spPr>
+          <a:xfrm>
+            <a:off x="185093" y="3785722"/>
+            <a:ext cx="1645142" cy="484967"/>
+          </a:xfrm>
+          <a:prstGeom prst="roundRect">
+            <a:avLst>
+              <a:gd name="adj" fmla="val 9458"/>
+            </a:avLst>
+          </a:prstGeom>
+        </p:spPr>
+        <p:style>
+          <a:lnRef idx="2">
+            <a:schemeClr val="dk1"/>
+          </a:lnRef>
+          <a:fillRef idx="1">
+            <a:schemeClr val="lt1"/>
+          </a:fillRef>
+          <a:effectRef idx="0">
+            <a:schemeClr val="dk1"/>
+          </a:effectRef>
+          <a:fontRef idx="minor">
+            <a:schemeClr val="dk1"/>
+          </a:fontRef>
+        </p:style>
+        <p:txBody>
+          <a:bodyPr rtlCol="0" anchor="ctr"/>
+          <a:lstStyle/>
+          <a:p>
+            <a:pPr algn="ctr"/>
+            <a:r>
+              <a:rPr lang="en-US" altLang="ko-KR" sz="1400"/>
+              <a:t>Spark Standalone</a:t>
+            </a:r>
+            <a:endParaRPr lang="ko-KR" altLang="en-US" sz="1400"/>
+          </a:p>
+        </p:txBody>
+      </p:sp>
+      <p:sp>
+        <p:nvSpPr>
+          <p:cNvPr id="5" name="모서리가 둥근 직사각형 2">
+            <a:extLst>
+              <a:ext uri="{FF2B5EF4-FFF2-40B4-BE49-F238E27FC236}">
+                <a16:creationId xmlns:a16="http://schemas.microsoft.com/office/drawing/2014/main" id="{85EE5CB8-4555-438C-1AFA-4BD605F155DC}"/>
+              </a:ext>
+            </a:extLst>
+          </p:cNvPr>
+          <p:cNvSpPr/>
+          <p:nvPr/>
+        </p:nvSpPr>
+        <p:spPr>
+          <a:xfrm>
+            <a:off x="185092" y="1131235"/>
+            <a:ext cx="1267155" cy="412965"/>
+          </a:xfrm>
+          <a:prstGeom prst="roundRect">
+            <a:avLst>
+              <a:gd name="adj" fmla="val 9458"/>
+            </a:avLst>
+          </a:prstGeom>
+        </p:spPr>
+        <p:style>
+          <a:lnRef idx="2">
+            <a:schemeClr val="dk1"/>
+          </a:lnRef>
+          <a:fillRef idx="1">
+            <a:schemeClr val="lt1"/>
+          </a:fillRef>
+          <a:effectRef idx="0">
+            <a:schemeClr val="dk1"/>
+          </a:effectRef>
+          <a:fontRef idx="minor">
+            <a:schemeClr val="dk1"/>
+          </a:fontRef>
+        </p:style>
+        <p:txBody>
+          <a:bodyPr rtlCol="0" anchor="ctr"/>
+          <a:lstStyle/>
+          <a:p>
+            <a:pPr algn="ctr"/>
+            <a:r>
+              <a:rPr lang="en-US" altLang="ko-KR" sz="1400"/>
+              <a:t>SQL</a:t>
+            </a:r>
+            <a:endParaRPr lang="ko-KR" altLang="en-US" sz="1400"/>
+          </a:p>
+        </p:txBody>
+      </p:sp>
+      <p:sp>
+        <p:nvSpPr>
+          <p:cNvPr id="6" name="모서리가 둥근 직사각형 2">
+            <a:extLst>
+              <a:ext uri="{FF2B5EF4-FFF2-40B4-BE49-F238E27FC236}">
+                <a16:creationId xmlns:a16="http://schemas.microsoft.com/office/drawing/2014/main" id="{6CD8862B-5821-596C-5BE2-601C16E4E331}"/>
+              </a:ext>
+            </a:extLst>
+          </p:cNvPr>
+          <p:cNvSpPr/>
+          <p:nvPr/>
+        </p:nvSpPr>
+        <p:spPr>
+          <a:xfrm>
+            <a:off x="1569088" y="1131235"/>
+            <a:ext cx="1267155" cy="412965"/>
+          </a:xfrm>
+          <a:prstGeom prst="roundRect">
+            <a:avLst>
+              <a:gd name="adj" fmla="val 9458"/>
+            </a:avLst>
+          </a:prstGeom>
+        </p:spPr>
+        <p:style>
+          <a:lnRef idx="2">
+            <a:schemeClr val="dk1"/>
+          </a:lnRef>
+          <a:fillRef idx="1">
+            <a:schemeClr val="lt1"/>
+          </a:fillRef>
+          <a:effectRef idx="0">
+            <a:schemeClr val="dk1"/>
+          </a:effectRef>
+          <a:fontRef idx="minor">
+            <a:schemeClr val="dk1"/>
+          </a:fontRef>
+        </p:style>
+        <p:txBody>
+          <a:bodyPr rtlCol="0" anchor="ctr"/>
+          <a:lstStyle/>
+          <a:p>
+            <a:pPr algn="ctr"/>
+            <a:r>
+              <a:rPr lang="en-US" altLang="ko-KR" sz="1400"/>
+              <a:t>Java</a:t>
+            </a:r>
+            <a:endParaRPr lang="ko-KR" altLang="en-US" sz="1400"/>
+          </a:p>
+        </p:txBody>
+      </p:sp>
+      <p:sp>
+        <p:nvSpPr>
+          <p:cNvPr id="7" name="모서리가 둥근 직사각형 2">
+            <a:extLst>
+              <a:ext uri="{FF2B5EF4-FFF2-40B4-BE49-F238E27FC236}">
+                <a16:creationId xmlns:a16="http://schemas.microsoft.com/office/drawing/2014/main" id="{AC3AD4E5-545F-B6F1-4692-79DE7B3D44FE}"/>
+              </a:ext>
+            </a:extLst>
+          </p:cNvPr>
+          <p:cNvSpPr/>
+          <p:nvPr/>
+        </p:nvSpPr>
+        <p:spPr>
+          <a:xfrm>
+            <a:off x="2953083" y="1131235"/>
+            <a:ext cx="1267155" cy="412965"/>
+          </a:xfrm>
+          <a:prstGeom prst="roundRect">
+            <a:avLst>
+              <a:gd name="adj" fmla="val 9458"/>
+            </a:avLst>
+          </a:prstGeom>
+        </p:spPr>
+        <p:style>
+          <a:lnRef idx="2">
+            <a:schemeClr val="dk1"/>
+          </a:lnRef>
+          <a:fillRef idx="1">
+            <a:schemeClr val="lt1"/>
+          </a:fillRef>
+          <a:effectRef idx="0">
+            <a:schemeClr val="dk1"/>
+          </a:effectRef>
+          <a:fontRef idx="minor">
+            <a:schemeClr val="dk1"/>
+          </a:fontRef>
+        </p:style>
+        <p:txBody>
+          <a:bodyPr rtlCol="0" anchor="ctr"/>
+          <a:lstStyle/>
+          <a:p>
+            <a:pPr algn="ctr"/>
+            <a:r>
+              <a:rPr lang="en-US" altLang="ko-KR" sz="1400"/>
+              <a:t>Scala</a:t>
+            </a:r>
+            <a:endParaRPr lang="ko-KR" altLang="en-US" sz="1400"/>
+          </a:p>
+        </p:txBody>
+      </p:sp>
+      <p:sp>
+        <p:nvSpPr>
+          <p:cNvPr id="8" name="모서리가 둥근 직사각형 2">
+            <a:extLst>
+              <a:ext uri="{FF2B5EF4-FFF2-40B4-BE49-F238E27FC236}">
+                <a16:creationId xmlns:a16="http://schemas.microsoft.com/office/drawing/2014/main" id="{A42B0E84-3A12-109F-5C62-9098A1FF2033}"/>
+              </a:ext>
+            </a:extLst>
+          </p:cNvPr>
+          <p:cNvSpPr/>
+          <p:nvPr/>
+        </p:nvSpPr>
+        <p:spPr>
+          <a:xfrm>
+            <a:off x="4337079" y="1131235"/>
+            <a:ext cx="1267155" cy="412965"/>
+          </a:xfrm>
+          <a:prstGeom prst="roundRect">
+            <a:avLst>
+              <a:gd name="adj" fmla="val 9458"/>
+            </a:avLst>
+          </a:prstGeom>
+        </p:spPr>
+        <p:style>
+          <a:lnRef idx="2">
+            <a:schemeClr val="dk1"/>
+          </a:lnRef>
+          <a:fillRef idx="1">
+            <a:schemeClr val="lt1"/>
+          </a:fillRef>
+          <a:effectRef idx="0">
+            <a:schemeClr val="dk1"/>
+          </a:effectRef>
+          <a:fontRef idx="minor">
+            <a:schemeClr val="dk1"/>
+          </a:fontRef>
+        </p:style>
+        <p:txBody>
+          <a:bodyPr rtlCol="0" anchor="ctr"/>
+          <a:lstStyle/>
+          <a:p>
+            <a:pPr algn="ctr"/>
+            <a:r>
+              <a:rPr lang="en-US" altLang="ko-KR" sz="1400"/>
+              <a:t>Python</a:t>
+            </a:r>
+            <a:endParaRPr lang="ko-KR" altLang="en-US" sz="1400"/>
+          </a:p>
+        </p:txBody>
+      </p:sp>
+      <p:sp>
+        <p:nvSpPr>
+          <p:cNvPr id="9" name="모서리가 둥근 직사각형 2">
+            <a:extLst>
+              <a:ext uri="{FF2B5EF4-FFF2-40B4-BE49-F238E27FC236}">
+                <a16:creationId xmlns:a16="http://schemas.microsoft.com/office/drawing/2014/main" id="{DBA66F97-10E6-07B1-BA4B-045125F871B4}"/>
+              </a:ext>
+            </a:extLst>
+          </p:cNvPr>
+          <p:cNvSpPr/>
+          <p:nvPr/>
+        </p:nvSpPr>
+        <p:spPr>
+          <a:xfrm>
+            <a:off x="5697785" y="1131235"/>
+            <a:ext cx="1267155" cy="412965"/>
+          </a:xfrm>
+          <a:prstGeom prst="roundRect">
+            <a:avLst>
+              <a:gd name="adj" fmla="val 9458"/>
+            </a:avLst>
+          </a:prstGeom>
+        </p:spPr>
+        <p:style>
+          <a:lnRef idx="2">
+            <a:schemeClr val="dk1"/>
+          </a:lnRef>
+          <a:fillRef idx="1">
+            <a:schemeClr val="lt1"/>
+          </a:fillRef>
+          <a:effectRef idx="0">
+            <a:schemeClr val="dk1"/>
+          </a:effectRef>
+          <a:fontRef idx="minor">
+            <a:schemeClr val="dk1"/>
+          </a:fontRef>
+        </p:style>
+        <p:txBody>
+          <a:bodyPr rtlCol="0" anchor="ctr"/>
+          <a:lstStyle/>
+          <a:p>
+            <a:pPr algn="ctr"/>
+            <a:r>
+              <a:rPr lang="en-US" altLang="ko-KR" sz="1400"/>
+              <a:t>R</a:t>
+            </a:r>
+            <a:endParaRPr lang="ko-KR" altLang="en-US" sz="1400"/>
+          </a:p>
+        </p:txBody>
+      </p:sp>
+      <p:sp>
+        <p:nvSpPr>
+          <p:cNvPr id="14" name="모서리가 둥근 직사각형 2">
+            <a:extLst>
+              <a:ext uri="{FF2B5EF4-FFF2-40B4-BE49-F238E27FC236}">
+                <a16:creationId xmlns:a16="http://schemas.microsoft.com/office/drawing/2014/main" id="{3B6526B4-8AF3-411B-F370-D19A6E98ED57}"/>
+              </a:ext>
+            </a:extLst>
+          </p:cNvPr>
+          <p:cNvSpPr/>
+          <p:nvPr/>
+        </p:nvSpPr>
+        <p:spPr>
+          <a:xfrm>
+            <a:off x="180072" y="4398995"/>
+            <a:ext cx="1645142" cy="484963"/>
+          </a:xfrm>
+          <a:prstGeom prst="roundRect">
+            <a:avLst>
+              <a:gd name="adj" fmla="val 9458"/>
+            </a:avLst>
+          </a:prstGeom>
+        </p:spPr>
+        <p:style>
+          <a:lnRef idx="2">
+            <a:schemeClr val="dk1"/>
+          </a:lnRef>
+          <a:fillRef idx="1">
+            <a:schemeClr val="lt1"/>
+          </a:fillRef>
+          <a:effectRef idx="0">
+            <a:schemeClr val="dk1"/>
+          </a:effectRef>
+          <a:fontRef idx="minor">
+            <a:schemeClr val="dk1"/>
+          </a:fontRef>
+        </p:style>
+        <p:txBody>
+          <a:bodyPr rtlCol="0" anchor="ctr"/>
+          <a:lstStyle/>
+          <a:p>
+            <a:pPr algn="ctr"/>
+            <a:r>
+              <a:rPr lang="en-US" altLang="ko-KR" sz="1400"/>
+              <a:t>Mesos</a:t>
+            </a:r>
+            <a:endParaRPr lang="ko-KR" altLang="en-US" sz="1400"/>
+          </a:p>
+        </p:txBody>
+      </p:sp>
+      <p:sp>
+        <p:nvSpPr>
+          <p:cNvPr id="15" name="모서리가 둥근 직사각형 2">
+            <a:extLst>
+              <a:ext uri="{FF2B5EF4-FFF2-40B4-BE49-F238E27FC236}">
+                <a16:creationId xmlns:a16="http://schemas.microsoft.com/office/drawing/2014/main" id="{EC85118C-3F6F-8C77-5995-9FF74054FB3A}"/>
+              </a:ext>
+            </a:extLst>
+          </p:cNvPr>
+          <p:cNvSpPr/>
+          <p:nvPr/>
+        </p:nvSpPr>
+        <p:spPr>
+          <a:xfrm>
+            <a:off x="1965250" y="4398994"/>
+            <a:ext cx="1465545" cy="484963"/>
+          </a:xfrm>
+          <a:prstGeom prst="roundRect">
+            <a:avLst>
+              <a:gd name="adj" fmla="val 9458"/>
+            </a:avLst>
+          </a:prstGeom>
+        </p:spPr>
+        <p:style>
+          <a:lnRef idx="2">
+            <a:schemeClr val="dk1"/>
+          </a:lnRef>
+          <a:fillRef idx="1">
+            <a:schemeClr val="lt1"/>
+          </a:fillRef>
+          <a:effectRef idx="0">
+            <a:schemeClr val="dk1"/>
+          </a:effectRef>
+          <a:fontRef idx="minor">
+            <a:schemeClr val="dk1"/>
+          </a:fontRef>
+        </p:style>
+        <p:txBody>
+          <a:bodyPr rtlCol="0" anchor="ctr"/>
+          <a:lstStyle/>
+          <a:p>
+            <a:pPr algn="ctr"/>
+            <a:r>
+              <a:rPr lang="en-US" altLang="ko-KR" sz="1400"/>
+              <a:t>Kubernetes</a:t>
+            </a:r>
+            <a:endParaRPr lang="ko-KR" altLang="en-US" sz="1400"/>
+          </a:p>
+        </p:txBody>
+      </p:sp>
+      <p:sp>
+        <p:nvSpPr>
+          <p:cNvPr id="16" name="모서리가 둥근 직사각형 2">
+            <a:extLst>
+              <a:ext uri="{FF2B5EF4-FFF2-40B4-BE49-F238E27FC236}">
+                <a16:creationId xmlns:a16="http://schemas.microsoft.com/office/drawing/2014/main" id="{181449F3-A08C-81A9-8F12-8E16307C0234}"/>
+              </a:ext>
+            </a:extLst>
+          </p:cNvPr>
+          <p:cNvSpPr/>
+          <p:nvPr/>
+        </p:nvSpPr>
+        <p:spPr>
+          <a:xfrm>
+            <a:off x="180072" y="2164845"/>
+            <a:ext cx="1650162" cy="406696"/>
+          </a:xfrm>
+          <a:prstGeom prst="roundRect">
+            <a:avLst>
+              <a:gd name="adj" fmla="val 9458"/>
+            </a:avLst>
+          </a:prstGeom>
+        </p:spPr>
+        <p:style>
+          <a:lnRef idx="2">
+            <a:schemeClr val="dk1"/>
+          </a:lnRef>
+          <a:fillRef idx="1">
+            <a:schemeClr val="lt1"/>
+          </a:fillRef>
+          <a:effectRef idx="0">
+            <a:schemeClr val="dk1"/>
+          </a:effectRef>
+          <a:fontRef idx="minor">
+            <a:schemeClr val="dk1"/>
+          </a:fontRef>
+        </p:style>
+        <p:txBody>
+          <a:bodyPr rtlCol="0" anchor="ctr"/>
+          <a:lstStyle/>
+          <a:p>
+            <a:pPr algn="ctr"/>
+            <a:r>
+              <a:rPr lang="en-US" altLang="ko-KR" sz="1400"/>
+              <a:t>Spark SQL</a:t>
+            </a:r>
+            <a:endParaRPr lang="ko-KR" altLang="en-US" sz="1400"/>
+          </a:p>
+        </p:txBody>
+      </p:sp>
+      <p:sp>
+        <p:nvSpPr>
+          <p:cNvPr id="20" name="Rounded Rectangle 19">
+            <a:extLst>
+              <a:ext uri="{FF2B5EF4-FFF2-40B4-BE49-F238E27FC236}">
+                <a16:creationId xmlns:a16="http://schemas.microsoft.com/office/drawing/2014/main" id="{E14E9D17-201F-FE16-6759-CBC49632ABA0}"/>
+              </a:ext>
+            </a:extLst>
+          </p:cNvPr>
+          <p:cNvSpPr/>
+          <p:nvPr/>
+        </p:nvSpPr>
+        <p:spPr>
+          <a:xfrm>
+            <a:off x="108029" y="768235"/>
+            <a:ext cx="6958974" cy="857250"/>
+          </a:xfrm>
+          <a:prstGeom prst="roundRect">
+            <a:avLst>
+              <a:gd name="adj" fmla="val 8381"/>
+            </a:avLst>
+          </a:prstGeom>
+          <a:noFill/>
+          <a:ln w="12700">
+            <a:solidFill>
+              <a:schemeClr val="tx1"/>
+            </a:solidFill>
+            <a:prstDash val="dash"/>
+          </a:ln>
+        </p:spPr>
+        <p:style>
+          <a:lnRef idx="2">
+            <a:schemeClr val="accent1">
+              <a:shade val="50000"/>
+            </a:schemeClr>
+          </a:lnRef>
+          <a:fillRef idx="1">
+            <a:schemeClr val="accent1"/>
+          </a:fillRef>
+          <a:effectRef idx="0">
+            <a:schemeClr val="accent1"/>
+          </a:effectRef>
+          <a:fontRef idx="minor">
+            <a:schemeClr val="lt1"/>
+          </a:fontRef>
+        </p:style>
+        <p:txBody>
+          <a:bodyPr rtlCol="0" anchor="t"/>
+          <a:lstStyle/>
+          <a:p>
+            <a:pPr algn="ctr"/>
+            <a:r>
+              <a:rPr lang="en-KR" sz="1400" b="1">
+                <a:solidFill>
+                  <a:sysClr val="windowText" lastClr="000000"/>
+                </a:solidFill>
+              </a:rPr>
+              <a:t>API</a:t>
+            </a:r>
+          </a:p>
+        </p:txBody>
+      </p:sp>
+      <p:sp>
+        <p:nvSpPr>
+          <p:cNvPr id="22" name="모서리가 둥근 직사각형 2">
+            <a:extLst>
+              <a:ext uri="{FF2B5EF4-FFF2-40B4-BE49-F238E27FC236}">
+                <a16:creationId xmlns:a16="http://schemas.microsoft.com/office/drawing/2014/main" id="{9001DFB0-A0D7-A215-B397-341D76A5E9F5}"/>
+              </a:ext>
+            </a:extLst>
+          </p:cNvPr>
+          <p:cNvSpPr/>
+          <p:nvPr/>
+        </p:nvSpPr>
+        <p:spPr>
+          <a:xfrm>
+            <a:off x="1965250" y="2164845"/>
+            <a:ext cx="1464126" cy="406696"/>
+          </a:xfrm>
+          <a:prstGeom prst="roundRect">
+            <a:avLst>
+              <a:gd name="adj" fmla="val 9458"/>
+            </a:avLst>
+          </a:prstGeom>
+        </p:spPr>
+        <p:style>
+          <a:lnRef idx="2">
+            <a:schemeClr val="dk1"/>
+          </a:lnRef>
+          <a:fillRef idx="1">
+            <a:schemeClr val="lt1"/>
+          </a:fillRef>
+          <a:effectRef idx="0">
+            <a:schemeClr val="dk1"/>
+          </a:effectRef>
+          <a:fontRef idx="minor">
+            <a:schemeClr val="dk1"/>
+          </a:fontRef>
+        </p:style>
+        <p:txBody>
+          <a:bodyPr rtlCol="0" anchor="ctr"/>
+          <a:lstStyle/>
+          <a:p>
+            <a:pPr algn="ctr"/>
+            <a:r>
+              <a:rPr lang="en-US" altLang="ko-KR" sz="1400"/>
+              <a:t>MLlib</a:t>
+            </a:r>
+            <a:endParaRPr lang="ko-KR" altLang="en-US" sz="1400"/>
+          </a:p>
+        </p:txBody>
+      </p:sp>
+      <p:sp>
+        <p:nvSpPr>
+          <p:cNvPr id="23" name="모서리가 둥근 직사각형 2">
+            <a:extLst>
+              <a:ext uri="{FF2B5EF4-FFF2-40B4-BE49-F238E27FC236}">
+                <a16:creationId xmlns:a16="http://schemas.microsoft.com/office/drawing/2014/main" id="{54869145-A9D4-8E99-B7C2-8CF0A1D61064}"/>
+              </a:ext>
+            </a:extLst>
+          </p:cNvPr>
+          <p:cNvSpPr/>
+          <p:nvPr/>
+        </p:nvSpPr>
+        <p:spPr>
+          <a:xfrm>
+            <a:off x="3549473" y="2164845"/>
+            <a:ext cx="1575211" cy="406696"/>
+          </a:xfrm>
+          <a:prstGeom prst="roundRect">
+            <a:avLst>
+              <a:gd name="adj" fmla="val 9458"/>
+            </a:avLst>
+          </a:prstGeom>
+        </p:spPr>
+        <p:style>
+          <a:lnRef idx="2">
+            <a:schemeClr val="dk1"/>
+          </a:lnRef>
+          <a:fillRef idx="1">
+            <a:schemeClr val="lt1"/>
+          </a:fillRef>
+          <a:effectRef idx="0">
+            <a:schemeClr val="dk1"/>
+          </a:effectRef>
+          <a:fontRef idx="minor">
+            <a:schemeClr val="dk1"/>
+          </a:fontRef>
+        </p:style>
+        <p:txBody>
+          <a:bodyPr rtlCol="0" anchor="ctr"/>
+          <a:lstStyle/>
+          <a:p>
+            <a:pPr algn="ctr"/>
+            <a:r>
+              <a:rPr lang="en-US" altLang="ko-KR" sz="1400"/>
+              <a:t>GraphX</a:t>
+            </a:r>
+            <a:endParaRPr lang="ko-KR" altLang="en-US" sz="1400"/>
+          </a:p>
+        </p:txBody>
+      </p:sp>
+      <p:sp>
+        <p:nvSpPr>
+          <p:cNvPr id="24" name="모서리가 둥근 직사각형 2">
+            <a:extLst>
+              <a:ext uri="{FF2B5EF4-FFF2-40B4-BE49-F238E27FC236}">
+                <a16:creationId xmlns:a16="http://schemas.microsoft.com/office/drawing/2014/main" id="{AD753388-2CBD-6DB5-2ABF-F88F0E6798CB}"/>
+              </a:ext>
+            </a:extLst>
+          </p:cNvPr>
+          <p:cNvSpPr/>
+          <p:nvPr/>
+        </p:nvSpPr>
+        <p:spPr>
+          <a:xfrm>
+            <a:off x="5244781" y="2164662"/>
+            <a:ext cx="1721740" cy="406696"/>
+          </a:xfrm>
+          <a:prstGeom prst="roundRect">
+            <a:avLst>
+              <a:gd name="adj" fmla="val 9458"/>
+            </a:avLst>
+          </a:prstGeom>
+        </p:spPr>
+        <p:style>
+          <a:lnRef idx="2">
+            <a:schemeClr val="dk1"/>
+          </a:lnRef>
+          <a:fillRef idx="1">
+            <a:schemeClr val="lt1"/>
+          </a:fillRef>
+          <a:effectRef idx="0">
+            <a:schemeClr val="dk1"/>
+          </a:effectRef>
+          <a:fontRef idx="minor">
+            <a:schemeClr val="dk1"/>
+          </a:fontRef>
+        </p:style>
+        <p:txBody>
+          <a:bodyPr rtlCol="0" anchor="ctr"/>
+          <a:lstStyle/>
+          <a:p>
+            <a:pPr algn="ctr"/>
+            <a:r>
+              <a:rPr lang="en-US" altLang="ko-KR" sz="1400"/>
+              <a:t>Streaming</a:t>
+            </a:r>
+            <a:endParaRPr lang="ko-KR" altLang="en-US" sz="1400"/>
+          </a:p>
+        </p:txBody>
+      </p:sp>
+      <p:sp>
+        <p:nvSpPr>
+          <p:cNvPr id="25" name="Rounded Rectangle 24">
+            <a:extLst>
+              <a:ext uri="{FF2B5EF4-FFF2-40B4-BE49-F238E27FC236}">
+                <a16:creationId xmlns:a16="http://schemas.microsoft.com/office/drawing/2014/main" id="{5AC32AD6-8543-9940-6BE4-5F2A587212B5}"/>
+              </a:ext>
+            </a:extLst>
+          </p:cNvPr>
+          <p:cNvSpPr/>
+          <p:nvPr/>
+        </p:nvSpPr>
+        <p:spPr>
+          <a:xfrm>
+            <a:off x="108029" y="1797148"/>
+            <a:ext cx="6958974" cy="857250"/>
+          </a:xfrm>
+          <a:prstGeom prst="roundRect">
+            <a:avLst>
+              <a:gd name="adj" fmla="val 8381"/>
+            </a:avLst>
+          </a:prstGeom>
+          <a:noFill/>
+          <a:ln w="12700">
+            <a:solidFill>
+              <a:schemeClr val="tx1"/>
+            </a:solidFill>
+            <a:prstDash val="dash"/>
+          </a:ln>
+        </p:spPr>
+        <p:style>
+          <a:lnRef idx="2">
+            <a:schemeClr val="accent1">
+              <a:shade val="50000"/>
+            </a:schemeClr>
+          </a:lnRef>
+          <a:fillRef idx="1">
+            <a:schemeClr val="accent1"/>
+          </a:fillRef>
+          <a:effectRef idx="0">
+            <a:schemeClr val="accent1"/>
+          </a:effectRef>
+          <a:fontRef idx="minor">
+            <a:schemeClr val="lt1"/>
+          </a:fontRef>
+        </p:style>
+        <p:txBody>
+          <a:bodyPr rtlCol="0" anchor="t"/>
+          <a:lstStyle/>
+          <a:p>
+            <a:pPr algn="ctr"/>
+            <a:r>
+              <a:rPr lang="en-KR" sz="1400" b="1">
+                <a:solidFill>
+                  <a:sysClr val="windowText" lastClr="000000"/>
+                </a:solidFill>
+              </a:rPr>
+              <a:t>Library</a:t>
+            </a:r>
+          </a:p>
+        </p:txBody>
+      </p:sp>
+      <p:sp>
+        <p:nvSpPr>
+          <p:cNvPr id="26" name="모서리가 둥근 직사각형 2">
+            <a:extLst>
+              <a:ext uri="{FF2B5EF4-FFF2-40B4-BE49-F238E27FC236}">
+                <a16:creationId xmlns:a16="http://schemas.microsoft.com/office/drawing/2014/main" id="{19A98059-54D4-E1A9-BC91-EABE6F5D5ECD}"/>
+              </a:ext>
+            </a:extLst>
+          </p:cNvPr>
+          <p:cNvSpPr/>
+          <p:nvPr/>
+        </p:nvSpPr>
+        <p:spPr>
+          <a:xfrm>
+            <a:off x="97345" y="2825221"/>
+            <a:ext cx="6969657" cy="406696"/>
+          </a:xfrm>
+          <a:prstGeom prst="roundRect">
+            <a:avLst>
+              <a:gd name="adj" fmla="val 9458"/>
+            </a:avLst>
+          </a:prstGeom>
+        </p:spPr>
+        <p:style>
+          <a:lnRef idx="2">
+            <a:schemeClr val="dk1"/>
+          </a:lnRef>
+          <a:fillRef idx="1">
+            <a:schemeClr val="lt1"/>
+          </a:fillRef>
+          <a:effectRef idx="0">
+            <a:schemeClr val="dk1"/>
+          </a:effectRef>
+          <a:fontRef idx="minor">
+            <a:schemeClr val="dk1"/>
+          </a:fontRef>
+        </p:style>
+        <p:txBody>
+          <a:bodyPr rtlCol="0" anchor="ctr"/>
+          <a:lstStyle/>
+          <a:p>
+            <a:pPr algn="ctr"/>
+            <a:r>
+              <a:rPr lang="en-US" altLang="ko-KR" sz="1400" b="1"/>
+              <a:t>Spark Core (RDD, Resilient Distributed DataSet)</a:t>
+            </a:r>
+            <a:endParaRPr lang="ko-KR" altLang="en-US" sz="1400" b="1"/>
+          </a:p>
+        </p:txBody>
+      </p:sp>
+      <p:sp>
+        <p:nvSpPr>
+          <p:cNvPr id="27" name="모서리가 둥근 직사각형 2">
+            <a:extLst>
+              <a:ext uri="{FF2B5EF4-FFF2-40B4-BE49-F238E27FC236}">
+                <a16:creationId xmlns:a16="http://schemas.microsoft.com/office/drawing/2014/main" id="{607D6716-78A3-D4BF-FD8F-F44AA4B5B959}"/>
+              </a:ext>
+            </a:extLst>
+          </p:cNvPr>
+          <p:cNvSpPr/>
+          <p:nvPr/>
+        </p:nvSpPr>
+        <p:spPr>
+          <a:xfrm>
+            <a:off x="7334630" y="1238438"/>
+            <a:ext cx="1650162" cy="406696"/>
+          </a:xfrm>
+          <a:prstGeom prst="roundRect">
+            <a:avLst>
+              <a:gd name="adj" fmla="val 9458"/>
+            </a:avLst>
+          </a:prstGeom>
+        </p:spPr>
+        <p:style>
+          <a:lnRef idx="2">
+            <a:schemeClr val="dk1"/>
+          </a:lnRef>
+          <a:fillRef idx="1">
+            <a:schemeClr val="lt1"/>
+          </a:fillRef>
+          <a:effectRef idx="0">
+            <a:schemeClr val="dk1"/>
+          </a:effectRef>
+          <a:fontRef idx="minor">
+            <a:schemeClr val="dk1"/>
+          </a:fontRef>
+        </p:style>
+        <p:txBody>
+          <a:bodyPr rtlCol="0" anchor="ctr"/>
+          <a:lstStyle/>
+          <a:p>
+            <a:pPr algn="ctr"/>
+            <a:r>
+              <a:rPr lang="en-US" altLang="ko-KR" sz="1400"/>
+              <a:t>Kafka</a:t>
+            </a:r>
+            <a:endParaRPr lang="ko-KR" altLang="en-US" sz="1400"/>
+          </a:p>
+        </p:txBody>
+      </p:sp>
+      <p:sp>
+        <p:nvSpPr>
+          <p:cNvPr id="28" name="모서리가 둥근 직사각형 2">
+            <a:extLst>
+              <a:ext uri="{FF2B5EF4-FFF2-40B4-BE49-F238E27FC236}">
+                <a16:creationId xmlns:a16="http://schemas.microsoft.com/office/drawing/2014/main" id="{F6C837C6-50D9-7102-BFBB-FD728088F6C7}"/>
+              </a:ext>
+            </a:extLst>
+          </p:cNvPr>
+          <p:cNvSpPr/>
+          <p:nvPr/>
+        </p:nvSpPr>
+        <p:spPr>
+          <a:xfrm>
+            <a:off x="7334630" y="1766819"/>
+            <a:ext cx="1650162" cy="406696"/>
+          </a:xfrm>
+          <a:prstGeom prst="roundRect">
+            <a:avLst>
+              <a:gd name="adj" fmla="val 9458"/>
+            </a:avLst>
+          </a:prstGeom>
+        </p:spPr>
+        <p:style>
+          <a:lnRef idx="2">
+            <a:schemeClr val="dk1"/>
+          </a:lnRef>
+          <a:fillRef idx="1">
+            <a:schemeClr val="lt1"/>
+          </a:fillRef>
+          <a:effectRef idx="0">
+            <a:schemeClr val="dk1"/>
+          </a:effectRef>
+          <a:fontRef idx="minor">
+            <a:schemeClr val="dk1"/>
+          </a:fontRef>
+        </p:style>
+        <p:txBody>
+          <a:bodyPr rtlCol="0" anchor="ctr"/>
+          <a:lstStyle/>
+          <a:p>
+            <a:pPr algn="ctr"/>
+            <a:r>
+              <a:rPr lang="en-US" altLang="ko-KR" sz="1400"/>
+              <a:t>Flume</a:t>
+            </a:r>
+            <a:endParaRPr lang="ko-KR" altLang="en-US" sz="1400"/>
+          </a:p>
+        </p:txBody>
+      </p:sp>
+      <p:sp>
+        <p:nvSpPr>
+          <p:cNvPr id="29" name="모서리가 둥근 직사각형 2">
+            <a:extLst>
+              <a:ext uri="{FF2B5EF4-FFF2-40B4-BE49-F238E27FC236}">
+                <a16:creationId xmlns:a16="http://schemas.microsoft.com/office/drawing/2014/main" id="{EBACDC83-E0CB-6F2C-B4C4-4A8584343AC9}"/>
+              </a:ext>
+            </a:extLst>
+          </p:cNvPr>
+          <p:cNvSpPr/>
+          <p:nvPr/>
+        </p:nvSpPr>
+        <p:spPr>
+          <a:xfrm>
+            <a:off x="7334630" y="2310579"/>
+            <a:ext cx="1650162" cy="406696"/>
+          </a:xfrm>
+          <a:prstGeom prst="roundRect">
+            <a:avLst>
+              <a:gd name="adj" fmla="val 9458"/>
+            </a:avLst>
+          </a:prstGeom>
+        </p:spPr>
+        <p:style>
+          <a:lnRef idx="2">
+            <a:schemeClr val="dk1"/>
+          </a:lnRef>
+          <a:fillRef idx="1">
+            <a:schemeClr val="lt1"/>
+          </a:fillRef>
+          <a:effectRef idx="0">
+            <a:schemeClr val="dk1"/>
+          </a:effectRef>
+          <a:fontRef idx="minor">
+            <a:schemeClr val="dk1"/>
+          </a:fontRef>
+        </p:style>
+        <p:txBody>
+          <a:bodyPr rtlCol="0" anchor="ctr"/>
+          <a:lstStyle/>
+          <a:p>
+            <a:pPr algn="ctr"/>
+            <a:r>
+              <a:rPr lang="en-US" altLang="ko-KR" sz="1400"/>
+              <a:t>HDFS</a:t>
+            </a:r>
+            <a:endParaRPr lang="ko-KR" altLang="en-US" sz="1400"/>
+          </a:p>
+        </p:txBody>
+      </p:sp>
+      <p:sp>
+        <p:nvSpPr>
+          <p:cNvPr id="30" name="모서리가 둥근 직사각형 2">
+            <a:extLst>
+              <a:ext uri="{FF2B5EF4-FFF2-40B4-BE49-F238E27FC236}">
+                <a16:creationId xmlns:a16="http://schemas.microsoft.com/office/drawing/2014/main" id="{7F78818B-BAF6-8674-B528-83168F1AC518}"/>
+              </a:ext>
+            </a:extLst>
+          </p:cNvPr>
+          <p:cNvSpPr/>
+          <p:nvPr/>
+        </p:nvSpPr>
+        <p:spPr>
+          <a:xfrm>
+            <a:off x="7334630" y="2827422"/>
+            <a:ext cx="1650162" cy="406696"/>
+          </a:xfrm>
+          <a:prstGeom prst="roundRect">
+            <a:avLst>
+              <a:gd name="adj" fmla="val 9458"/>
+            </a:avLst>
+          </a:prstGeom>
+        </p:spPr>
+        <p:style>
+          <a:lnRef idx="2">
+            <a:schemeClr val="dk1"/>
+          </a:lnRef>
+          <a:fillRef idx="1">
+            <a:schemeClr val="lt1"/>
+          </a:fillRef>
+          <a:effectRef idx="0">
+            <a:schemeClr val="dk1"/>
+          </a:effectRef>
+          <a:fontRef idx="minor">
+            <a:schemeClr val="dk1"/>
+          </a:fontRef>
+        </p:style>
+        <p:txBody>
+          <a:bodyPr rtlCol="0" anchor="ctr"/>
+          <a:lstStyle/>
+          <a:p>
+            <a:pPr algn="ctr"/>
+            <a:r>
+              <a:rPr lang="en-US" altLang="ko-KR" sz="1400"/>
+              <a:t>ZeroMQ</a:t>
+            </a:r>
+            <a:endParaRPr lang="ko-KR" altLang="en-US" sz="1400"/>
+          </a:p>
+        </p:txBody>
+      </p:sp>
+      <p:sp>
+        <p:nvSpPr>
+          <p:cNvPr id="31" name="모서리가 둥근 직사각형 2">
+            <a:extLst>
+              <a:ext uri="{FF2B5EF4-FFF2-40B4-BE49-F238E27FC236}">
+                <a16:creationId xmlns:a16="http://schemas.microsoft.com/office/drawing/2014/main" id="{A5D25531-9026-6618-AFC7-33426B697FD4}"/>
+              </a:ext>
+            </a:extLst>
+          </p:cNvPr>
+          <p:cNvSpPr/>
+          <p:nvPr/>
+        </p:nvSpPr>
+        <p:spPr>
+          <a:xfrm>
+            <a:off x="7334630" y="3340800"/>
+            <a:ext cx="1650162" cy="406696"/>
+          </a:xfrm>
+          <a:prstGeom prst="roundRect">
+            <a:avLst>
+              <a:gd name="adj" fmla="val 9458"/>
+            </a:avLst>
+          </a:prstGeom>
+        </p:spPr>
+        <p:style>
+          <a:lnRef idx="2">
+            <a:schemeClr val="dk1"/>
+          </a:lnRef>
+          <a:fillRef idx="1">
+            <a:schemeClr val="lt1"/>
+          </a:fillRef>
+          <a:effectRef idx="0">
+            <a:schemeClr val="dk1"/>
+          </a:effectRef>
+          <a:fontRef idx="minor">
+            <a:schemeClr val="dk1"/>
+          </a:fontRef>
+        </p:style>
+        <p:txBody>
+          <a:bodyPr rtlCol="0" anchor="ctr"/>
+          <a:lstStyle/>
+          <a:p>
+            <a:pPr algn="ctr"/>
+            <a:r>
+              <a:rPr lang="en-US" altLang="ko-KR" sz="1400"/>
+              <a:t>Amazon Kinesis</a:t>
+            </a:r>
+            <a:endParaRPr lang="ko-KR" altLang="en-US" sz="1400"/>
+          </a:p>
+        </p:txBody>
+      </p:sp>
+      <p:sp>
+        <p:nvSpPr>
+          <p:cNvPr id="32" name="Rounded Rectangle 31">
+            <a:extLst>
+              <a:ext uri="{FF2B5EF4-FFF2-40B4-BE49-F238E27FC236}">
+                <a16:creationId xmlns:a16="http://schemas.microsoft.com/office/drawing/2014/main" id="{263474DC-0B8B-4760-9DDA-1D226BEBA19F}"/>
+              </a:ext>
+            </a:extLst>
+          </p:cNvPr>
+          <p:cNvSpPr/>
+          <p:nvPr/>
+        </p:nvSpPr>
+        <p:spPr>
+          <a:xfrm>
+            <a:off x="7239391" y="875528"/>
+            <a:ext cx="1852129" cy="2984964"/>
+          </a:xfrm>
+          <a:prstGeom prst="roundRect">
+            <a:avLst>
+              <a:gd name="adj" fmla="val 3229"/>
+            </a:avLst>
+          </a:prstGeom>
+          <a:noFill/>
+          <a:ln w="12700">
+            <a:solidFill>
+              <a:schemeClr val="tx1"/>
+            </a:solidFill>
+            <a:prstDash val="dash"/>
+          </a:ln>
+        </p:spPr>
+        <p:style>
+          <a:lnRef idx="2">
+            <a:schemeClr val="accent1">
+              <a:shade val="50000"/>
+            </a:schemeClr>
+          </a:lnRef>
+          <a:fillRef idx="1">
+            <a:schemeClr val="accent1"/>
+          </a:fillRef>
+          <a:effectRef idx="0">
+            <a:schemeClr val="accent1"/>
+          </a:effectRef>
+          <a:fontRef idx="minor">
+            <a:schemeClr val="lt1"/>
+          </a:fontRef>
+        </p:style>
+        <p:txBody>
+          <a:bodyPr rtlCol="0" anchor="t"/>
+          <a:lstStyle/>
+          <a:p>
+            <a:pPr algn="ctr"/>
+            <a:r>
+              <a:rPr lang="en-KR" sz="1400" b="1">
+                <a:solidFill>
+                  <a:sysClr val="windowText" lastClr="000000"/>
+                </a:solidFill>
+              </a:rPr>
+              <a:t>Streaming Source</a:t>
+            </a:r>
+          </a:p>
+        </p:txBody>
+      </p:sp>
+      <p:cxnSp>
+        <p:nvCxnSpPr>
+          <p:cNvPr id="34" name="Straight Arrow Connector 33">
+            <a:extLst>
+              <a:ext uri="{FF2B5EF4-FFF2-40B4-BE49-F238E27FC236}">
+                <a16:creationId xmlns:a16="http://schemas.microsoft.com/office/drawing/2014/main" id="{1945CB0A-514B-0A56-2ECB-83E1E00E3F3A}"/>
+              </a:ext>
+            </a:extLst>
+          </p:cNvPr>
+          <p:cNvCxnSpPr>
+            <a:stCxn id="20" idx="2"/>
+            <a:endCxn id="25" idx="0"/>
+          </p:cNvCxnSpPr>
+          <p:nvPr/>
+        </p:nvCxnSpPr>
+        <p:spPr>
+          <a:xfrm>
+            <a:off x="3587516" y="1625485"/>
+            <a:ext cx="0" cy="171663"/>
+          </a:xfrm>
+          <a:prstGeom prst="straightConnector1">
+            <a:avLst/>
+          </a:prstGeom>
+          <a:ln w="19050">
+            <a:solidFill>
+              <a:schemeClr val="tx1"/>
+            </a:solidFill>
+            <a:headEnd type="none" w="med" len="med"/>
+            <a:tailEnd type="arrow" w="med" len="med"/>
+          </a:ln>
+        </p:spPr>
+        <p:style>
+          <a:lnRef idx="1">
+            <a:schemeClr val="accent1"/>
+          </a:lnRef>
+          <a:fillRef idx="0">
+            <a:schemeClr val="accent1"/>
+          </a:fillRef>
+          <a:effectRef idx="0">
+            <a:schemeClr val="accent1"/>
+          </a:effectRef>
+          <a:fontRef idx="minor">
+            <a:schemeClr val="tx1"/>
+          </a:fontRef>
+        </p:style>
+      </p:cxnSp>
+      <p:cxnSp>
+        <p:nvCxnSpPr>
+          <p:cNvPr id="35" name="Straight Arrow Connector 34">
+            <a:extLst>
+              <a:ext uri="{FF2B5EF4-FFF2-40B4-BE49-F238E27FC236}">
+                <a16:creationId xmlns:a16="http://schemas.microsoft.com/office/drawing/2014/main" id="{A0085EAC-5032-917C-7804-7449BEADCCE0}"/>
+              </a:ext>
+            </a:extLst>
+          </p:cNvPr>
+          <p:cNvCxnSpPr>
+            <a:cxnSpLocks/>
+            <a:stCxn id="24" idx="3"/>
+            <a:endCxn id="32" idx="1"/>
+          </p:cNvCxnSpPr>
+          <p:nvPr/>
+        </p:nvCxnSpPr>
+        <p:spPr>
+          <a:xfrm>
+            <a:off x="6966521" y="2368010"/>
+            <a:ext cx="272870" cy="0"/>
+          </a:xfrm>
+          <a:prstGeom prst="straightConnector1">
+            <a:avLst/>
+          </a:prstGeom>
+          <a:ln w="19050">
+            <a:solidFill>
+              <a:schemeClr val="tx1"/>
+            </a:solidFill>
+            <a:headEnd type="none" w="med" len="med"/>
+            <a:tailEnd type="arrow" w="med" len="med"/>
+          </a:ln>
+        </p:spPr>
+        <p:style>
+          <a:lnRef idx="1">
+            <a:schemeClr val="accent1"/>
+          </a:lnRef>
+          <a:fillRef idx="0">
+            <a:schemeClr val="accent1"/>
+          </a:fillRef>
+          <a:effectRef idx="0">
+            <a:schemeClr val="accent1"/>
+          </a:effectRef>
+          <a:fontRef idx="minor">
+            <a:schemeClr val="tx1"/>
+          </a:fontRef>
+        </p:style>
+      </p:cxnSp>
+      <p:cxnSp>
+        <p:nvCxnSpPr>
+          <p:cNvPr id="51" name="Straight Arrow Connector 50">
+            <a:extLst>
+              <a:ext uri="{FF2B5EF4-FFF2-40B4-BE49-F238E27FC236}">
+                <a16:creationId xmlns:a16="http://schemas.microsoft.com/office/drawing/2014/main" id="{918B0424-7970-2260-BD39-F2A0246B0697}"/>
+              </a:ext>
+            </a:extLst>
+          </p:cNvPr>
+          <p:cNvCxnSpPr>
+            <a:cxnSpLocks/>
+            <a:stCxn id="25" idx="2"/>
+            <a:endCxn id="26" idx="0"/>
+          </p:cNvCxnSpPr>
+          <p:nvPr/>
+        </p:nvCxnSpPr>
+        <p:spPr>
+          <a:xfrm flipH="1">
+            <a:off x="3582174" y="2654398"/>
+            <a:ext cx="5342" cy="170823"/>
+          </a:xfrm>
+          <a:prstGeom prst="straightConnector1">
+            <a:avLst/>
+          </a:prstGeom>
+          <a:ln w="19050">
+            <a:solidFill>
+              <a:schemeClr val="tx1"/>
+            </a:solidFill>
+            <a:headEnd type="none" w="med" len="med"/>
+            <a:tailEnd type="arrow" w="med" len="med"/>
+          </a:ln>
+        </p:spPr>
+        <p:style>
+          <a:lnRef idx="1">
+            <a:schemeClr val="accent1"/>
+          </a:lnRef>
+          <a:fillRef idx="0">
+            <a:schemeClr val="accent1"/>
+          </a:fillRef>
+          <a:effectRef idx="0">
+            <a:schemeClr val="accent1"/>
+          </a:effectRef>
+          <a:fontRef idx="minor">
+            <a:schemeClr val="tx1"/>
+          </a:fontRef>
+        </p:style>
+      </p:cxnSp>
+      <p:sp>
+        <p:nvSpPr>
+          <p:cNvPr id="56" name="Rounded Rectangle 55">
+            <a:extLst>
+              <a:ext uri="{FF2B5EF4-FFF2-40B4-BE49-F238E27FC236}">
+                <a16:creationId xmlns:a16="http://schemas.microsoft.com/office/drawing/2014/main" id="{4A655FD4-A07C-2868-ECC0-02D315B3C887}"/>
+              </a:ext>
+            </a:extLst>
+          </p:cNvPr>
+          <p:cNvSpPr/>
+          <p:nvPr/>
+        </p:nvSpPr>
+        <p:spPr>
+          <a:xfrm>
+            <a:off x="108029" y="3403796"/>
+            <a:ext cx="3406444" cy="1554969"/>
+          </a:xfrm>
+          <a:prstGeom prst="roundRect">
+            <a:avLst>
+              <a:gd name="adj" fmla="val 4694"/>
+            </a:avLst>
+          </a:prstGeom>
+          <a:noFill/>
+          <a:ln w="12700">
+            <a:solidFill>
+              <a:schemeClr val="tx1"/>
+            </a:solidFill>
+            <a:prstDash val="dash"/>
+          </a:ln>
+        </p:spPr>
+        <p:style>
+          <a:lnRef idx="2">
+            <a:schemeClr val="accent1">
+              <a:shade val="50000"/>
+            </a:schemeClr>
+          </a:lnRef>
+          <a:fillRef idx="1">
+            <a:schemeClr val="accent1"/>
+          </a:fillRef>
+          <a:effectRef idx="0">
+            <a:schemeClr val="accent1"/>
+          </a:effectRef>
+          <a:fontRef idx="minor">
+            <a:schemeClr val="lt1"/>
+          </a:fontRef>
+        </p:style>
+        <p:txBody>
+          <a:bodyPr rtlCol="0" anchor="t"/>
+          <a:lstStyle/>
+          <a:p>
+            <a:pPr algn="ctr"/>
+            <a:r>
+              <a:rPr lang="en-KR" sz="1400" b="1">
+                <a:solidFill>
+                  <a:sysClr val="windowText" lastClr="000000"/>
+                </a:solidFill>
+              </a:rPr>
+              <a:t>Resource / Cluster Manager</a:t>
+            </a:r>
+          </a:p>
+        </p:txBody>
+      </p:sp>
+      <p:sp>
+        <p:nvSpPr>
+          <p:cNvPr id="59" name="Rounded Rectangle 58">
+            <a:extLst>
+              <a:ext uri="{FF2B5EF4-FFF2-40B4-BE49-F238E27FC236}">
+                <a16:creationId xmlns:a16="http://schemas.microsoft.com/office/drawing/2014/main" id="{8520DC2D-C2EA-7103-E1E4-821C2770090D}"/>
+              </a:ext>
+            </a:extLst>
+          </p:cNvPr>
+          <p:cNvSpPr/>
+          <p:nvPr/>
+        </p:nvSpPr>
+        <p:spPr>
+          <a:xfrm>
+            <a:off x="3591537" y="3403796"/>
+            <a:ext cx="3475465" cy="1554969"/>
+          </a:xfrm>
+          <a:prstGeom prst="roundRect">
+            <a:avLst>
+              <a:gd name="adj" fmla="val 4694"/>
+            </a:avLst>
+          </a:prstGeom>
+          <a:noFill/>
+          <a:ln w="12700">
+            <a:solidFill>
+              <a:schemeClr val="tx1"/>
+            </a:solidFill>
+            <a:prstDash val="dash"/>
+          </a:ln>
+        </p:spPr>
+        <p:style>
+          <a:lnRef idx="2">
+            <a:schemeClr val="accent1">
+              <a:shade val="50000"/>
+            </a:schemeClr>
+          </a:lnRef>
+          <a:fillRef idx="1">
+            <a:schemeClr val="accent1"/>
+          </a:fillRef>
+          <a:effectRef idx="0">
+            <a:schemeClr val="accent1"/>
+          </a:effectRef>
+          <a:fontRef idx="minor">
+            <a:schemeClr val="lt1"/>
+          </a:fontRef>
+        </p:style>
+        <p:txBody>
+          <a:bodyPr rtlCol="0" anchor="t"/>
+          <a:lstStyle/>
+          <a:p>
+            <a:pPr algn="ctr"/>
+            <a:r>
+              <a:rPr lang="en-KR" sz="1400" b="1">
+                <a:solidFill>
+                  <a:sysClr val="windowText" lastClr="000000"/>
+                </a:solidFill>
+              </a:rPr>
+              <a:t>Storage</a:t>
+            </a:r>
+          </a:p>
+        </p:txBody>
+      </p:sp>
+      <p:sp>
+        <p:nvSpPr>
+          <p:cNvPr id="60" name="모서리가 둥근 직사각형 2">
+            <a:extLst>
+              <a:ext uri="{FF2B5EF4-FFF2-40B4-BE49-F238E27FC236}">
+                <a16:creationId xmlns:a16="http://schemas.microsoft.com/office/drawing/2014/main" id="{7F7887C9-3F5C-AEDF-1DB4-4329E3265FC3}"/>
+              </a:ext>
+            </a:extLst>
+          </p:cNvPr>
+          <p:cNvSpPr/>
+          <p:nvPr/>
+        </p:nvSpPr>
+        <p:spPr>
+          <a:xfrm>
+            <a:off x="5472039" y="3785726"/>
+            <a:ext cx="1464126" cy="484963"/>
+          </a:xfrm>
+          <a:prstGeom prst="roundRect">
+            <a:avLst>
+              <a:gd name="adj" fmla="val 9458"/>
+            </a:avLst>
+          </a:prstGeom>
+        </p:spPr>
+        <p:style>
+          <a:lnRef idx="2">
+            <a:schemeClr val="dk1"/>
+          </a:lnRef>
+          <a:fillRef idx="1">
+            <a:schemeClr val="lt1"/>
+          </a:fillRef>
+          <a:effectRef idx="0">
+            <a:schemeClr val="dk1"/>
+          </a:effectRef>
+          <a:fontRef idx="minor">
+            <a:schemeClr val="dk1"/>
+          </a:fontRef>
+        </p:style>
+        <p:txBody>
+          <a:bodyPr rtlCol="0" anchor="ctr"/>
+          <a:lstStyle/>
+          <a:p>
+            <a:pPr algn="ctr"/>
+            <a:r>
+              <a:rPr lang="en-US" altLang="ko-KR" sz="1400"/>
+              <a:t>Gluster FS</a:t>
+            </a:r>
+            <a:endParaRPr lang="ko-KR" altLang="en-US" sz="1400"/>
+          </a:p>
+        </p:txBody>
+      </p:sp>
+      <p:sp>
+        <p:nvSpPr>
+          <p:cNvPr id="61" name="모서리가 둥근 직사각형 2">
+            <a:extLst>
+              <a:ext uri="{FF2B5EF4-FFF2-40B4-BE49-F238E27FC236}">
+                <a16:creationId xmlns:a16="http://schemas.microsoft.com/office/drawing/2014/main" id="{A04F1466-0BBF-BED4-F33B-22C1802BDFAB}"/>
+              </a:ext>
+            </a:extLst>
+          </p:cNvPr>
+          <p:cNvSpPr/>
+          <p:nvPr/>
+        </p:nvSpPr>
+        <p:spPr>
+          <a:xfrm>
+            <a:off x="3691882" y="3785722"/>
+            <a:ext cx="1645142" cy="484967"/>
+          </a:xfrm>
+          <a:prstGeom prst="roundRect">
+            <a:avLst>
+              <a:gd name="adj" fmla="val 9458"/>
+            </a:avLst>
+          </a:prstGeom>
+        </p:spPr>
+        <p:style>
+          <a:lnRef idx="2">
+            <a:schemeClr val="dk1"/>
+          </a:lnRef>
+          <a:fillRef idx="1">
+            <a:schemeClr val="lt1"/>
+          </a:fillRef>
+          <a:effectRef idx="0">
+            <a:schemeClr val="dk1"/>
+          </a:effectRef>
+          <a:fontRef idx="minor">
+            <a:schemeClr val="dk1"/>
+          </a:fontRef>
+        </p:style>
+        <p:txBody>
+          <a:bodyPr rtlCol="0" anchor="ctr"/>
+          <a:lstStyle/>
+          <a:p>
+            <a:pPr algn="ctr"/>
+            <a:r>
+              <a:rPr lang="en-US" altLang="ko-KR" sz="1400"/>
+              <a:t>HDFS</a:t>
+            </a:r>
+            <a:endParaRPr lang="ko-KR" altLang="en-US" sz="1400"/>
+          </a:p>
+        </p:txBody>
+      </p:sp>
+      <p:sp>
+        <p:nvSpPr>
+          <p:cNvPr id="62" name="모서리가 둥근 직사각형 2">
+            <a:extLst>
+              <a:ext uri="{FF2B5EF4-FFF2-40B4-BE49-F238E27FC236}">
+                <a16:creationId xmlns:a16="http://schemas.microsoft.com/office/drawing/2014/main" id="{8EFB65B0-4A14-7A30-2913-F85662439D93}"/>
+              </a:ext>
+            </a:extLst>
+          </p:cNvPr>
+          <p:cNvSpPr/>
+          <p:nvPr/>
+        </p:nvSpPr>
+        <p:spPr>
+          <a:xfrm>
+            <a:off x="4506698" y="4398995"/>
+            <a:ext cx="1645142" cy="484963"/>
+          </a:xfrm>
+          <a:prstGeom prst="roundRect">
+            <a:avLst>
+              <a:gd name="adj" fmla="val 9458"/>
+            </a:avLst>
+          </a:prstGeom>
+        </p:spPr>
+        <p:style>
+          <a:lnRef idx="2">
+            <a:schemeClr val="dk1"/>
+          </a:lnRef>
+          <a:fillRef idx="1">
+            <a:schemeClr val="lt1"/>
+          </a:fillRef>
+          <a:effectRef idx="0">
+            <a:schemeClr val="dk1"/>
+          </a:effectRef>
+          <a:fontRef idx="minor">
+            <a:schemeClr val="dk1"/>
+          </a:fontRef>
+        </p:style>
+        <p:txBody>
+          <a:bodyPr rtlCol="0" anchor="ctr"/>
+          <a:lstStyle/>
+          <a:p>
+            <a:pPr algn="ctr"/>
+            <a:r>
+              <a:rPr lang="en-US" altLang="ko-KR" sz="1400"/>
+              <a:t>Amazon S3</a:t>
+            </a:r>
+            <a:endParaRPr lang="ko-KR" altLang="en-US" sz="1400"/>
+          </a:p>
+        </p:txBody>
+      </p:sp>
+      <p:cxnSp>
+        <p:nvCxnSpPr>
+          <p:cNvPr id="67" name="Straight Arrow Connector 66">
+            <a:extLst>
+              <a:ext uri="{FF2B5EF4-FFF2-40B4-BE49-F238E27FC236}">
+                <a16:creationId xmlns:a16="http://schemas.microsoft.com/office/drawing/2014/main" id="{DD5948E9-AD8A-1F16-02C2-7E7D33434430}"/>
+              </a:ext>
+            </a:extLst>
+          </p:cNvPr>
+          <p:cNvCxnSpPr>
+            <a:cxnSpLocks/>
+            <a:stCxn id="26" idx="2"/>
+            <a:endCxn id="56" idx="0"/>
+          </p:cNvCxnSpPr>
+          <p:nvPr/>
+        </p:nvCxnSpPr>
+        <p:spPr>
+          <a:xfrm flipH="1">
+            <a:off x="1811251" y="3231917"/>
+            <a:ext cx="1770923" cy="171879"/>
+          </a:xfrm>
+          <a:prstGeom prst="straightConnector1">
+            <a:avLst/>
+          </a:prstGeom>
+          <a:ln w="19050">
+            <a:solidFill>
+              <a:schemeClr val="tx1"/>
+            </a:solidFill>
+            <a:headEnd type="none" w="med" len="med"/>
+            <a:tailEnd type="arrow" w="med" len="med"/>
+          </a:ln>
+        </p:spPr>
+        <p:style>
+          <a:lnRef idx="1">
+            <a:schemeClr val="accent1"/>
+          </a:lnRef>
+          <a:fillRef idx="0">
+            <a:schemeClr val="accent1"/>
+          </a:fillRef>
+          <a:effectRef idx="0">
+            <a:schemeClr val="accent1"/>
+          </a:effectRef>
+          <a:fontRef idx="minor">
+            <a:schemeClr val="tx1"/>
+          </a:fontRef>
+        </p:style>
+      </p:cxnSp>
+      <p:cxnSp>
+        <p:nvCxnSpPr>
+          <p:cNvPr id="70" name="Straight Arrow Connector 69">
+            <a:extLst>
+              <a:ext uri="{FF2B5EF4-FFF2-40B4-BE49-F238E27FC236}">
+                <a16:creationId xmlns:a16="http://schemas.microsoft.com/office/drawing/2014/main" id="{D21C256A-C50F-3EA8-DC9F-FE90CE480FBB}"/>
+              </a:ext>
+            </a:extLst>
+          </p:cNvPr>
+          <p:cNvCxnSpPr>
+            <a:cxnSpLocks/>
+            <a:stCxn id="26" idx="2"/>
+            <a:endCxn id="59" idx="0"/>
+          </p:cNvCxnSpPr>
+          <p:nvPr/>
+        </p:nvCxnSpPr>
+        <p:spPr>
+          <a:xfrm>
+            <a:off x="3582174" y="3231917"/>
+            <a:ext cx="1747096" cy="171879"/>
+          </a:xfrm>
+          <a:prstGeom prst="straightConnector1">
+            <a:avLst/>
+          </a:prstGeom>
+          <a:ln w="19050">
+            <a:solidFill>
+              <a:schemeClr val="tx1"/>
+            </a:solidFill>
+            <a:headEnd type="none" w="med" len="med"/>
+            <a:tailEnd type="arrow" w="med" len="med"/>
+          </a:ln>
+        </p:spPr>
+        <p:style>
+          <a:lnRef idx="1">
+            <a:schemeClr val="accent1"/>
+          </a:lnRef>
+          <a:fillRef idx="0">
+            <a:schemeClr val="accent1"/>
+          </a:fillRef>
+          <a:effectRef idx="0">
+            <a:schemeClr val="accent1"/>
+          </a:effectRef>
+          <a:fontRef idx="minor">
+            <a:schemeClr val="tx1"/>
+          </a:fontRef>
+        </p:style>
+      </p:cxnSp>
+    </p:spTree>
+    <p:extLst>
+      <p:ext uri="{BB962C8B-B14F-4D97-AF65-F5344CB8AC3E}">
+        <p14:creationId xmlns:p14="http://schemas.microsoft.com/office/powerpoint/2010/main" val="3747996683"/>
+      </p:ext>
+    </p:extLst>
+  </p:cSld>
+  <p:clrMapOvr>
+    <a:masterClrMapping/>
+  </p:clrMapOvr>
+</p:sld>
+</file>
+
+<file path=ppt/slides/slide6.xml><?xml version="1.0" encoding="utf-8"?>
+<p:sld xmlns:a="http://schemas.openxmlformats.org/drawingml/2006/main" xmlns:r="http://schemas.openxmlformats.org/officeDocument/2006/relationships" xmlns:p="http://schemas.openxmlformats.org/presentationml/2006/main">
+  <p:cSld>
+    <p:spTree>
+      <p:nvGrpSpPr>
+        <p:cNvPr id="1" name=""/>
+        <p:cNvGrpSpPr/>
+        <p:nvPr/>
+      </p:nvGrpSpPr>
+      <p:grpSpPr>
+        <a:xfrm>
+          <a:off x="0" y="0"/>
+          <a:ext cx="0" cy="0"/>
+          <a:chOff x="0" y="0"/>
+          <a:chExt cx="0" cy="0"/>
+        </a:xfrm>
+      </p:grpSpPr>
+      <p:sp>
+        <p:nvSpPr>
+          <p:cNvPr id="2" name="제목 1">
+            <a:extLst>
+              <a:ext uri="{FF2B5EF4-FFF2-40B4-BE49-F238E27FC236}">
+                <a16:creationId xmlns:a16="http://schemas.microsoft.com/office/drawing/2014/main" id="{42D92FD6-97D5-22EF-2A04-0BC282BD0B3C}"/>
+              </a:ext>
+            </a:extLst>
+          </p:cNvPr>
+          <p:cNvSpPr txBox="1">
+            <a:spLocks/>
+          </p:cNvSpPr>
+          <p:nvPr/>
+        </p:nvSpPr>
+        <p:spPr>
+          <a:xfrm>
+            <a:off x="565354" y="-92546"/>
+            <a:ext cx="8229600" cy="857250"/>
+          </a:xfrm>
+          <a:prstGeom prst="rect">
+            <a:avLst/>
+          </a:prstGeom>
+        </p:spPr>
+        <p:txBody>
+          <a:bodyPr>
+            <a:normAutofit/>
+          </a:bodyPr>
+          <a:lstStyle>
+            <a:lvl1pPr algn="ctr" defTabSz="914400" rtl="0" eaLnBrk="1" latinLnBrk="1" hangingPunct="1">
+              <a:spcBef>
+                <a:spcPct val="0"/>
+              </a:spcBef>
+              <a:buNone/>
+              <a:defRPr sz="4400" kern="1200">
+                <a:solidFill>
+                  <a:schemeClr val="tx1"/>
+                </a:solidFill>
+                <a:latin typeface="+mj-lt"/>
+                <a:ea typeface="+mj-ea"/>
+                <a:cs typeface="+mj-cs"/>
+              </a:defRPr>
+            </a:lvl1pPr>
+          </a:lstStyle>
+          <a:p>
+            <a:r>
+              <a:rPr lang="en-US" altLang="ko-KR" sz="3600"/>
+              <a:t>Spark Runtime Architecture</a:t>
+            </a:r>
+            <a:endParaRPr lang="ko-KR" altLang="en-US" sz="3600"/>
+          </a:p>
+        </p:txBody>
+      </p:sp>
+      <p:sp>
+        <p:nvSpPr>
+          <p:cNvPr id="3" name="모서리가 둥근 직사각형 2">
+            <a:extLst>
+              <a:ext uri="{FF2B5EF4-FFF2-40B4-BE49-F238E27FC236}">
+                <a16:creationId xmlns:a16="http://schemas.microsoft.com/office/drawing/2014/main" id="{29FC35A9-438D-7611-74EE-522B6BEDF6E4}"/>
+              </a:ext>
+            </a:extLst>
+          </p:cNvPr>
+          <p:cNvSpPr/>
+          <p:nvPr/>
+        </p:nvSpPr>
+        <p:spPr>
+          <a:xfrm>
+            <a:off x="573484" y="1943736"/>
+            <a:ext cx="1871648" cy="1316290"/>
+          </a:xfrm>
+          <a:prstGeom prst="roundRect">
+            <a:avLst>
+              <a:gd name="adj" fmla="val 6522"/>
+            </a:avLst>
+          </a:prstGeom>
+        </p:spPr>
+        <p:style>
+          <a:lnRef idx="2">
+            <a:schemeClr val="dk1"/>
+          </a:lnRef>
+          <a:fillRef idx="1">
+            <a:schemeClr val="lt1"/>
+          </a:fillRef>
+          <a:effectRef idx="0">
+            <a:schemeClr val="dk1"/>
+          </a:effectRef>
+          <a:fontRef idx="minor">
+            <a:schemeClr val="dk1"/>
+          </a:fontRef>
+        </p:style>
+        <p:txBody>
+          <a:bodyPr rtlCol="0" anchor="t"/>
+          <a:lstStyle/>
+          <a:p>
+            <a:pPr algn="ctr"/>
+            <a:r>
+              <a:rPr lang="en-US" altLang="ko-KR" sz="1400" b="1"/>
+              <a:t>Spark Application</a:t>
+            </a:r>
+            <a:endParaRPr lang="ko-KR" altLang="en-US" sz="1400" b="1"/>
+          </a:p>
+        </p:txBody>
+      </p:sp>
+      <p:sp>
+        <p:nvSpPr>
+          <p:cNvPr id="4" name="모서리가 둥근 직사각형 2">
+            <a:extLst>
+              <a:ext uri="{FF2B5EF4-FFF2-40B4-BE49-F238E27FC236}">
+                <a16:creationId xmlns:a16="http://schemas.microsoft.com/office/drawing/2014/main" id="{0D21432D-C076-C9BD-D29C-6FEA7B0FEFD3}"/>
+              </a:ext>
+            </a:extLst>
+          </p:cNvPr>
+          <p:cNvSpPr/>
+          <p:nvPr/>
+        </p:nvSpPr>
+        <p:spPr>
+          <a:xfrm>
+            <a:off x="684227" y="2329021"/>
+            <a:ext cx="1650162" cy="838850"/>
+          </a:xfrm>
+          <a:prstGeom prst="roundRect">
+            <a:avLst>
+              <a:gd name="adj" fmla="val 9458"/>
+            </a:avLst>
+          </a:prstGeom>
+        </p:spPr>
+        <p:style>
+          <a:lnRef idx="2">
+            <a:schemeClr val="dk1"/>
+          </a:lnRef>
+          <a:fillRef idx="1">
+            <a:schemeClr val="lt1"/>
+          </a:fillRef>
+          <a:effectRef idx="0">
+            <a:schemeClr val="dk1"/>
+          </a:effectRef>
+          <a:fontRef idx="minor">
+            <a:schemeClr val="dk1"/>
+          </a:fontRef>
+        </p:style>
+        <p:txBody>
+          <a:bodyPr rtlCol="0" anchor="t"/>
+          <a:lstStyle/>
+          <a:p>
+            <a:pPr algn="ctr"/>
+            <a:r>
+              <a:rPr lang="en-US" altLang="ko-KR" sz="1400"/>
+              <a:t>Driver Program</a:t>
+            </a:r>
+            <a:endParaRPr lang="ko-KR" altLang="en-US" sz="1400"/>
+          </a:p>
+        </p:txBody>
+      </p:sp>
+      <p:sp>
+        <p:nvSpPr>
+          <p:cNvPr id="6" name="모서리가 둥근 직사각형 2">
+            <a:extLst>
+              <a:ext uri="{FF2B5EF4-FFF2-40B4-BE49-F238E27FC236}">
+                <a16:creationId xmlns:a16="http://schemas.microsoft.com/office/drawing/2014/main" id="{25E2544E-EC1D-0B11-2A8A-E437F036D189}"/>
+              </a:ext>
+            </a:extLst>
+          </p:cNvPr>
+          <p:cNvSpPr/>
+          <p:nvPr/>
+        </p:nvSpPr>
+        <p:spPr>
+          <a:xfrm>
+            <a:off x="788948" y="2667340"/>
+            <a:ext cx="1440720" cy="406696"/>
+          </a:xfrm>
+          <a:prstGeom prst="roundRect">
+            <a:avLst>
+              <a:gd name="adj" fmla="val 9458"/>
+            </a:avLst>
+          </a:prstGeom>
+        </p:spPr>
+        <p:style>
+          <a:lnRef idx="2">
+            <a:schemeClr val="dk1"/>
+          </a:lnRef>
+          <a:fillRef idx="1">
+            <a:schemeClr val="lt1"/>
+          </a:fillRef>
+          <a:effectRef idx="0">
+            <a:schemeClr val="dk1"/>
+          </a:effectRef>
+          <a:fontRef idx="minor">
+            <a:schemeClr val="dk1"/>
+          </a:fontRef>
+        </p:style>
+        <p:txBody>
+          <a:bodyPr rtlCol="0" anchor="ctr"/>
+          <a:lstStyle/>
+          <a:p>
+            <a:pPr algn="ctr"/>
+            <a:r>
+              <a:rPr lang="en-US" altLang="ko-KR" sz="1400"/>
+              <a:t>SparkContext</a:t>
+            </a:r>
+            <a:endParaRPr lang="ko-KR" altLang="en-US" sz="1400"/>
+          </a:p>
+        </p:txBody>
+      </p:sp>
+      <p:sp>
+        <p:nvSpPr>
+          <p:cNvPr id="7" name="모서리가 둥근 직사각형 2">
+            <a:extLst>
+              <a:ext uri="{FF2B5EF4-FFF2-40B4-BE49-F238E27FC236}">
+                <a16:creationId xmlns:a16="http://schemas.microsoft.com/office/drawing/2014/main" id="{58DDAF0C-FEAF-40AB-59D9-478E6D9B212C}"/>
+              </a:ext>
+            </a:extLst>
+          </p:cNvPr>
+          <p:cNvSpPr/>
+          <p:nvPr/>
+        </p:nvSpPr>
+        <p:spPr>
+          <a:xfrm>
+            <a:off x="3525252" y="2628204"/>
+            <a:ext cx="1789158" cy="484967"/>
+          </a:xfrm>
+          <a:prstGeom prst="roundRect">
+            <a:avLst>
+              <a:gd name="adj" fmla="val 9458"/>
+            </a:avLst>
+          </a:prstGeom>
+        </p:spPr>
+        <p:style>
+          <a:lnRef idx="2">
+            <a:schemeClr val="dk1"/>
+          </a:lnRef>
+          <a:fillRef idx="1">
+            <a:schemeClr val="lt1"/>
+          </a:fillRef>
+          <a:effectRef idx="0">
+            <a:schemeClr val="dk1"/>
+          </a:effectRef>
+          <a:fontRef idx="minor">
+            <a:schemeClr val="dk1"/>
+          </a:fontRef>
+        </p:style>
+        <p:txBody>
+          <a:bodyPr rtlCol="0" anchor="ctr"/>
+          <a:lstStyle/>
+          <a:p>
+            <a:pPr algn="ctr"/>
+            <a:r>
+              <a:rPr lang="en-US" altLang="ko-KR" sz="1400" b="1"/>
+              <a:t>Cluster / Resource</a:t>
+            </a:r>
+          </a:p>
+          <a:p>
+            <a:pPr algn="ctr"/>
+            <a:r>
+              <a:rPr lang="en-US" altLang="ko-KR" sz="1400" b="1"/>
+              <a:t>Manager</a:t>
+            </a:r>
+          </a:p>
+        </p:txBody>
+      </p:sp>
+      <p:sp>
+        <p:nvSpPr>
+          <p:cNvPr id="9" name="모서리가 둥근 직사각형 2">
+            <a:extLst>
+              <a:ext uri="{FF2B5EF4-FFF2-40B4-BE49-F238E27FC236}">
+                <a16:creationId xmlns:a16="http://schemas.microsoft.com/office/drawing/2014/main" id="{538585B3-5C74-DD9B-A39D-E59813CC81CD}"/>
+              </a:ext>
+            </a:extLst>
+          </p:cNvPr>
+          <p:cNvSpPr/>
+          <p:nvPr/>
+        </p:nvSpPr>
+        <p:spPr>
+          <a:xfrm>
+            <a:off x="6394530" y="1134973"/>
+            <a:ext cx="1871648" cy="1316290"/>
+          </a:xfrm>
+          <a:prstGeom prst="roundRect">
+            <a:avLst>
+              <a:gd name="adj" fmla="val 6522"/>
+            </a:avLst>
+          </a:prstGeom>
+        </p:spPr>
+        <p:style>
+          <a:lnRef idx="2">
+            <a:schemeClr val="dk1"/>
+          </a:lnRef>
+          <a:fillRef idx="1">
+            <a:schemeClr val="lt1"/>
+          </a:fillRef>
+          <a:effectRef idx="0">
+            <a:schemeClr val="dk1"/>
+          </a:effectRef>
+          <a:fontRef idx="minor">
+            <a:schemeClr val="dk1"/>
+          </a:fontRef>
+        </p:style>
+        <p:txBody>
+          <a:bodyPr rtlCol="0" anchor="t"/>
+          <a:lstStyle/>
+          <a:p>
+            <a:pPr algn="ctr"/>
+            <a:r>
+              <a:rPr lang="en-US" altLang="ko-KR" sz="1400" b="1"/>
+              <a:t>Worker Node</a:t>
+            </a:r>
+            <a:endParaRPr lang="ko-KR" altLang="en-US" sz="1400" b="1"/>
+          </a:p>
+        </p:txBody>
+      </p:sp>
+      <p:cxnSp>
+        <p:nvCxnSpPr>
+          <p:cNvPr id="13" name="Straight Arrow Connector 12">
+            <a:extLst>
+              <a:ext uri="{FF2B5EF4-FFF2-40B4-BE49-F238E27FC236}">
+                <a16:creationId xmlns:a16="http://schemas.microsoft.com/office/drawing/2014/main" id="{EA79ECF9-1214-6B7E-E601-85023F07BEC1}"/>
+              </a:ext>
+            </a:extLst>
+          </p:cNvPr>
+          <p:cNvCxnSpPr>
+            <a:cxnSpLocks/>
+            <a:stCxn id="6" idx="3"/>
+            <a:endCxn id="7" idx="1"/>
+          </p:cNvCxnSpPr>
+          <p:nvPr/>
+        </p:nvCxnSpPr>
+        <p:spPr>
+          <a:xfrm>
+            <a:off x="2229668" y="2870688"/>
+            <a:ext cx="1295584" cy="0"/>
+          </a:xfrm>
+          <a:prstGeom prst="straightConnector1">
+            <a:avLst/>
+          </a:prstGeom>
+          <a:ln w="19050">
+            <a:solidFill>
+              <a:schemeClr val="tx1"/>
+            </a:solidFill>
+            <a:headEnd type="arrow" w="med" len="med"/>
+            <a:tailEnd type="arrow" w="med" len="med"/>
+          </a:ln>
+        </p:spPr>
+        <p:style>
+          <a:lnRef idx="1">
+            <a:schemeClr val="accent1"/>
+          </a:lnRef>
+          <a:fillRef idx="0">
+            <a:schemeClr val="accent1"/>
+          </a:fillRef>
+          <a:effectRef idx="0">
+            <a:schemeClr val="accent1"/>
+          </a:effectRef>
+          <a:fontRef idx="minor">
+            <a:schemeClr val="tx1"/>
+          </a:fontRef>
+        </p:style>
+      </p:cxnSp>
+      <p:cxnSp>
+        <p:nvCxnSpPr>
+          <p:cNvPr id="16" name="Straight Arrow Connector 15">
+            <a:extLst>
+              <a:ext uri="{FF2B5EF4-FFF2-40B4-BE49-F238E27FC236}">
+                <a16:creationId xmlns:a16="http://schemas.microsoft.com/office/drawing/2014/main" id="{FF729CCC-B556-5B9E-46F5-AC8BB881EF60}"/>
+              </a:ext>
+            </a:extLst>
+          </p:cNvPr>
+          <p:cNvCxnSpPr>
+            <a:cxnSpLocks/>
+            <a:stCxn id="6" idx="3"/>
+            <a:endCxn id="19" idx="1"/>
+          </p:cNvCxnSpPr>
+          <p:nvPr/>
+        </p:nvCxnSpPr>
+        <p:spPr>
+          <a:xfrm flipV="1">
+            <a:off x="2229668" y="1923434"/>
+            <a:ext cx="4275605" cy="947254"/>
+          </a:xfrm>
+          <a:prstGeom prst="straightConnector1">
+            <a:avLst/>
+          </a:prstGeom>
+          <a:ln w="19050">
+            <a:solidFill>
+              <a:schemeClr val="tx1"/>
+            </a:solidFill>
+            <a:headEnd type="arrow" w="med" len="med"/>
+            <a:tailEnd type="arrow" w="med" len="med"/>
+          </a:ln>
+        </p:spPr>
+        <p:style>
+          <a:lnRef idx="1">
+            <a:schemeClr val="accent1"/>
+          </a:lnRef>
+          <a:fillRef idx="0">
+            <a:schemeClr val="accent1"/>
+          </a:fillRef>
+          <a:effectRef idx="0">
+            <a:schemeClr val="accent1"/>
+          </a:effectRef>
+          <a:fontRef idx="minor">
+            <a:schemeClr val="tx1"/>
+          </a:fontRef>
+        </p:style>
+      </p:cxnSp>
+      <p:sp>
+        <p:nvSpPr>
+          <p:cNvPr id="19" name="모서리가 둥근 직사각형 2">
+            <a:extLst>
+              <a:ext uri="{FF2B5EF4-FFF2-40B4-BE49-F238E27FC236}">
+                <a16:creationId xmlns:a16="http://schemas.microsoft.com/office/drawing/2014/main" id="{6763F43A-C157-6EC2-B493-F5CCB482582A}"/>
+              </a:ext>
+            </a:extLst>
+          </p:cNvPr>
+          <p:cNvSpPr/>
+          <p:nvPr/>
+        </p:nvSpPr>
+        <p:spPr>
+          <a:xfrm>
+            <a:off x="6505273" y="1504009"/>
+            <a:ext cx="1650162" cy="838850"/>
+          </a:xfrm>
+          <a:prstGeom prst="roundRect">
+            <a:avLst>
+              <a:gd name="adj" fmla="val 9458"/>
+            </a:avLst>
+          </a:prstGeom>
+        </p:spPr>
+        <p:style>
+          <a:lnRef idx="2">
+            <a:schemeClr val="dk1"/>
+          </a:lnRef>
+          <a:fillRef idx="1">
+            <a:schemeClr val="lt1"/>
+          </a:fillRef>
+          <a:effectRef idx="0">
+            <a:schemeClr val="dk1"/>
+          </a:effectRef>
+          <a:fontRef idx="minor">
+            <a:schemeClr val="dk1"/>
+          </a:fontRef>
+        </p:style>
+        <p:txBody>
+          <a:bodyPr rtlCol="0" anchor="t"/>
+          <a:lstStyle/>
+          <a:p>
+            <a:r>
+              <a:rPr lang="en-US" altLang="ko-KR" sz="1400"/>
+              <a:t>Executor</a:t>
+            </a:r>
+            <a:endParaRPr lang="ko-KR" altLang="en-US" sz="1400"/>
+          </a:p>
+        </p:txBody>
+      </p:sp>
+      <p:sp>
+        <p:nvSpPr>
+          <p:cNvPr id="21" name="모서리가 둥근 직사각형 2">
+            <a:extLst>
+              <a:ext uri="{FF2B5EF4-FFF2-40B4-BE49-F238E27FC236}">
+                <a16:creationId xmlns:a16="http://schemas.microsoft.com/office/drawing/2014/main" id="{4FCF6279-2182-FF8A-81CB-B3ED60B1FB66}"/>
+              </a:ext>
+            </a:extLst>
+          </p:cNvPr>
+          <p:cNvSpPr/>
+          <p:nvPr/>
+        </p:nvSpPr>
+        <p:spPr>
+          <a:xfrm>
+            <a:off x="6596084" y="1973822"/>
+            <a:ext cx="673584" cy="286435"/>
+          </a:xfrm>
+          <a:prstGeom prst="roundRect">
+            <a:avLst>
+              <a:gd name="adj" fmla="val 27054"/>
+            </a:avLst>
+          </a:prstGeom>
+        </p:spPr>
+        <p:style>
+          <a:lnRef idx="2">
+            <a:schemeClr val="dk1"/>
+          </a:lnRef>
+          <a:fillRef idx="1">
+            <a:schemeClr val="lt1"/>
+          </a:fillRef>
+          <a:effectRef idx="0">
+            <a:schemeClr val="dk1"/>
+          </a:effectRef>
+          <a:fontRef idx="minor">
+            <a:schemeClr val="dk1"/>
+          </a:fontRef>
+        </p:style>
+        <p:txBody>
+          <a:bodyPr rtlCol="0" anchor="ctr"/>
+          <a:lstStyle/>
+          <a:p>
+            <a:pPr algn="ctr"/>
+            <a:r>
+              <a:rPr lang="en-US" altLang="ko-KR" sz="1200"/>
+              <a:t>Task</a:t>
+            </a:r>
+            <a:endParaRPr lang="ko-KR" altLang="en-US" sz="1200"/>
+          </a:p>
+        </p:txBody>
+      </p:sp>
+      <p:sp>
+        <p:nvSpPr>
+          <p:cNvPr id="22" name="모서리가 둥근 직사각형 2">
+            <a:extLst>
+              <a:ext uri="{FF2B5EF4-FFF2-40B4-BE49-F238E27FC236}">
+                <a16:creationId xmlns:a16="http://schemas.microsoft.com/office/drawing/2014/main" id="{60093E80-5602-7D70-75AF-8064E43CCBFA}"/>
+              </a:ext>
+            </a:extLst>
+          </p:cNvPr>
+          <p:cNvSpPr/>
+          <p:nvPr/>
+        </p:nvSpPr>
+        <p:spPr>
+          <a:xfrm>
+            <a:off x="7382456" y="1973822"/>
+            <a:ext cx="673584" cy="286435"/>
+          </a:xfrm>
+          <a:prstGeom prst="roundRect">
+            <a:avLst>
+              <a:gd name="adj" fmla="val 27054"/>
+            </a:avLst>
+          </a:prstGeom>
+        </p:spPr>
+        <p:style>
+          <a:lnRef idx="2">
+            <a:schemeClr val="dk1"/>
+          </a:lnRef>
+          <a:fillRef idx="1">
+            <a:schemeClr val="lt1"/>
+          </a:fillRef>
+          <a:effectRef idx="0">
+            <a:schemeClr val="dk1"/>
+          </a:effectRef>
+          <a:fontRef idx="minor">
+            <a:schemeClr val="dk1"/>
+          </a:fontRef>
+        </p:style>
+        <p:txBody>
+          <a:bodyPr rtlCol="0" anchor="ctr"/>
+          <a:lstStyle/>
+          <a:p>
+            <a:pPr algn="ctr"/>
+            <a:r>
+              <a:rPr lang="en-US" altLang="ko-KR" sz="1200"/>
+              <a:t>Task</a:t>
+            </a:r>
+            <a:endParaRPr lang="ko-KR" altLang="en-US" sz="1200"/>
+          </a:p>
+        </p:txBody>
+      </p:sp>
+      <p:sp>
+        <p:nvSpPr>
+          <p:cNvPr id="23" name="모서리가 둥근 직사각형 2">
+            <a:extLst>
+              <a:ext uri="{FF2B5EF4-FFF2-40B4-BE49-F238E27FC236}">
+                <a16:creationId xmlns:a16="http://schemas.microsoft.com/office/drawing/2014/main" id="{6B8E22CA-40BD-80CB-0E2D-3F361576E424}"/>
+              </a:ext>
+            </a:extLst>
+          </p:cNvPr>
+          <p:cNvSpPr/>
+          <p:nvPr/>
+        </p:nvSpPr>
+        <p:spPr>
+          <a:xfrm>
+            <a:off x="7382456" y="1590150"/>
+            <a:ext cx="673584" cy="286435"/>
+          </a:xfrm>
+          <a:prstGeom prst="roundRect">
+            <a:avLst>
+              <a:gd name="adj" fmla="val 27054"/>
+            </a:avLst>
+          </a:prstGeom>
+        </p:spPr>
+        <p:style>
+          <a:lnRef idx="2">
+            <a:schemeClr val="dk1"/>
+          </a:lnRef>
+          <a:fillRef idx="1">
+            <a:schemeClr val="lt1"/>
+          </a:fillRef>
+          <a:effectRef idx="0">
+            <a:schemeClr val="dk1"/>
+          </a:effectRef>
+          <a:fontRef idx="minor">
+            <a:schemeClr val="dk1"/>
+          </a:fontRef>
+        </p:style>
+        <p:txBody>
+          <a:bodyPr rtlCol="0" anchor="ctr"/>
+          <a:lstStyle/>
+          <a:p>
+            <a:pPr algn="ctr"/>
+            <a:r>
+              <a:rPr lang="en-US" altLang="ko-KR" sz="1200"/>
+              <a:t>Cache</a:t>
+            </a:r>
+            <a:endParaRPr lang="ko-KR" altLang="en-US" sz="1200"/>
+          </a:p>
+        </p:txBody>
+      </p:sp>
+      <p:sp>
+        <p:nvSpPr>
+          <p:cNvPr id="24" name="모서리가 둥근 직사각형 2">
+            <a:extLst>
+              <a:ext uri="{FF2B5EF4-FFF2-40B4-BE49-F238E27FC236}">
+                <a16:creationId xmlns:a16="http://schemas.microsoft.com/office/drawing/2014/main" id="{8837C1A1-2B3E-8407-C52A-4F346A5F8C28}"/>
+              </a:ext>
+            </a:extLst>
+          </p:cNvPr>
+          <p:cNvSpPr/>
+          <p:nvPr/>
+        </p:nvSpPr>
+        <p:spPr>
+          <a:xfrm>
+            <a:off x="6394530" y="3219822"/>
+            <a:ext cx="1871648" cy="1316290"/>
+          </a:xfrm>
+          <a:prstGeom prst="roundRect">
+            <a:avLst>
+              <a:gd name="adj" fmla="val 6522"/>
+            </a:avLst>
+          </a:prstGeom>
+        </p:spPr>
+        <p:style>
+          <a:lnRef idx="2">
+            <a:schemeClr val="dk1"/>
+          </a:lnRef>
+          <a:fillRef idx="1">
+            <a:schemeClr val="lt1"/>
+          </a:fillRef>
+          <a:effectRef idx="0">
+            <a:schemeClr val="dk1"/>
+          </a:effectRef>
+          <a:fontRef idx="minor">
+            <a:schemeClr val="dk1"/>
+          </a:fontRef>
+        </p:style>
+        <p:txBody>
+          <a:bodyPr rtlCol="0" anchor="t"/>
+          <a:lstStyle/>
+          <a:p>
+            <a:pPr algn="ctr"/>
+            <a:r>
+              <a:rPr lang="en-US" altLang="ko-KR" sz="1400" b="1"/>
+              <a:t>Worker Node</a:t>
+            </a:r>
+            <a:endParaRPr lang="ko-KR" altLang="en-US" sz="1400" b="1"/>
+          </a:p>
+        </p:txBody>
+      </p:sp>
+      <p:sp>
+        <p:nvSpPr>
+          <p:cNvPr id="25" name="모서리가 둥근 직사각형 2">
+            <a:extLst>
+              <a:ext uri="{FF2B5EF4-FFF2-40B4-BE49-F238E27FC236}">
+                <a16:creationId xmlns:a16="http://schemas.microsoft.com/office/drawing/2014/main" id="{5400625D-C08E-7287-3AE4-3E1DAF9DE624}"/>
+              </a:ext>
+            </a:extLst>
+          </p:cNvPr>
+          <p:cNvSpPr/>
+          <p:nvPr/>
+        </p:nvSpPr>
+        <p:spPr>
+          <a:xfrm>
+            <a:off x="6505273" y="3588858"/>
+            <a:ext cx="1650162" cy="838850"/>
+          </a:xfrm>
+          <a:prstGeom prst="roundRect">
+            <a:avLst>
+              <a:gd name="adj" fmla="val 9458"/>
+            </a:avLst>
+          </a:prstGeom>
+        </p:spPr>
+        <p:style>
+          <a:lnRef idx="2">
+            <a:schemeClr val="dk1"/>
+          </a:lnRef>
+          <a:fillRef idx="1">
+            <a:schemeClr val="lt1"/>
+          </a:fillRef>
+          <a:effectRef idx="0">
+            <a:schemeClr val="dk1"/>
+          </a:effectRef>
+          <a:fontRef idx="minor">
+            <a:schemeClr val="dk1"/>
+          </a:fontRef>
+        </p:style>
+        <p:txBody>
+          <a:bodyPr rtlCol="0" anchor="t"/>
+          <a:lstStyle/>
+          <a:p>
+            <a:r>
+              <a:rPr lang="en-US" altLang="ko-KR" sz="1400"/>
+              <a:t>Executor</a:t>
+            </a:r>
+            <a:endParaRPr lang="ko-KR" altLang="en-US" sz="1400"/>
+          </a:p>
+        </p:txBody>
+      </p:sp>
+      <p:sp>
+        <p:nvSpPr>
+          <p:cNvPr id="26" name="모서리가 둥근 직사각형 2">
+            <a:extLst>
+              <a:ext uri="{FF2B5EF4-FFF2-40B4-BE49-F238E27FC236}">
+                <a16:creationId xmlns:a16="http://schemas.microsoft.com/office/drawing/2014/main" id="{0A934070-20A2-2930-7996-5A4A6B482F2B}"/>
+              </a:ext>
+            </a:extLst>
+          </p:cNvPr>
+          <p:cNvSpPr/>
+          <p:nvPr/>
+        </p:nvSpPr>
+        <p:spPr>
+          <a:xfrm>
+            <a:off x="6596084" y="4058671"/>
+            <a:ext cx="673584" cy="286435"/>
+          </a:xfrm>
+          <a:prstGeom prst="roundRect">
+            <a:avLst>
+              <a:gd name="adj" fmla="val 27054"/>
+            </a:avLst>
+          </a:prstGeom>
+        </p:spPr>
+        <p:style>
+          <a:lnRef idx="2">
+            <a:schemeClr val="dk1"/>
+          </a:lnRef>
+          <a:fillRef idx="1">
+            <a:schemeClr val="lt1"/>
+          </a:fillRef>
+          <a:effectRef idx="0">
+            <a:schemeClr val="dk1"/>
+          </a:effectRef>
+          <a:fontRef idx="minor">
+            <a:schemeClr val="dk1"/>
+          </a:fontRef>
+        </p:style>
+        <p:txBody>
+          <a:bodyPr rtlCol="0" anchor="ctr"/>
+          <a:lstStyle/>
+          <a:p>
+            <a:pPr algn="ctr"/>
+            <a:r>
+              <a:rPr lang="en-US" altLang="ko-KR" sz="1200"/>
+              <a:t>Task</a:t>
+            </a:r>
+            <a:endParaRPr lang="ko-KR" altLang="en-US" sz="1200"/>
+          </a:p>
+        </p:txBody>
+      </p:sp>
+      <p:sp>
+        <p:nvSpPr>
+          <p:cNvPr id="27" name="모서리가 둥근 직사각형 2">
+            <a:extLst>
+              <a:ext uri="{FF2B5EF4-FFF2-40B4-BE49-F238E27FC236}">
+                <a16:creationId xmlns:a16="http://schemas.microsoft.com/office/drawing/2014/main" id="{2A68968B-2C5F-C90D-A761-C6F65DC9A7F8}"/>
+              </a:ext>
+            </a:extLst>
+          </p:cNvPr>
+          <p:cNvSpPr/>
+          <p:nvPr/>
+        </p:nvSpPr>
+        <p:spPr>
+          <a:xfrm>
+            <a:off x="7382456" y="4058671"/>
+            <a:ext cx="673584" cy="286435"/>
+          </a:xfrm>
+          <a:prstGeom prst="roundRect">
+            <a:avLst>
+              <a:gd name="adj" fmla="val 27054"/>
+            </a:avLst>
+          </a:prstGeom>
+        </p:spPr>
+        <p:style>
+          <a:lnRef idx="2">
+            <a:schemeClr val="dk1"/>
+          </a:lnRef>
+          <a:fillRef idx="1">
+            <a:schemeClr val="lt1"/>
+          </a:fillRef>
+          <a:effectRef idx="0">
+            <a:schemeClr val="dk1"/>
+          </a:effectRef>
+          <a:fontRef idx="minor">
+            <a:schemeClr val="dk1"/>
+          </a:fontRef>
+        </p:style>
+        <p:txBody>
+          <a:bodyPr rtlCol="0" anchor="ctr"/>
+          <a:lstStyle/>
+          <a:p>
+            <a:pPr algn="ctr"/>
+            <a:r>
+              <a:rPr lang="en-US" altLang="ko-KR" sz="1200"/>
+              <a:t>Task</a:t>
+            </a:r>
+            <a:endParaRPr lang="ko-KR" altLang="en-US" sz="1200"/>
+          </a:p>
+        </p:txBody>
+      </p:sp>
+      <p:sp>
+        <p:nvSpPr>
+          <p:cNvPr id="28" name="모서리가 둥근 직사각형 2">
+            <a:extLst>
+              <a:ext uri="{FF2B5EF4-FFF2-40B4-BE49-F238E27FC236}">
+                <a16:creationId xmlns:a16="http://schemas.microsoft.com/office/drawing/2014/main" id="{BDFBB24E-4396-B395-5816-8DA018E6F7CB}"/>
+              </a:ext>
+            </a:extLst>
+          </p:cNvPr>
+          <p:cNvSpPr/>
+          <p:nvPr/>
+        </p:nvSpPr>
+        <p:spPr>
+          <a:xfrm>
+            <a:off x="7382456" y="3674999"/>
+            <a:ext cx="673584" cy="286435"/>
+          </a:xfrm>
+          <a:prstGeom prst="roundRect">
+            <a:avLst>
+              <a:gd name="adj" fmla="val 27054"/>
+            </a:avLst>
+          </a:prstGeom>
+        </p:spPr>
+        <p:style>
+          <a:lnRef idx="2">
+            <a:schemeClr val="dk1"/>
+          </a:lnRef>
+          <a:fillRef idx="1">
+            <a:schemeClr val="lt1"/>
+          </a:fillRef>
+          <a:effectRef idx="0">
+            <a:schemeClr val="dk1"/>
+          </a:effectRef>
+          <a:fontRef idx="minor">
+            <a:schemeClr val="dk1"/>
+          </a:fontRef>
+        </p:style>
+        <p:txBody>
+          <a:bodyPr rtlCol="0" anchor="ctr"/>
+          <a:lstStyle/>
+          <a:p>
+            <a:pPr algn="ctr"/>
+            <a:r>
+              <a:rPr lang="en-US" altLang="ko-KR" sz="1200"/>
+              <a:t>Cache</a:t>
+            </a:r>
+            <a:endParaRPr lang="ko-KR" altLang="en-US" sz="1200"/>
+          </a:p>
+        </p:txBody>
+      </p:sp>
+      <p:cxnSp>
+        <p:nvCxnSpPr>
+          <p:cNvPr id="29" name="Straight Arrow Connector 28">
+            <a:extLst>
+              <a:ext uri="{FF2B5EF4-FFF2-40B4-BE49-F238E27FC236}">
+                <a16:creationId xmlns:a16="http://schemas.microsoft.com/office/drawing/2014/main" id="{0963FDED-B3AB-E73B-4A15-C2E59E00A825}"/>
+              </a:ext>
+            </a:extLst>
+          </p:cNvPr>
+          <p:cNvCxnSpPr>
+            <a:cxnSpLocks/>
+            <a:stCxn id="6" idx="3"/>
+            <a:endCxn id="25" idx="1"/>
+          </p:cNvCxnSpPr>
+          <p:nvPr/>
+        </p:nvCxnSpPr>
+        <p:spPr>
+          <a:xfrm>
+            <a:off x="2229668" y="2870688"/>
+            <a:ext cx="4275605" cy="1137595"/>
+          </a:xfrm>
+          <a:prstGeom prst="straightConnector1">
+            <a:avLst/>
+          </a:prstGeom>
+          <a:ln w="19050">
+            <a:solidFill>
+              <a:schemeClr val="tx1"/>
+            </a:solidFill>
+            <a:headEnd type="arrow" w="med" len="med"/>
+            <a:tailEnd type="arrow" w="med" len="med"/>
+          </a:ln>
+        </p:spPr>
+        <p:style>
+          <a:lnRef idx="1">
+            <a:schemeClr val="accent1"/>
+          </a:lnRef>
+          <a:fillRef idx="0">
+            <a:schemeClr val="accent1"/>
+          </a:fillRef>
+          <a:effectRef idx="0">
+            <a:schemeClr val="accent1"/>
+          </a:effectRef>
+          <a:fontRef idx="minor">
+            <a:schemeClr val="tx1"/>
+          </a:fontRef>
+        </p:style>
+      </p:cxnSp>
+      <p:cxnSp>
+        <p:nvCxnSpPr>
+          <p:cNvPr id="36" name="Straight Arrow Connector 35">
+            <a:extLst>
+              <a:ext uri="{FF2B5EF4-FFF2-40B4-BE49-F238E27FC236}">
+                <a16:creationId xmlns:a16="http://schemas.microsoft.com/office/drawing/2014/main" id="{249564BD-F74D-6BF0-03B1-6A1D185C1818}"/>
+              </a:ext>
+            </a:extLst>
+          </p:cNvPr>
+          <p:cNvCxnSpPr>
+            <a:cxnSpLocks/>
+            <a:stCxn id="7" idx="3"/>
+            <a:endCxn id="25" idx="1"/>
+          </p:cNvCxnSpPr>
+          <p:nvPr/>
+        </p:nvCxnSpPr>
+        <p:spPr>
+          <a:xfrm>
+            <a:off x="5314410" y="2870688"/>
+            <a:ext cx="1190863" cy="1137595"/>
+          </a:xfrm>
+          <a:prstGeom prst="straightConnector1">
+            <a:avLst/>
+          </a:prstGeom>
+          <a:ln w="19050">
+            <a:solidFill>
+              <a:schemeClr val="tx1"/>
+            </a:solidFill>
+            <a:headEnd type="arrow" w="med" len="med"/>
+            <a:tailEnd type="arrow" w="med" len="med"/>
+          </a:ln>
+        </p:spPr>
+        <p:style>
+          <a:lnRef idx="1">
+            <a:schemeClr val="accent1"/>
+          </a:lnRef>
+          <a:fillRef idx="0">
+            <a:schemeClr val="accent1"/>
+          </a:fillRef>
+          <a:effectRef idx="0">
+            <a:schemeClr val="accent1"/>
+          </a:effectRef>
+          <a:fontRef idx="minor">
+            <a:schemeClr val="tx1"/>
+          </a:fontRef>
+        </p:style>
+      </p:cxnSp>
+      <p:cxnSp>
+        <p:nvCxnSpPr>
+          <p:cNvPr id="39" name="Straight Arrow Connector 38">
+            <a:extLst>
+              <a:ext uri="{FF2B5EF4-FFF2-40B4-BE49-F238E27FC236}">
+                <a16:creationId xmlns:a16="http://schemas.microsoft.com/office/drawing/2014/main" id="{C61054EB-17E1-62BD-5E08-8342250C99E3}"/>
+              </a:ext>
+            </a:extLst>
+          </p:cNvPr>
+          <p:cNvCxnSpPr>
+            <a:cxnSpLocks/>
+            <a:stCxn id="7" idx="3"/>
+            <a:endCxn id="19" idx="1"/>
+          </p:cNvCxnSpPr>
+          <p:nvPr/>
+        </p:nvCxnSpPr>
+        <p:spPr>
+          <a:xfrm flipV="1">
+            <a:off x="5314410" y="1923434"/>
+            <a:ext cx="1190863" cy="947254"/>
+          </a:xfrm>
+          <a:prstGeom prst="straightConnector1">
+            <a:avLst/>
+          </a:prstGeom>
+          <a:ln w="19050">
+            <a:solidFill>
+              <a:schemeClr val="tx1"/>
+            </a:solidFill>
+            <a:headEnd type="arrow" w="med" len="med"/>
+            <a:tailEnd type="arrow" w="med" len="med"/>
+          </a:ln>
+        </p:spPr>
+        <p:style>
+          <a:lnRef idx="1">
+            <a:schemeClr val="accent1"/>
+          </a:lnRef>
+          <a:fillRef idx="0">
+            <a:schemeClr val="accent1"/>
+          </a:fillRef>
+          <a:effectRef idx="0">
+            <a:schemeClr val="accent1"/>
+          </a:effectRef>
+          <a:fontRef idx="minor">
+            <a:schemeClr val="tx1"/>
+          </a:fontRef>
+        </p:style>
+      </p:cxnSp>
+    </p:spTree>
+    <p:extLst>
+      <p:ext uri="{BB962C8B-B14F-4D97-AF65-F5344CB8AC3E}">
+        <p14:creationId xmlns:p14="http://schemas.microsoft.com/office/powerpoint/2010/main" val="224329072"/>
       </p:ext>
     </p:extLst>
   </p:cSld>

--- a/images/theory_analysis/Spark_Architecture/Spark_Architecture.pptx
+++ b/images/theory_analysis/Spark_Architecture/Spark_Architecture.pptx
@@ -4386,10 +4386,17 @@
           <a:p>
             <a:pPr algn="ctr"/>
             <a:r>
-              <a:rPr lang="en-US" altLang="ko-KR" sz="1200" b="1"/>
+              <a:rPr lang="en-US" altLang="ko-KR" sz="1100" b="1"/>
               <a:t>Streaming</a:t>
             </a:r>
-            <a:endParaRPr lang="ko-KR" altLang="en-US" sz="1200" b="1"/>
+          </a:p>
+          <a:p>
+            <a:pPr algn="ctr"/>
+            <a:r>
+              <a:rPr lang="en-US" altLang="ko-KR" sz="1100" b="1"/>
+              <a:t>(Dstream)</a:t>
+            </a:r>
+            <a:endParaRPr lang="ko-KR" altLang="en-US" sz="1100" b="1"/>
           </a:p>
         </p:txBody>
       </p:sp>

--- a/images/theory_analysis/Spark_Architecture/Spark_Architecture.pptx
+++ b/images/theory_analysis/Spark_Architecture/Spark_Architecture.pptx
@@ -4928,7 +4928,7 @@
                   <a:sysClr val="windowText" lastClr="000000"/>
                 </a:solidFill>
               </a:rPr>
-              <a:t>Resource / Cluster Manager</a:t>
+              <a:t>Cluster Manager</a:t>
             </a:r>
           </a:p>
         </p:txBody>
@@ -5871,7 +5871,7 @@
             <a:pPr algn="ctr"/>
             <a:r>
               <a:rPr lang="en-US" altLang="ko-KR" sz="1400" b="1"/>
-              <a:t>Resource Manager</a:t>
+              <a:t>Cluster Manager</a:t>
             </a:r>
           </a:p>
         </p:txBody>

--- a/images/theory_analysis/Spark_Architecture/Spark_Architecture.pptx
+++ b/images/theory_analysis/Spark_Architecture/Spark_Architecture.pptx
@@ -5679,56 +5679,6 @@
       </p:sp>
       <p:sp>
         <p:nvSpPr>
-          <p:cNvPr id="3" name="모서리가 둥근 직사각형 2">
-            <a:extLst>
-              <a:ext uri="{FF2B5EF4-FFF2-40B4-BE49-F238E27FC236}">
-                <a16:creationId xmlns:a16="http://schemas.microsoft.com/office/drawing/2014/main" id="{29FC35A9-438D-7611-74EE-522B6BEDF6E4}"/>
-              </a:ext>
-            </a:extLst>
-          </p:cNvPr>
-          <p:cNvSpPr/>
-          <p:nvPr/>
-        </p:nvSpPr>
-        <p:spPr>
-          <a:xfrm>
-            <a:off x="573484" y="1943736"/>
-            <a:ext cx="1871648" cy="1316290"/>
-          </a:xfrm>
-          <a:prstGeom prst="roundRect">
-            <a:avLst>
-              <a:gd name="adj" fmla="val 6522"/>
-            </a:avLst>
-          </a:prstGeom>
-        </p:spPr>
-        <p:style>
-          <a:lnRef idx="2">
-            <a:schemeClr val="dk1"/>
-          </a:lnRef>
-          <a:fillRef idx="1">
-            <a:schemeClr val="lt1"/>
-          </a:fillRef>
-          <a:effectRef idx="0">
-            <a:schemeClr val="dk1"/>
-          </a:effectRef>
-          <a:fontRef idx="minor">
-            <a:schemeClr val="dk1"/>
-          </a:fontRef>
-        </p:style>
-        <p:txBody>
-          <a:bodyPr rtlCol="0" anchor="t"/>
-          <a:lstStyle/>
-          <a:p>
-            <a:pPr algn="ctr"/>
-            <a:r>
-              <a:rPr lang="en-US" altLang="ko-KR" sz="1400" b="1"/>
-              <a:t>Spark Application</a:t>
-            </a:r>
-            <a:endParaRPr lang="ko-KR" altLang="en-US" sz="1400" b="1"/>
-          </a:p>
-        </p:txBody>
-      </p:sp>
-      <p:sp>
-        <p:nvSpPr>
           <p:cNvPr id="4" name="모서리가 둥근 직사각형 2">
             <a:extLst>
               <a:ext uri="{FF2B5EF4-FFF2-40B4-BE49-F238E27FC236}">
@@ -5770,10 +5720,10 @@
           <a:p>
             <a:pPr algn="ctr"/>
             <a:r>
-              <a:rPr lang="en-US" altLang="ko-KR" sz="1400"/>
+              <a:rPr lang="en-US" altLang="ko-KR" sz="1400" b="1"/>
               <a:t>Driver Program</a:t>
             </a:r>
-            <a:endParaRPr lang="ko-KR" altLang="en-US" sz="1400"/>
+            <a:endParaRPr lang="ko-KR" altLang="en-US" sz="1400" b="1"/>
           </a:p>
         </p:txBody>
       </p:sp>
